--- a/Google_Ads/graphs.pptx
+++ b/Google_Ads/graphs.pptx
@@ -6,6 +6,11 @@
   </p:sldMasterIdLst>
   <p:sldIdLst>
     <p:sldId id="256" r:id="rId2"/>
+    <p:sldId id="257" r:id="rId3"/>
+    <p:sldId id="258" r:id="rId4"/>
+    <p:sldId id="259" r:id="rId5"/>
+    <p:sldId id="260" r:id="rId6"/>
+    <p:sldId id="261" r:id="rId7"/>
   </p:sldIdLst>
   <p:sldSz cx="12192000" cy="6858000"/>
   <p:notesSz cx="6858000" cy="9144000"/>
@@ -104,6 +109,11 @@
       </a:defRPr>
     </a:lvl9pPr>
   </p:defaultTextStyle>
+  <p:extLst>
+    <p:ext uri="{EFAFB233-063F-42B5-8137-9DF3F51BA10A}">
+      <p15:sldGuideLst xmlns:p15="http://schemas.microsoft.com/office/powerpoint/2012/main"/>
+    </p:ext>
+  </p:extLst>
 </p:presentation>
 </file>
 
@@ -140,6 +150,300 @@
 </inkml:ink>
 </file>
 
+<file path=ppt/ink/ink10.xml><?xml version="1.0" encoding="utf-8"?>
+<inkml:ink xmlns:inkml="http://www.w3.org/2003/InkML">
+  <inkml:definitions>
+    <inkml:context xml:id="ctx0">
+      <inkml:inkSource xml:id="inkSrc0">
+        <inkml:traceFormat>
+          <inkml:channel name="X" type="integer" min="-2.14748E9" max="2.14748E9" units="cm"/>
+          <inkml:channel name="Y" type="integer" min="-2.14748E9" max="2.14748E9" units="cm"/>
+          <inkml:channel name="F" type="integer" max="32767" units="dev"/>
+        </inkml:traceFormat>
+        <inkml:channelProperties>
+          <inkml:channelProperty channel="X" name="resolution" value="1000" units="1/cm"/>
+          <inkml:channelProperty channel="Y" name="resolution" value="1000" units="1/cm"/>
+          <inkml:channelProperty channel="F" name="resolution" value="0" units="1/dev"/>
+        </inkml:channelProperties>
+      </inkml:inkSource>
+      <inkml:timestamp xml:id="ts0" timeString="2021-10-07T15:37:00.813"/>
+    </inkml:context>
+    <inkml:brush xml:id="br0">
+      <inkml:brushProperty name="width" value="0.35" units="cm"/>
+      <inkml:brushProperty name="height" value="2.1" units="cm"/>
+      <inkml:brushProperty name="color" value="#008C3A"/>
+      <inkml:brushProperty name="inkEffects" value="pencil"/>
+    </inkml:brush>
+  </inkml:definitions>
+  <inkml:trace contextRef="#ctx0" brushRef="#br0">0 415 16383,'97'0'0,"-31"0"0,7 0 0,1 0 0,7 0 0,3 0 0,-12 0 0,3 0 0,3 0 0,6 0 0,-3 0 0,8 0 0,3 0 0,2 0 0,-3 0 0,-5 0 0,15 0 0,-7 0 0,2 0 0,9 0 0,-19 0 0,8 0 0,3 0 0,3 0 0,-2 0 0,-3 0 0,-5 0 0,7 0 0,-5 1 0,-2-1 0,-1 0 0,2-1 0,-1 0 0,0-1 0,0-1 0,1 1 0,1 0 0,7 2 0,3 1 0,-1-1 0,-2 0 0,-4-3 0,-1-4 0,-5-3 0,-1 0 0,3 3 0,-9 4 0,3 3 0,0 1 0,-2-2 0,-6-2 0,18-7 0,-7-2 0,0 3 0,0 7 0,0 4 0,-11-4 0,-10-5 0,-5-1 0,9 7 0,-4 0 0,9-7 0,-10 8 0,-2 0 0,-12 0 0,6 0 0,13 0 0,3 0 0,4 0 0,3 0 0,15 0 0,7 0 0,-14 0 0,4 0 0,-3 0 0,-16 0 0,-2 0 0,4 0 0,-1 0 0,4 0 0,0 0 0,-4 0 0,0 0 0,-3 0 0,2 0 0,15 0 0,3 0 0,-5 0 0,8 0 0,-3 0 0,-22 0 0,1 0 0,-6 0 0,-7 0 0,-3 0 0,12 0 0,-3 0 0,23 0 0,-23 0 0,-15 0 0,13 0 0,1 0 0,9 0 0,17 1 0,9-2 0,-6-2 0,7-1 0,-3 0 0,-15 4 0,-1-1 0,6 0 0,-6-3 0,8-1 0,3 0 0,-4-1 0,-7 2 0,3-1 0,-8 2 0,8-2 0,-4 1 0,8-2 0,3 0 0,-2 1 0,-6 0 0,17 1 0,-7 0 0,-2 0 0,-8-2 0,-2-1 0,2 2 0,9 3 0,1 2 0,-6 0 0,0-4 0,-4 0 0,7 4 0,-1 0 0,-12 0 0,-7 0 0,27 0 0,-30 0 0,13 0 0,-10 0 0,-13 0 0,4 0 0,0 4 0,2 0 0,14-3 0,4 0 0,-3 3 0,5 0 0,-8-3 0,4-1 0,1-1 0,2 1 0,0 0 0,3 0 0,11 0 0,3 0 0,-2 0 0,-3 0 0,-2 0 0,-5 0 0,15 0 0,-5 0 0,3 4 0,-5 1 0,-25-1 0,-3 2 0,7 3 0,-2 0 0,-19-4 0,-2-1 0,1 1 0,-1-2 0,27-3 0,-20 0 0,3 0 0,-2 0 0,5 0 0,3 0 0,7 0 0,3 0 0,10-3 0,4-1 0,3-1 0,-9 2 0,2 0 0,4-1 0,0 0 0,-10-1 0,3 0 0,0 0 0,-2-1 0,-3 1 0,2-1 0,-5 0 0,1 0 0,2 0 0,16 0 0,3 0 0,0-1 0,-5 1 0,5-2 0,-5 0 0,3 1 0,-10 3 0,2 1 0,0 0 0,-6-1 0,-1 0 0,-5 0 0,-1 1 0,3 3 0,0 0 0,-8 0 0,-3 0 0,-7 0 0,-8 0 0,-2 0 0,6 0 0,-2 0 0,18 0 0,-8 3 0,6 3 0,8 3 0,7 2 0,-6-1 0,7 2 0,4 1 0,-13-2 0,3 1 0,1 1 0,3-2 0,13 0 0,4-1 0,0-1 0,-4 1 0,-12-1 0,-4 0 0,1 0 0,2-1 0,13 0 0,3-2 0,-1 0 0,-6 0 0,1 1 0,-5 1 0,-1-1 0,0 1 0,-1-1 0,-1 0 0,4-3 0,0 0 0,-14 0 0,24 3 0,-23-8 0,-1-5 0,19-11 0,-36 8 0,5-1 0,19-8 0,4 0 0,8 7 0,3 0 0,-26 1 0,3-1 0,0 2 0,9 4 0,1 2 0,-1 0 0,-2-1 0,-1 0 0,-4 2 0,19 2 0,-2 0 0,-25 0 0,2 0 0,-6 0 0,1 0 0,-2 0 0,15 0 0,0 0 0,-17 0 0,-4 0 0,29 0 0,-22 0 0,-31 0 0,-11 5 0,-17 12 0,4-8 0,16 7 0,38-16 0,26-15 0,-21 10 0,6-2 0,5-10 0,3-1 0,-16 10 0,2 1 0,1-1 0,4-4 0,2-3 0,-4 3 0,16 1 0,-2 1 0,-16-3 0,1-1 0,-4 2 0,-1 2 0,-2 1 0,16-10 0,0 3 0,-19 9 0,-2 2 0,-4-7 0,-3 2 0,17 8 0,-1-5 0,-13 7 0,7 0 0,22 7 0,-8 1 0,-23 0 0,-1 0 0,27 7 0,-27-7 0,-1 0 0,17 6 0,-4 0 0,-18-1 0,-20-7 0,-2 0 0,-13-6 0,0 0 0,0 0 0,0 0 0,0 0 0,0 0 0,12 0 0,-4 0 0,11 0 0,-6 0 0,0 0 0,-6 0 0,-1 0 0,-6 0 0,0 0 0,0 0 0,0 0 0</inkml:trace>
+</inkml:ink>
+</file>
+
+<file path=ppt/ink/ink11.xml><?xml version="1.0" encoding="utf-8"?>
+<inkml:ink xmlns:inkml="http://www.w3.org/2003/InkML">
+  <inkml:definitions>
+    <inkml:context xml:id="ctx0">
+      <inkml:inkSource xml:id="inkSrc0">
+        <inkml:traceFormat>
+          <inkml:channel name="X" type="integer" min="-2.14748E9" max="2.14748E9" units="cm"/>
+          <inkml:channel name="Y" type="integer" min="-2.14748E9" max="2.14748E9" units="cm"/>
+          <inkml:channel name="F" type="integer" max="32767" units="dev"/>
+        </inkml:traceFormat>
+        <inkml:channelProperties>
+          <inkml:channelProperty channel="X" name="resolution" value="1000" units="1/cm"/>
+          <inkml:channelProperty channel="Y" name="resolution" value="1000" units="1/cm"/>
+          <inkml:channelProperty channel="F" name="resolution" value="0" units="1/dev"/>
+        </inkml:channelProperties>
+      </inkml:inkSource>
+      <inkml:timestamp xml:id="ts0" timeString="2021-10-07T15:37:03.593"/>
+    </inkml:context>
+    <inkml:brush xml:id="br0">
+      <inkml:brushProperty name="width" value="0.35" units="cm"/>
+      <inkml:brushProperty name="height" value="2.1" units="cm"/>
+      <inkml:brushProperty name="color" value="#008C3A"/>
+      <inkml:brushProperty name="inkEffects" value="pencil"/>
+    </inkml:brush>
+  </inkml:definitions>
+  <inkml:trace contextRef="#ctx0" brushRef="#br0">51 0 16383,'0'57'0,"0"1"0,0 19 0,0 7 0,0-19 0,0 3 0,0 6 0,2 2 0,1 5 0,1 3 0,-1-1 0,0 0 0,1-1 0,-1 2 0,2 3 0,-1 0 0,2 4 0,-1 1 0,1-2 0,0-5 0,0-3 0,0-6 0,0 0 0,-1 4 0,-1 2 0,-1 5 0,0 1 0,-1-2 0,1-4 0,-1-1 0,1-3 0,-1-3 0,0 0 0,0 18 0,1-2 0,-1-1 0,-2 5 0,0-1 0,1-11 0,3-17 0,-1-5 0,-3 9 0,0-2 0,5 20 0,-3-30 0,3 27 0,-4-11 0,-2 8 0,2-15 0,-1 4 0,-1 4 0,0-3 0,-2 4 0,0 1 0,-1 1 0,1 2 0,0 1 0,-1 2 0,0 2 0,0-7 0,-1 3 0,-1 1 0,0 1 0,1 0 0,-1 8 0,0 1 0,1 1 0,-1-1 0,1-3 0,1 10 0,0-4 0,1 1 0,-1 3 0,-1-6 0,0 4 0,-1 1 0,1-3 0,0-4 0,1-1 0,1-4 0,-1-3 0,1 2 0,-1-2 0,0 0 0,0 0 0,0-2 0,0 21 0,0-3 0,1-6 0,3 5 0,0-5 0,-4-2 0,0-4 0,4-16 0,-1-7 0,-7 13 0,8-31 0,0-6 0,0 28 0,0 30 0,0-29 0,0 6 0,0-10 0,-1 4 0,2 0 0,3 25 0,1 7 0,-2-14 0,1 11 0,-1 1 0,2-8 0,2-10 0,0-7 0,0 8 0,-1-6 0,-1 8 0,0 2 0,0-1 0,0-8 0,3 16 0,0-7 0,-2-1 0,0-4 0,-2-2 0,0 1 0,0 2 0,0-1 0,-2-6 0,-1-4 0,-2-4 0,1 9 0,0-4 0,0 26 0,0-34 0,0-19 0,0 1 0,0 9 0,0 30 0,1-33 0,-2 5 0,-3 33 0,-2 8 0,5-24 0,1 3 0,-1 1 0,-2 0 0,-1 1 0,1 7 0,-1 5 0,1 7 0,0 2 0,0-4 0,2-16 0,1-3 0,-1 1 0,0 5 0,-1 5 0,-1 7 0,0 1 0,0-2 0,1-7 0,2 15 0,0-7 0,0 4 0,0-10 0,0 5 0,0-2 0,0-5 0,0 0 0,0-5 0,0-1 0,0-1 0,0 0 0,0-1 0,0 3 0,0-1 0,0-5 0,0 1 0,0-3 0,0 8 0,0-3 0,0-16 0,0-4 0,0 34 0,0-36 0,0-16 0,0-13 0,0-17 0,0 4 0,0 24 0,0 5 0,0 29 0,0 9 0,0-16 0,0 14 0,0-5 0,0 0 0,0 8 0,0-26 0,0-4 0,0-22 0,0-8 0,0-7 0,0-6 0,0 1 0,0-1 0</inkml:trace>
+</inkml:ink>
+</file>
+
+<file path=ppt/ink/ink12.xml><?xml version="1.0" encoding="utf-8"?>
+<inkml:ink xmlns:inkml="http://www.w3.org/2003/InkML">
+  <inkml:definitions>
+    <inkml:context xml:id="ctx0">
+      <inkml:inkSource xml:id="inkSrc0">
+        <inkml:traceFormat>
+          <inkml:channel name="X" type="integer" min="-2.14748E9" max="2.14748E9" units="cm"/>
+          <inkml:channel name="Y" type="integer" min="-2.14748E9" max="2.14748E9" units="cm"/>
+          <inkml:channel name="F" type="integer" max="32767" units="dev"/>
+        </inkml:traceFormat>
+        <inkml:channelProperties>
+          <inkml:channelProperty channel="X" name="resolution" value="1000" units="1/cm"/>
+          <inkml:channelProperty channel="Y" name="resolution" value="1000" units="1/cm"/>
+          <inkml:channelProperty channel="F" name="resolution" value="0" units="1/dev"/>
+        </inkml:channelProperties>
+      </inkml:inkSource>
+      <inkml:timestamp xml:id="ts0" timeString="2021-10-07T15:37:15.958"/>
+    </inkml:context>
+    <inkml:brush xml:id="br0">
+      <inkml:brushProperty name="width" value="0.35" units="cm"/>
+      <inkml:brushProperty name="height" value="2.1" units="cm"/>
+      <inkml:brushProperty name="color" value="#008C3A"/>
+      <inkml:brushProperty name="inkEffects" value="pencil"/>
+    </inkml:brush>
+  </inkml:definitions>
+  <inkml:trace contextRef="#ctx0" brushRef="#br0">22 541 16383,'0'-41'0,"0"-2"0,0 19 0,0 0 0,0 3 0,0 3 0,0-4 0,0 4 0,0-3 0,0 9 0,0-9 0,0 9 0,0-9 0,0 3 0,0-4 0,0-8 0,0 6 0,-5-5 0,4 6 0,-4 0 0,5 6 0,0 1 0,0 6 0,-5-1 0,4 1 0,-4 0 0</inkml:trace>
+</inkml:ink>
+</file>
+
+<file path=ppt/ink/ink13.xml><?xml version="1.0" encoding="utf-8"?>
+<inkml:ink xmlns:inkml="http://www.w3.org/2003/InkML">
+  <inkml:definitions>
+    <inkml:context xml:id="ctx0">
+      <inkml:inkSource xml:id="inkSrc0">
+        <inkml:traceFormat>
+          <inkml:channel name="X" type="integer" min="-2.14748E9" max="2.14748E9" units="cm"/>
+          <inkml:channel name="Y" type="integer" min="-2.14748E9" max="2.14748E9" units="cm"/>
+          <inkml:channel name="F" type="integer" max="32767" units="dev"/>
+        </inkml:traceFormat>
+        <inkml:channelProperties>
+          <inkml:channelProperty channel="X" name="resolution" value="1000" units="1/cm"/>
+          <inkml:channelProperty channel="Y" name="resolution" value="1000" units="1/cm"/>
+          <inkml:channelProperty channel="F" name="resolution" value="0" units="1/dev"/>
+        </inkml:channelProperties>
+      </inkml:inkSource>
+      <inkml:timestamp xml:id="ts0" timeString="2021-10-07T15:37:19.877"/>
+    </inkml:context>
+    <inkml:brush xml:id="br0">
+      <inkml:brushProperty name="width" value="0.35" units="cm"/>
+      <inkml:brushProperty name="height" value="2.1" units="cm"/>
+      <inkml:brushProperty name="color" value="#008C3A"/>
+      <inkml:brushProperty name="inkEffects" value="pencil"/>
+    </inkml:brush>
+  </inkml:definitions>
+  <inkml:trace contextRef="#ctx0" brushRef="#br0">0 0 16383,'42'0'0,"0"0"0,-5 0 0,0 0 0,0 0 0,0 0 0,0 0 0,-6 0 0,4 0 0,-16 0 0,9 0 0,-17 0 0,5 0 0,-6 0 0,0 0 0,1 0 0,-1 0 0,-1 0 0,1 0 0,0 0 0,-1 0 0,2 0 0,-1 0 0,-1 0 0,2 0 0,-2 0 0,1 0 0</inkml:trace>
+</inkml:ink>
+</file>
+
+<file path=ppt/ink/ink14.xml><?xml version="1.0" encoding="utf-8"?>
+<inkml:ink xmlns:inkml="http://www.w3.org/2003/InkML">
+  <inkml:definitions>
+    <inkml:context xml:id="ctx0">
+      <inkml:inkSource xml:id="inkSrc0">
+        <inkml:traceFormat>
+          <inkml:channel name="X" type="integer" min="-2.14748E9" max="2.14748E9" units="cm"/>
+          <inkml:channel name="Y" type="integer" min="-2.14748E9" max="2.14748E9" units="cm"/>
+          <inkml:channel name="F" type="integer" max="32767" units="dev"/>
+          <inkml:channel name="OA" type="integer" max="360" units="deg"/>
+          <inkml:channel name="OE" type="integer" max="90" units="deg"/>
+        </inkml:traceFormat>
+        <inkml:channelProperties>
+          <inkml:channelProperty channel="X" name="resolution" value="1000" units="1/cm"/>
+          <inkml:channelProperty channel="Y" name="resolution" value="1000" units="1/cm"/>
+          <inkml:channelProperty channel="F" name="resolution" value="0" units="1/dev"/>
+          <inkml:channelProperty channel="OA" name="resolution" value="1000" units="1/deg"/>
+          <inkml:channelProperty channel="OE" name="resolution" value="1000" units="1/deg"/>
+        </inkml:channelProperties>
+      </inkml:inkSource>
+      <inkml:timestamp xml:id="ts0" timeString="2021-10-07T09:12:05.050"/>
+    </inkml:context>
+    <inkml:brush xml:id="br0">
+      <inkml:brushProperty name="width" value="0.35" units="cm"/>
+      <inkml:brushProperty name="height" value="2.1" units="cm"/>
+      <inkml:brushProperty name="color" value="#008C3A"/>
+      <inkml:brushProperty name="inkEffects" value="pencil"/>
+    </inkml:brush>
+  </inkml:definitions>
+  <inkml:trace contextRef="#ctx0" brushRef="#br0">1 1 12123 180000 90000,'0'0'0'0'0</inkml:trace>
+</inkml:ink>
+</file>
+
+<file path=ppt/ink/ink15.xml><?xml version="1.0" encoding="utf-8"?>
+<inkml:ink xmlns:inkml="http://www.w3.org/2003/InkML">
+  <inkml:definitions>
+    <inkml:context xml:id="ctx0">
+      <inkml:inkSource xml:id="inkSrc0">
+        <inkml:traceFormat>
+          <inkml:channel name="X" type="integer" min="-2.14748E9" max="2.14748E9" units="cm"/>
+          <inkml:channel name="Y" type="integer" min="-2.14748E9" max="2.14748E9" units="cm"/>
+          <inkml:channel name="F" type="integer" max="32767" units="dev"/>
+        </inkml:traceFormat>
+        <inkml:channelProperties>
+          <inkml:channelProperty channel="X" name="resolution" value="1000" units="1/cm"/>
+          <inkml:channelProperty channel="Y" name="resolution" value="1000" units="1/cm"/>
+          <inkml:channelProperty channel="F" name="resolution" value="0" units="1/dev"/>
+        </inkml:channelProperties>
+      </inkml:inkSource>
+      <inkml:timestamp xml:id="ts0" timeString="2021-10-07T09:12:47.481"/>
+    </inkml:context>
+    <inkml:brush xml:id="br0">
+      <inkml:brushProperty name="width" value="0.35" units="cm"/>
+      <inkml:brushProperty name="height" value="2.1" units="cm"/>
+      <inkml:brushProperty name="color" value="#008C3A"/>
+      <inkml:brushProperty name="inkEffects" value="pencil"/>
+    </inkml:brush>
+  </inkml:definitions>
+  <inkml:trace contextRef="#ctx0" brushRef="#br0">0 25 16383,'45'0'0,"2"0"0,-1 0 0,15 0 0,-12 0 0,22 0 0,-22 0 0,11 0 0,-21 0 0,0 0 0,-10 0 0,-7 0 0,0 0 0,-5 0 0,3 0 0,-9 0 0,11 0 0,-5 0 0,5 0 0,7 0 0,2 0 0,6-11 0,8 8 0,-6-8 0,6 11 0,-1 0 0,-5 0 0,6 0 0,-14 0 0,-2 0 0,-7 0 0,1 0 0,-6 0 0,5 0 0,-11 0 0,10 0 0,-9 0 0,9 0 0,-4 0 0,0 0 0,4 0 0,-4 0 0,6 0 0,0 0 0,-6 0 0,4 0 0,-10 0 0,5 0 0,-6 0 0,6 0 0,-4 0 0,3 0 0,-4 0 0,-1 0 0,-1 0 0</inkml:trace>
+</inkml:ink>
+</file>
+
+<file path=ppt/ink/ink16.xml><?xml version="1.0" encoding="utf-8"?>
+<inkml:ink xmlns:inkml="http://www.w3.org/2003/InkML">
+  <inkml:definitions>
+    <inkml:context xml:id="ctx0">
+      <inkml:inkSource xml:id="inkSrc0">
+        <inkml:traceFormat>
+          <inkml:channel name="X" type="integer" min="-2.14748E9" max="2.14748E9" units="cm"/>
+          <inkml:channel name="Y" type="integer" min="-2.14748E9" max="2.14748E9" units="cm"/>
+          <inkml:channel name="F" type="integer" max="32767" units="dev"/>
+        </inkml:traceFormat>
+        <inkml:channelProperties>
+          <inkml:channelProperty channel="X" name="resolution" value="1000" units="1/cm"/>
+          <inkml:channelProperty channel="Y" name="resolution" value="1000" units="1/cm"/>
+          <inkml:channelProperty channel="F" name="resolution" value="0" units="1/dev"/>
+        </inkml:channelProperties>
+      </inkml:inkSource>
+      <inkml:timestamp xml:id="ts0" timeString="2021-10-07T09:12:48.515"/>
+    </inkml:context>
+    <inkml:brush xml:id="br0">
+      <inkml:brushProperty name="width" value="0.35" units="cm"/>
+      <inkml:brushProperty name="height" value="2.1" units="cm"/>
+      <inkml:brushProperty name="color" value="#008C3A"/>
+      <inkml:brushProperty name="inkEffects" value="pencil"/>
+    </inkml:brush>
+  </inkml:definitions>
+  <inkml:trace contextRef="#ctx0" brushRef="#br0">768 382 16383,'-16'-34'0,"-1"3"0,-14 0 0,0 11 0,-24-13 0,13 13 0,-27-9 0,28 4 0,-29-4 0,29 9 0,-28-8 0,20 14 0,-6-7 0,17 14 0,2-4 0,11 4 0,-4 1 0,12 0 0,1 6 0,6-4 0,4 3 0,1-4 0</inkml:trace>
+</inkml:ink>
+</file>
+
+<file path=ppt/ink/ink17.xml><?xml version="1.0" encoding="utf-8"?>
+<inkml:ink xmlns:inkml="http://www.w3.org/2003/InkML">
+  <inkml:definitions>
+    <inkml:context xml:id="ctx0">
+      <inkml:inkSource xml:id="inkSrc0">
+        <inkml:traceFormat>
+          <inkml:channel name="X" type="integer" min="-2.14748E9" max="2.14748E9" units="cm"/>
+          <inkml:channel name="Y" type="integer" min="-2.14748E9" max="2.14748E9" units="cm"/>
+          <inkml:channel name="F" type="integer" max="32767" units="dev"/>
+        </inkml:traceFormat>
+        <inkml:channelProperties>
+          <inkml:channelProperty channel="X" name="resolution" value="1000" units="1/cm"/>
+          <inkml:channelProperty channel="Y" name="resolution" value="1000" units="1/cm"/>
+          <inkml:channelProperty channel="F" name="resolution" value="0" units="1/dev"/>
+        </inkml:channelProperties>
+      </inkml:inkSource>
+      <inkml:timestamp xml:id="ts0" timeString="2021-10-07T09:12:50.005"/>
+    </inkml:context>
+    <inkml:brush xml:id="br0">
+      <inkml:brushProperty name="width" value="0.35" units="cm"/>
+      <inkml:brushProperty name="height" value="2.1" units="cm"/>
+      <inkml:brushProperty name="color" value="#008C3A"/>
+      <inkml:brushProperty name="inkEffects" value="pencil"/>
+    </inkml:brush>
+  </inkml:definitions>
+  <inkml:trace contextRef="#ctx0" brushRef="#br0">385 0 16383,'-22'17'0,"1"3"0,10-3 0,-6 13 0,9-12 0,-13 10 0,18-16 0,-12-1 0,14 3 0,-12-7 0,11 9 0,-11-7 0,2 7 0,-2 8 0,-16 8 0,8 5 0,-12 10 0,8-8 0,0-1 0,0-3 0,7-16 0,2 3 0,10-12 0,-3 0 0,8-4 0,-4-1 0</inkml:trace>
+</inkml:ink>
+</file>
+
+<file path=ppt/ink/ink18.xml><?xml version="1.0" encoding="utf-8"?>
+<inkml:ink xmlns:inkml="http://www.w3.org/2003/InkML">
+  <inkml:definitions>
+    <inkml:context xml:id="ctx0">
+      <inkml:inkSource xml:id="inkSrc0">
+        <inkml:traceFormat>
+          <inkml:channel name="X" type="integer" min="-2.14748E9" max="2.14748E9" units="cm"/>
+          <inkml:channel name="Y" type="integer" min="-2.14748E9" max="2.14748E9" units="cm"/>
+          <inkml:channel name="F" type="integer" max="32767" units="dev"/>
+        </inkml:traceFormat>
+        <inkml:channelProperties>
+          <inkml:channelProperty channel="X" name="resolution" value="1000" units="1/cm"/>
+          <inkml:channelProperty channel="Y" name="resolution" value="1000" units="1/cm"/>
+          <inkml:channelProperty channel="F" name="resolution" value="0" units="1/dev"/>
+        </inkml:channelProperties>
+      </inkml:inkSource>
+      <inkml:timestamp xml:id="ts0" timeString="2021-10-07T09:12:57.671"/>
+    </inkml:context>
+    <inkml:brush xml:id="br0">
+      <inkml:brushProperty name="width" value="0.35" units="cm"/>
+      <inkml:brushProperty name="height" value="2.1" units="cm"/>
+      <inkml:brushProperty name="color" value="#008C3A"/>
+      <inkml:brushProperty name="inkEffects" value="pencil"/>
+    </inkml:brush>
+  </inkml:definitions>
+  <inkml:trace contextRef="#ctx0" brushRef="#br0">1 30 16383,'62'0'0,"11"0"0,-25 0 0,23 0 0,-7 0 0,1 0 0,6-6 0,-15 4 0,15-4 0,-6 6 0,8-7 0,-9 5 0,7-4 0,-15 6 0,7 0 0,-17 0 0,7 0 0,-21 0 0,19 0 0,-19 0 0,13 0 0,-8 0 0,-7 0 0,6 0 0,-5 0 0,-1 0 0,0 0 0,-13 0 0,-2 0 0,-4 0 0,-1 0 0,0 0 0,0 0 0,-1 0 0</inkml:trace>
+</inkml:ink>
+</file>
+
+<file path=ppt/ink/ink19.xml><?xml version="1.0" encoding="utf-8"?>
+<inkml:ink xmlns:inkml="http://www.w3.org/2003/InkML">
+  <inkml:definitions>
+    <inkml:context xml:id="ctx0">
+      <inkml:inkSource xml:id="inkSrc0">
+        <inkml:traceFormat>
+          <inkml:channel name="X" type="integer" min="-2.14748E9" max="2.14748E9" units="cm"/>
+          <inkml:channel name="Y" type="integer" min="-2.14748E9" max="2.14748E9" units="cm"/>
+          <inkml:channel name="F" type="integer" max="32767" units="dev"/>
+        </inkml:traceFormat>
+        <inkml:channelProperties>
+          <inkml:channelProperty channel="X" name="resolution" value="1000" units="1/cm"/>
+          <inkml:channelProperty channel="Y" name="resolution" value="1000" units="1/cm"/>
+          <inkml:channelProperty channel="F" name="resolution" value="0" units="1/dev"/>
+        </inkml:channelProperties>
+      </inkml:inkSource>
+      <inkml:timestamp xml:id="ts0" timeString="2021-10-07T09:12:59.152"/>
+    </inkml:context>
+    <inkml:brush xml:id="br0">
+      <inkml:brushProperty name="width" value="0.35" units="cm"/>
+      <inkml:brushProperty name="height" value="2.1" units="cm"/>
+      <inkml:brushProperty name="color" value="#008C3A"/>
+      <inkml:brushProperty name="inkEffects" value="pencil"/>
+    </inkml:brush>
+  </inkml:definitions>
+  <inkml:trace contextRef="#ctx0" brushRef="#br0">777 360 16383,'-33'0'0,"2"0"0,8-5 0,-6-2 0,-11-19 0,-16-4 0,-4-14 0,11 9 0,-12 0 0,17 3 0,-18 2 0,-3-12 0,23 25 0,-10-14 0,27 28 0,-4-13 0,6 15 0,6-4 0,-3 5 0,14 0 0,-3 0 0</inkml:trace>
+</inkml:ink>
+</file>
+
 <file path=ppt/ink/ink2.xml><?xml version="1.0" encoding="utf-8"?>
 <inkml:ink xmlns:inkml="http://www.w3.org/2003/InkML">
   <inkml:definitions>
@@ -169,6 +473,296 @@
 </inkml:ink>
 </file>
 
+<file path=ppt/ink/ink20.xml><?xml version="1.0" encoding="utf-8"?>
+<inkml:ink xmlns:inkml="http://www.w3.org/2003/InkML">
+  <inkml:definitions>
+    <inkml:context xml:id="ctx0">
+      <inkml:inkSource xml:id="inkSrc0">
+        <inkml:traceFormat>
+          <inkml:channel name="X" type="integer" min="-2.14748E9" max="2.14748E9" units="cm"/>
+          <inkml:channel name="Y" type="integer" min="-2.14748E9" max="2.14748E9" units="cm"/>
+          <inkml:channel name="F" type="integer" max="32767" units="dev"/>
+        </inkml:traceFormat>
+        <inkml:channelProperties>
+          <inkml:channelProperty channel="X" name="resolution" value="1000" units="1/cm"/>
+          <inkml:channelProperty channel="Y" name="resolution" value="1000" units="1/cm"/>
+          <inkml:channelProperty channel="F" name="resolution" value="0" units="1/dev"/>
+        </inkml:channelProperties>
+      </inkml:inkSource>
+      <inkml:timestamp xml:id="ts0" timeString="2021-10-07T09:13:00.712"/>
+    </inkml:context>
+    <inkml:brush xml:id="br0">
+      <inkml:brushProperty name="width" value="0.35" units="cm"/>
+      <inkml:brushProperty name="height" value="2.1" units="cm"/>
+      <inkml:brushProperty name="color" value="#008C3A"/>
+      <inkml:brushProperty name="inkEffects" value="pencil"/>
+    </inkml:brush>
+  </inkml:definitions>
+  <inkml:trace contextRef="#ctx0" brushRef="#br0">713 0 16383,'-27'33'0,"1"-7"0,-12 5 0,12-7 0,-11 0 0,15-6 0,-1 3 0,6-13 0,-5 7 0,5-9 0,4 5 0,-7 0 0,13-5 0,-9 3 0,6-3 0,-6 5 0,-1-1 0,-1 1 0,3 0 0,4-1 0,1 0 0,-1-4 0,6 3 0,-4-8 0,3 8 0,-4-8 0,-5 8 0,3-3 0,-16 11 0,9 1 0,-11 12 0,1-5 0,3 4 0,-3-10 0,6-3 0,6-5 0,6 0 0,2-1 0,7 0 0,-6-5 0,2 0 0</inkml:trace>
+</inkml:ink>
+</file>
+
+<file path=ppt/ink/ink21.xml><?xml version="1.0" encoding="utf-8"?>
+<inkml:ink xmlns:inkml="http://www.w3.org/2003/InkML">
+  <inkml:definitions>
+    <inkml:context xml:id="ctx0">
+      <inkml:inkSource xml:id="inkSrc0">
+        <inkml:traceFormat>
+          <inkml:channel name="X" type="integer" min="-2.14748E9" max="2.14748E9" units="cm"/>
+          <inkml:channel name="Y" type="integer" min="-2.14748E9" max="2.14748E9" units="cm"/>
+          <inkml:channel name="F" type="integer" max="32767" units="dev"/>
+        </inkml:traceFormat>
+        <inkml:channelProperties>
+          <inkml:channelProperty channel="X" name="resolution" value="1000" units="1/cm"/>
+          <inkml:channelProperty channel="Y" name="resolution" value="1000" units="1/cm"/>
+          <inkml:channelProperty channel="F" name="resolution" value="0" units="1/dev"/>
+        </inkml:channelProperties>
+      </inkml:inkSource>
+      <inkml:timestamp xml:id="ts0" timeString="2021-10-08T07:48:24.929"/>
+    </inkml:context>
+    <inkml:brush xml:id="br0">
+      <inkml:brushProperty name="width" value="0.35" units="cm"/>
+      <inkml:brushProperty name="height" value="2.1" units="cm"/>
+      <inkml:brushProperty name="color" value="#008C3A"/>
+      <inkml:brushProperty name="inkEffects" value="pencil"/>
+    </inkml:brush>
+  </inkml:definitions>
+  <inkml:trace contextRef="#ctx0" brushRef="#br0">0 25 16383,'45'0'0,"2"0"0,-1 0 0,15 0 0,-12 0 0,22 0 0,-22 0 0,11 0 0,-21 0 0,0 0 0,-10 0 0,-7 0 0,0 0 0,-5 0 0,3 0 0,-9 0 0,11 0 0,-5 0 0,5 0 0,7 0 0,2 0 0,6-11 0,8 8 0,-6-8 0,6 11 0,-1 0 0,-5 0 0,6 0 0,-14 0 0,-2 0 0,-7 0 0,1 0 0,-6 0 0,5 0 0,-11 0 0,10 0 0,-9 0 0,9 0 0,-4 0 0,0 0 0,4 0 0,-4 0 0,6 0 0,0 0 0,-6 0 0,4 0 0,-10 0 0,5 0 0,-6 0 0,6 0 0,-4 0 0,3 0 0,-4 0 0,-1 0 0,-1 0 0</inkml:trace>
+</inkml:ink>
+</file>
+
+<file path=ppt/ink/ink22.xml><?xml version="1.0" encoding="utf-8"?>
+<inkml:ink xmlns:inkml="http://www.w3.org/2003/InkML">
+  <inkml:definitions>
+    <inkml:context xml:id="ctx0">
+      <inkml:inkSource xml:id="inkSrc0">
+        <inkml:traceFormat>
+          <inkml:channel name="X" type="integer" min="-2.14748E9" max="2.14748E9" units="cm"/>
+          <inkml:channel name="Y" type="integer" min="-2.14748E9" max="2.14748E9" units="cm"/>
+          <inkml:channel name="F" type="integer" max="32767" units="dev"/>
+        </inkml:traceFormat>
+        <inkml:channelProperties>
+          <inkml:channelProperty channel="X" name="resolution" value="1000" units="1/cm"/>
+          <inkml:channelProperty channel="Y" name="resolution" value="1000" units="1/cm"/>
+          <inkml:channelProperty channel="F" name="resolution" value="0" units="1/dev"/>
+        </inkml:channelProperties>
+      </inkml:inkSource>
+      <inkml:timestamp xml:id="ts0" timeString="2021-10-08T07:48:24.930"/>
+    </inkml:context>
+    <inkml:brush xml:id="br0">
+      <inkml:brushProperty name="width" value="0.35" units="cm"/>
+      <inkml:brushProperty name="height" value="2.1" units="cm"/>
+      <inkml:brushProperty name="color" value="#008C3A"/>
+      <inkml:brushProperty name="inkEffects" value="pencil"/>
+    </inkml:brush>
+  </inkml:definitions>
+  <inkml:trace contextRef="#ctx0" brushRef="#br0">768 382 16383,'-16'-34'0,"-1"3"0,-14 0 0,0 11 0,-24-13 0,13 13 0,-27-9 0,28 4 0,-29-4 0,29 9 0,-28-8 0,20 14 0,-6-7 0,17 14 0,2-4 0,11 4 0,-4 1 0,12 0 0,1 6 0,6-4 0,4 3 0,1-4 0</inkml:trace>
+</inkml:ink>
+</file>
+
+<file path=ppt/ink/ink23.xml><?xml version="1.0" encoding="utf-8"?>
+<inkml:ink xmlns:inkml="http://www.w3.org/2003/InkML">
+  <inkml:definitions>
+    <inkml:context xml:id="ctx0">
+      <inkml:inkSource xml:id="inkSrc0">
+        <inkml:traceFormat>
+          <inkml:channel name="X" type="integer" min="-2.14748E9" max="2.14748E9" units="cm"/>
+          <inkml:channel name="Y" type="integer" min="-2.14748E9" max="2.14748E9" units="cm"/>
+          <inkml:channel name="F" type="integer" max="32767" units="dev"/>
+        </inkml:traceFormat>
+        <inkml:channelProperties>
+          <inkml:channelProperty channel="X" name="resolution" value="1000" units="1/cm"/>
+          <inkml:channelProperty channel="Y" name="resolution" value="1000" units="1/cm"/>
+          <inkml:channelProperty channel="F" name="resolution" value="0" units="1/dev"/>
+        </inkml:channelProperties>
+      </inkml:inkSource>
+      <inkml:timestamp xml:id="ts0" timeString="2021-10-08T07:48:24.931"/>
+    </inkml:context>
+    <inkml:brush xml:id="br0">
+      <inkml:brushProperty name="width" value="0.35" units="cm"/>
+      <inkml:brushProperty name="height" value="2.1" units="cm"/>
+      <inkml:brushProperty name="color" value="#008C3A"/>
+      <inkml:brushProperty name="inkEffects" value="pencil"/>
+    </inkml:brush>
+  </inkml:definitions>
+  <inkml:trace contextRef="#ctx0" brushRef="#br0">385 0 16383,'-22'17'0,"1"3"0,10-3 0,-6 13 0,9-12 0,-13 10 0,18-16 0,-12-1 0,14 3 0,-12-7 0,11 9 0,-11-7 0,2 7 0,-2 8 0,-16 8 0,8 5 0,-12 10 0,8-8 0,0-1 0,0-3 0,7-16 0,2 3 0,10-12 0,-3 0 0,8-4 0,-4-1 0</inkml:trace>
+</inkml:ink>
+</file>
+
+<file path=ppt/ink/ink24.xml><?xml version="1.0" encoding="utf-8"?>
+<inkml:ink xmlns:inkml="http://www.w3.org/2003/InkML">
+  <inkml:definitions>
+    <inkml:context xml:id="ctx0">
+      <inkml:inkSource xml:id="inkSrc0">
+        <inkml:traceFormat>
+          <inkml:channel name="X" type="integer" min="-2.14748E9" max="2.14748E9" units="cm"/>
+          <inkml:channel name="Y" type="integer" min="-2.14748E9" max="2.14748E9" units="cm"/>
+          <inkml:channel name="F" type="integer" max="32767" units="dev"/>
+        </inkml:traceFormat>
+        <inkml:channelProperties>
+          <inkml:channelProperty channel="X" name="resolution" value="1000" units="1/cm"/>
+          <inkml:channelProperty channel="Y" name="resolution" value="1000" units="1/cm"/>
+          <inkml:channelProperty channel="F" name="resolution" value="0" units="1/dev"/>
+        </inkml:channelProperties>
+      </inkml:inkSource>
+      <inkml:timestamp xml:id="ts0" timeString="2021-10-08T07:48:24.932"/>
+    </inkml:context>
+    <inkml:brush xml:id="br0">
+      <inkml:brushProperty name="width" value="0.35" units="cm"/>
+      <inkml:brushProperty name="height" value="2.1" units="cm"/>
+      <inkml:brushProperty name="color" value="#008C3A"/>
+      <inkml:brushProperty name="inkEffects" value="pencil"/>
+    </inkml:brush>
+  </inkml:definitions>
+  <inkml:trace contextRef="#ctx0" brushRef="#br0">1 30 16383,'62'0'0,"11"0"0,-25 0 0,23 0 0,-7 0 0,1 0 0,6-6 0,-15 4 0,15-4 0,-6 6 0,8-7 0,-9 5 0,7-4 0,-15 6 0,7 0 0,-17 0 0,7 0 0,-21 0 0,19 0 0,-19 0 0,13 0 0,-8 0 0,-7 0 0,6 0 0,-5 0 0,-1 0 0,0 0 0,-13 0 0,-2 0 0,-4 0 0,-1 0 0,0 0 0,0 0 0,-1 0 0</inkml:trace>
+</inkml:ink>
+</file>
+
+<file path=ppt/ink/ink25.xml><?xml version="1.0" encoding="utf-8"?>
+<inkml:ink xmlns:inkml="http://www.w3.org/2003/InkML">
+  <inkml:definitions>
+    <inkml:context xml:id="ctx0">
+      <inkml:inkSource xml:id="inkSrc0">
+        <inkml:traceFormat>
+          <inkml:channel name="X" type="integer" min="-2.14748E9" max="2.14748E9" units="cm"/>
+          <inkml:channel name="Y" type="integer" min="-2.14748E9" max="2.14748E9" units="cm"/>
+          <inkml:channel name="F" type="integer" max="32767" units="dev"/>
+        </inkml:traceFormat>
+        <inkml:channelProperties>
+          <inkml:channelProperty channel="X" name="resolution" value="1000" units="1/cm"/>
+          <inkml:channelProperty channel="Y" name="resolution" value="1000" units="1/cm"/>
+          <inkml:channelProperty channel="F" name="resolution" value="0" units="1/dev"/>
+        </inkml:channelProperties>
+      </inkml:inkSource>
+      <inkml:timestamp xml:id="ts0" timeString="2021-10-08T07:48:24.933"/>
+    </inkml:context>
+    <inkml:brush xml:id="br0">
+      <inkml:brushProperty name="width" value="0.35" units="cm"/>
+      <inkml:brushProperty name="height" value="2.1" units="cm"/>
+      <inkml:brushProperty name="color" value="#008C3A"/>
+      <inkml:brushProperty name="inkEffects" value="pencil"/>
+    </inkml:brush>
+  </inkml:definitions>
+  <inkml:trace contextRef="#ctx0" brushRef="#br0">777 360 16383,'-33'0'0,"2"0"0,8-5 0,-6-2 0,-11-19 0,-16-4 0,-4-14 0,11 9 0,-12 0 0,17 3 0,-18 2 0,-3-12 0,23 25 0,-10-14 0,27 28 0,-4-13 0,6 15 0,6-4 0,-3 5 0,14 0 0,-3 0 0</inkml:trace>
+</inkml:ink>
+</file>
+
+<file path=ppt/ink/ink26.xml><?xml version="1.0" encoding="utf-8"?>
+<inkml:ink xmlns:inkml="http://www.w3.org/2003/InkML">
+  <inkml:definitions>
+    <inkml:context xml:id="ctx0">
+      <inkml:inkSource xml:id="inkSrc0">
+        <inkml:traceFormat>
+          <inkml:channel name="X" type="integer" min="-2.14748E9" max="2.14748E9" units="cm"/>
+          <inkml:channel name="Y" type="integer" min="-2.14748E9" max="2.14748E9" units="cm"/>
+          <inkml:channel name="F" type="integer" max="32767" units="dev"/>
+        </inkml:traceFormat>
+        <inkml:channelProperties>
+          <inkml:channelProperty channel="X" name="resolution" value="1000" units="1/cm"/>
+          <inkml:channelProperty channel="Y" name="resolution" value="1000" units="1/cm"/>
+          <inkml:channelProperty channel="F" name="resolution" value="0" units="1/dev"/>
+        </inkml:channelProperties>
+      </inkml:inkSource>
+      <inkml:timestamp xml:id="ts0" timeString="2021-10-08T07:48:24.934"/>
+    </inkml:context>
+    <inkml:brush xml:id="br0">
+      <inkml:brushProperty name="width" value="0.35" units="cm"/>
+      <inkml:brushProperty name="height" value="2.1" units="cm"/>
+      <inkml:brushProperty name="color" value="#008C3A"/>
+      <inkml:brushProperty name="inkEffects" value="pencil"/>
+    </inkml:brush>
+  </inkml:definitions>
+  <inkml:trace contextRef="#ctx0" brushRef="#br0">713 0 16383,'-27'33'0,"1"-7"0,-12 5 0,12-7 0,-11 0 0,15-6 0,-1 3 0,6-13 0,-5 7 0,5-9 0,4 5 0,-7 0 0,13-5 0,-9 3 0,6-3 0,-6 5 0,-1-1 0,-1 1 0,3 0 0,4-1 0,1 0 0,-1-4 0,6 3 0,-4-8 0,3 8 0,-4-8 0,-5 8 0,3-3 0,-16 11 0,9 1 0,-11 12 0,1-5 0,3 4 0,-3-10 0,6-3 0,6-5 0,6 0 0,2-1 0,7 0 0,-6-5 0,2 0 0</inkml:trace>
+</inkml:ink>
+</file>
+
+<file path=ppt/ink/ink27.xml><?xml version="1.0" encoding="utf-8"?>
+<inkml:ink xmlns:inkml="http://www.w3.org/2003/InkML">
+  <inkml:definitions>
+    <inkml:context xml:id="ctx0">
+      <inkml:inkSource xml:id="inkSrc0">
+        <inkml:traceFormat>
+          <inkml:channel name="X" type="integer" min="-2.14748E9" max="2.14748E9" units="cm"/>
+          <inkml:channel name="Y" type="integer" min="-2.14748E9" max="2.14748E9" units="cm"/>
+          <inkml:channel name="F" type="integer" max="32767" units="dev"/>
+        </inkml:traceFormat>
+        <inkml:channelProperties>
+          <inkml:channelProperty channel="X" name="resolution" value="1000" units="1/cm"/>
+          <inkml:channelProperty channel="Y" name="resolution" value="1000" units="1/cm"/>
+          <inkml:channelProperty channel="F" name="resolution" value="0" units="1/dev"/>
+        </inkml:channelProperties>
+      </inkml:inkSource>
+      <inkml:timestamp xml:id="ts0" timeString="2021-10-08T07:51:11.376"/>
+    </inkml:context>
+    <inkml:brush xml:id="br0">
+      <inkml:brushProperty name="width" value="0.35" units="cm"/>
+      <inkml:brushProperty name="height" value="2.1" units="cm"/>
+      <inkml:brushProperty name="color" value="#008C3A"/>
+      <inkml:brushProperty name="inkEffects" value="pencil"/>
+    </inkml:brush>
+  </inkml:definitions>
+  <inkml:trace contextRef="#ctx0" brushRef="#br0">0 25 16383,'45'0'0,"2"0"0,-1 0 0,15 0 0,-12 0 0,22 0 0,-22 0 0,11 0 0,-21 0 0,0 0 0,-10 0 0,-7 0 0,0 0 0,-5 0 0,3 0 0,-9 0 0,11 0 0,-5 0 0,5 0 0,7 0 0,2 0 0,6-11 0,8 8 0,-6-8 0,6 11 0,-1 0 0,-5 0 0,6 0 0,-14 0 0,-2 0 0,-7 0 0,1 0 0,-6 0 0,5 0 0,-11 0 0,10 0 0,-9 0 0,9 0 0,-4 0 0,0 0 0,4 0 0,-4 0 0,6 0 0,0 0 0,-6 0 0,4 0 0,-10 0 0,5 0 0,-6 0 0,6 0 0,-4 0 0,3 0 0,-4 0 0,-1 0 0,-1 0 0</inkml:trace>
+</inkml:ink>
+</file>
+
+<file path=ppt/ink/ink28.xml><?xml version="1.0" encoding="utf-8"?>
+<inkml:ink xmlns:inkml="http://www.w3.org/2003/InkML">
+  <inkml:definitions>
+    <inkml:context xml:id="ctx0">
+      <inkml:inkSource xml:id="inkSrc0">
+        <inkml:traceFormat>
+          <inkml:channel name="X" type="integer" min="-2.14748E9" max="2.14748E9" units="cm"/>
+          <inkml:channel name="Y" type="integer" min="-2.14748E9" max="2.14748E9" units="cm"/>
+          <inkml:channel name="F" type="integer" max="32767" units="dev"/>
+        </inkml:traceFormat>
+        <inkml:channelProperties>
+          <inkml:channelProperty channel="X" name="resolution" value="1000" units="1/cm"/>
+          <inkml:channelProperty channel="Y" name="resolution" value="1000" units="1/cm"/>
+          <inkml:channelProperty channel="F" name="resolution" value="0" units="1/dev"/>
+        </inkml:channelProperties>
+      </inkml:inkSource>
+      <inkml:timestamp xml:id="ts0" timeString="2021-10-08T07:51:11.377"/>
+    </inkml:context>
+    <inkml:brush xml:id="br0">
+      <inkml:brushProperty name="width" value="0.35" units="cm"/>
+      <inkml:brushProperty name="height" value="2.1" units="cm"/>
+      <inkml:brushProperty name="color" value="#008C3A"/>
+      <inkml:brushProperty name="inkEffects" value="pencil"/>
+    </inkml:brush>
+  </inkml:definitions>
+  <inkml:trace contextRef="#ctx0" brushRef="#br0">768 382 16383,'-16'-34'0,"-1"3"0,-14 0 0,0 11 0,-24-13 0,13 13 0,-27-9 0,28 4 0,-29-4 0,29 9 0,-28-8 0,20 14 0,-6-7 0,17 14 0,2-4 0,11 4 0,-4 1 0,12 0 0,1 6 0,6-4 0,4 3 0,1-4 0</inkml:trace>
+</inkml:ink>
+</file>
+
+<file path=ppt/ink/ink29.xml><?xml version="1.0" encoding="utf-8"?>
+<inkml:ink xmlns:inkml="http://www.w3.org/2003/InkML">
+  <inkml:definitions>
+    <inkml:context xml:id="ctx0">
+      <inkml:inkSource xml:id="inkSrc0">
+        <inkml:traceFormat>
+          <inkml:channel name="X" type="integer" min="-2.14748E9" max="2.14748E9" units="cm"/>
+          <inkml:channel name="Y" type="integer" min="-2.14748E9" max="2.14748E9" units="cm"/>
+          <inkml:channel name="F" type="integer" max="32767" units="dev"/>
+        </inkml:traceFormat>
+        <inkml:channelProperties>
+          <inkml:channelProperty channel="X" name="resolution" value="1000" units="1/cm"/>
+          <inkml:channelProperty channel="Y" name="resolution" value="1000" units="1/cm"/>
+          <inkml:channelProperty channel="F" name="resolution" value="0" units="1/dev"/>
+        </inkml:channelProperties>
+      </inkml:inkSource>
+      <inkml:timestamp xml:id="ts0" timeString="2021-10-08T07:51:11.378"/>
+    </inkml:context>
+    <inkml:brush xml:id="br0">
+      <inkml:brushProperty name="width" value="0.35" units="cm"/>
+      <inkml:brushProperty name="height" value="2.1" units="cm"/>
+      <inkml:brushProperty name="color" value="#008C3A"/>
+      <inkml:brushProperty name="inkEffects" value="pencil"/>
+    </inkml:brush>
+  </inkml:definitions>
+  <inkml:trace contextRef="#ctx0" brushRef="#br0">385 0 16383,'-22'17'0,"1"3"0,10-3 0,-6 13 0,9-12 0,-13 10 0,18-16 0,-12-1 0,14 3 0,-12-7 0,11 9 0,-11-7 0,2 7 0,-2 8 0,-16 8 0,8 5 0,-12 10 0,8-8 0,0-1 0,0-3 0,7-16 0,2 3 0,10-12 0,-3 0 0,8-4 0,-4-1 0</inkml:trace>
+</inkml:ink>
+</file>
+
 <file path=ppt/ink/ink3.xml><?xml version="1.0" encoding="utf-8"?>
 <inkml:ink xmlns:inkml="http://www.w3.org/2003/InkML">
   <inkml:definitions>
@@ -195,6 +789,93 @@
     </inkml:brush>
   </inkml:definitions>
   <inkml:trace contextRef="#ctx0" brushRef="#br0">768 382 16383,'-16'-34'0,"-1"3"0,-14 0 0,0 11 0,-24-13 0,13 13 0,-27-9 0,28 4 0,-29-4 0,29 9 0,-28-8 0,20 14 0,-6-7 0,17 14 0,2-4 0,11 4 0,-4 1 0,12 0 0,1 6 0,6-4 0,4 3 0,1-4 0</inkml:trace>
+</inkml:ink>
+</file>
+
+<file path=ppt/ink/ink30.xml><?xml version="1.0" encoding="utf-8"?>
+<inkml:ink xmlns:inkml="http://www.w3.org/2003/InkML">
+  <inkml:definitions>
+    <inkml:context xml:id="ctx0">
+      <inkml:inkSource xml:id="inkSrc0">
+        <inkml:traceFormat>
+          <inkml:channel name="X" type="integer" min="-2.14748E9" max="2.14748E9" units="cm"/>
+          <inkml:channel name="Y" type="integer" min="-2.14748E9" max="2.14748E9" units="cm"/>
+          <inkml:channel name="F" type="integer" max="32767" units="dev"/>
+        </inkml:traceFormat>
+        <inkml:channelProperties>
+          <inkml:channelProperty channel="X" name="resolution" value="1000" units="1/cm"/>
+          <inkml:channelProperty channel="Y" name="resolution" value="1000" units="1/cm"/>
+          <inkml:channelProperty channel="F" name="resolution" value="0" units="1/dev"/>
+        </inkml:channelProperties>
+      </inkml:inkSource>
+      <inkml:timestamp xml:id="ts0" timeString="2021-10-08T07:51:11.379"/>
+    </inkml:context>
+    <inkml:brush xml:id="br0">
+      <inkml:brushProperty name="width" value="0.35" units="cm"/>
+      <inkml:brushProperty name="height" value="2.1" units="cm"/>
+      <inkml:brushProperty name="color" value="#008C3A"/>
+      <inkml:brushProperty name="inkEffects" value="pencil"/>
+    </inkml:brush>
+  </inkml:definitions>
+  <inkml:trace contextRef="#ctx0" brushRef="#br0">1 30 16383,'62'0'0,"11"0"0,-25 0 0,23 0 0,-7 0 0,1 0 0,6-6 0,-15 4 0,15-4 0,-6 6 0,8-7 0,-9 5 0,7-4 0,-15 6 0,7 0 0,-17 0 0,7 0 0,-21 0 0,19 0 0,-19 0 0,13 0 0,-8 0 0,-7 0 0,6 0 0,-5 0 0,-1 0 0,0 0 0,-13 0 0,-2 0 0,-4 0 0,-1 0 0,0 0 0,0 0 0,-1 0 0</inkml:trace>
+</inkml:ink>
+</file>
+
+<file path=ppt/ink/ink31.xml><?xml version="1.0" encoding="utf-8"?>
+<inkml:ink xmlns:inkml="http://www.w3.org/2003/InkML">
+  <inkml:definitions>
+    <inkml:context xml:id="ctx0">
+      <inkml:inkSource xml:id="inkSrc0">
+        <inkml:traceFormat>
+          <inkml:channel name="X" type="integer" min="-2.14748E9" max="2.14748E9" units="cm"/>
+          <inkml:channel name="Y" type="integer" min="-2.14748E9" max="2.14748E9" units="cm"/>
+          <inkml:channel name="F" type="integer" max="32767" units="dev"/>
+        </inkml:traceFormat>
+        <inkml:channelProperties>
+          <inkml:channelProperty channel="X" name="resolution" value="1000" units="1/cm"/>
+          <inkml:channelProperty channel="Y" name="resolution" value="1000" units="1/cm"/>
+          <inkml:channelProperty channel="F" name="resolution" value="0" units="1/dev"/>
+        </inkml:channelProperties>
+      </inkml:inkSource>
+      <inkml:timestamp xml:id="ts0" timeString="2021-10-08T07:51:11.380"/>
+    </inkml:context>
+    <inkml:brush xml:id="br0">
+      <inkml:brushProperty name="width" value="0.35" units="cm"/>
+      <inkml:brushProperty name="height" value="2.1" units="cm"/>
+      <inkml:brushProperty name="color" value="#008C3A"/>
+      <inkml:brushProperty name="inkEffects" value="pencil"/>
+    </inkml:brush>
+  </inkml:definitions>
+  <inkml:trace contextRef="#ctx0" brushRef="#br0">777 360 16383,'-33'0'0,"2"0"0,8-5 0,-6-2 0,-11-19 0,-16-4 0,-4-14 0,11 9 0,-12 0 0,17 3 0,-18 2 0,-3-12 0,23 25 0,-10-14 0,27 28 0,-4-13 0,6 15 0,6-4 0,-3 5 0,14 0 0,-3 0 0</inkml:trace>
+</inkml:ink>
+</file>
+
+<file path=ppt/ink/ink32.xml><?xml version="1.0" encoding="utf-8"?>
+<inkml:ink xmlns:inkml="http://www.w3.org/2003/InkML">
+  <inkml:definitions>
+    <inkml:context xml:id="ctx0">
+      <inkml:inkSource xml:id="inkSrc0">
+        <inkml:traceFormat>
+          <inkml:channel name="X" type="integer" min="-2.14748E9" max="2.14748E9" units="cm"/>
+          <inkml:channel name="Y" type="integer" min="-2.14748E9" max="2.14748E9" units="cm"/>
+          <inkml:channel name="F" type="integer" max="32767" units="dev"/>
+        </inkml:traceFormat>
+        <inkml:channelProperties>
+          <inkml:channelProperty channel="X" name="resolution" value="1000" units="1/cm"/>
+          <inkml:channelProperty channel="Y" name="resolution" value="1000" units="1/cm"/>
+          <inkml:channelProperty channel="F" name="resolution" value="0" units="1/dev"/>
+        </inkml:channelProperties>
+      </inkml:inkSource>
+      <inkml:timestamp xml:id="ts0" timeString="2021-10-08T07:51:11.381"/>
+    </inkml:context>
+    <inkml:brush xml:id="br0">
+      <inkml:brushProperty name="width" value="0.35" units="cm"/>
+      <inkml:brushProperty name="height" value="2.1" units="cm"/>
+      <inkml:brushProperty name="color" value="#008C3A"/>
+      <inkml:brushProperty name="inkEffects" value="pencil"/>
+    </inkml:brush>
+  </inkml:definitions>
+  <inkml:trace contextRef="#ctx0" brushRef="#br0">713 0 16383,'-27'33'0,"1"-7"0,-12 5 0,12-7 0,-11 0 0,15-6 0,-1 3 0,6-13 0,-5 7 0,5-9 0,4 5 0,-7 0 0,13-5 0,-9 3 0,6-3 0,-6 5 0,-1-1 0,-1 1 0,3 0 0,4-1 0,1 0 0,-1-4 0,6 3 0,-4-8 0,3 8 0,-4-8 0,-5 8 0,3-3 0,-16 11 0,9 1 0,-11 12 0,1-5 0,3 4 0,-3-10 0,6-3 0,6-5 0,6 0 0,2-1 0,7 0 0,-6-5 0,2 0 0</inkml:trace>
 </inkml:ink>
 </file>
 
@@ -314,6 +995,64 @@
 </inkml:ink>
 </file>
 
+<file path=ppt/ink/ink8.xml><?xml version="1.0" encoding="utf-8"?>
+<inkml:ink xmlns:inkml="http://www.w3.org/2003/InkML">
+  <inkml:definitions>
+    <inkml:context xml:id="ctx0">
+      <inkml:inkSource xml:id="inkSrc0">
+        <inkml:traceFormat>
+          <inkml:channel name="X" type="integer" min="-2.14748E9" max="2.14748E9" units="cm"/>
+          <inkml:channel name="Y" type="integer" min="-2.14748E9" max="2.14748E9" units="cm"/>
+          <inkml:channel name="F" type="integer" max="32767" units="dev"/>
+        </inkml:traceFormat>
+        <inkml:channelProperties>
+          <inkml:channelProperty channel="X" name="resolution" value="1000" units="1/cm"/>
+          <inkml:channelProperty channel="Y" name="resolution" value="1000" units="1/cm"/>
+          <inkml:channelProperty channel="F" name="resolution" value="0" units="1/dev"/>
+        </inkml:channelProperties>
+      </inkml:inkSource>
+      <inkml:timestamp xml:id="ts0" timeString="2021-10-07T15:36:38.417"/>
+    </inkml:context>
+    <inkml:brush xml:id="br0">
+      <inkml:brushProperty name="width" value="0.35" units="cm"/>
+      <inkml:brushProperty name="height" value="2.1" units="cm"/>
+      <inkml:brushProperty name="color" value="#008C3A"/>
+      <inkml:brushProperty name="inkEffects" value="pencil"/>
+    </inkml:brush>
+  </inkml:definitions>
+  <inkml:trace contextRef="#ctx0" brushRef="#br0">444 0 16383,'0'64'0,"0"21"0,0 13 0,0-35 0,0 4 0,0 4 0,0 2 0,0 0 0,0 1 0,0 10 0,0 1 0,0-6 0,0 1 0,0-1 0,0 1 0,0 4 0,0 0 0,0-4 0,0 0 0,0-1 0,0 1 0,0 5 0,0-3 0,0-24 0,0-1 0,0 16 0,0 1 0,0-5 0,0 1 0,-4 4 0,0 2 0,0 3 0,-2 0 0,-2-8 0,-2-1 0,1-5 0,1 2 0,-1 4 0,0 1 0,-1 0 0,2-1 0,3 2 0,0-2 0,-3-15 0,1-1 0,7 14 0,-1-2 0,-12 21 0,11-25 0,2 1 0,-4-11 0,1 1 0,2 16 0,2 2 0,-1-11 0,0 1 0,0 15 0,0-2 0,0-14 0,0-1 0,0 15 0,0 2 0,0-4 0,0 2 0,0 9 0,0 3 0,0 6 0,0-1 0,0-4 0,0-1 0,0 5 0,0 1 0,0 7 0,0 0 0,0-5 0,0 1 0,0-25 0,0 0 0,0 0 0,0-3 0,0-1 0,0-1 0,0 27 0,0-1 0,0 8 0,0-1 0,0-12 0,0 0 0,0-19 0,0 2 0,0 3 0,0 16 0,0 3 0,0 1 0,0 4 0,1 2 0,-2 3 0,-1-14 0,-1 3 0,0 2 0,0-2 0,0-1 0,-1 0 0,0 1 0,1 1 0,0-12 0,1 0 0,-1 2 0,0 0 0,0 1 0,-2 7 0,0 1 0,-1 0 0,1 2 0,1-1 0,3 3 0,0 1 0,1 0 0,0 1 0,-1 0 0,0-11 0,-2 3 0,1 0 0,-1-1 0,1-3 0,0-4 0,2 11 0,0-6 0,0 1 0,0 7 0,0-2 0,0 9 0,0 3 0,0 0 0,0-7 0,0-12 0,0 7 0,0-12 0,0 9 0,0-11 0,0 9 0,0 6 0,0-2 0,0-7 0,0-13 0,0 22 0,0-6 0,0 2 0,0 6 0,0-8 0,0-9 0,0-3 0,4 18 0,0-1 0,-4-29 0,2-4 0,5-5 0,0-5 0,-5 8 0,4-16 0,-6-13 0,0-16 0,0 3 0,0 32 0,0 32 0,-3-15 0,-2 6 0,-4 15 0,-2 3 0,-4 5 0,-1 2 0,5-27 0,1 0 0,-1-2 0,-3 11 0,1 0 0,3 12 0,0-2 0,2-29 0,0-3 0,-1 12 0,0-2 0,-6 30 0,6-21 0,-3-19 0,11-17 0,-5-14 0,6-9 0,0-4 0,-5-1 0,4 0 0,-3 0 0,4-1 0,-5 7 0,3 7 0,-8 1 0,9 6 0,-4-8 0,5 1 0,-5-6 0,4-1 0,-4-6 0,5 0 0</inkml:trace>
+</inkml:ink>
+</file>
+
+<file path=ppt/ink/ink9.xml><?xml version="1.0" encoding="utf-8"?>
+<inkml:ink xmlns:inkml="http://www.w3.org/2003/InkML">
+  <inkml:definitions>
+    <inkml:context xml:id="ctx0">
+      <inkml:inkSource xml:id="inkSrc0">
+        <inkml:traceFormat>
+          <inkml:channel name="X" type="integer" min="-2.14748E9" max="2.14748E9" units="cm"/>
+          <inkml:channel name="Y" type="integer" min="-2.14748E9" max="2.14748E9" units="cm"/>
+          <inkml:channel name="F" type="integer" max="32767" units="dev"/>
+        </inkml:traceFormat>
+        <inkml:channelProperties>
+          <inkml:channelProperty channel="X" name="resolution" value="1000" units="1/cm"/>
+          <inkml:channelProperty channel="Y" name="resolution" value="1000" units="1/cm"/>
+          <inkml:channelProperty channel="F" name="resolution" value="0" units="1/dev"/>
+        </inkml:channelProperties>
+      </inkml:inkSource>
+      <inkml:timestamp xml:id="ts0" timeString="2021-10-07T15:36:45.088"/>
+    </inkml:context>
+    <inkml:brush xml:id="br0">
+      <inkml:brushProperty name="width" value="0.35" units="cm"/>
+      <inkml:brushProperty name="height" value="2.1" units="cm"/>
+      <inkml:brushProperty name="color" value="#008C3A"/>
+      <inkml:brushProperty name="inkEffects" value="pencil"/>
+    </inkml:brush>
+  </inkml:definitions>
+  <inkml:trace contextRef="#ctx0" brushRef="#br0">1 446 16383,'88'0'0,"11"0"0,-30 0 0,7 0 0,-11 0 0,4 0 0,7 0 0,-4 0 0,7 0 0,3 0 0,3 0 0,-1 0 0,5 0 0,1 0 0,1 0 0,3 0 0,3 0 0,-15 0 0,2 0 0,2-1 0,2 1 0,1 0 0,0 0 0,0 1 0,5 0 0,1 1 0,1 0 0,0 1 0,1-1 0,2 1 0,0-1 0,-7 1 0,1-1 0,1 1 0,1-1 0,0 1 0,2 0 0,1-1 0,1 1 0,-10-1 0,1 0 0,1-1 0,1 1 0,0 0 0,2 0 0,0-1 0,0 1 0,2 1 0,-1-1 0,-1 1 0,0 0 0,1 0 0,1 1 0,1 0 0,-1-1 0,2 1 0,-1-1 0,1 0 0,0 0 0,0-1 0,-4-1 0,-1 0 0,0 0 0,1-1 0,0 0 0,0 0 0,1 0 0,0 0 0,1 0 0,0 0 0,0 1 0,1-1 0,-1 1 0,0 1 0,1-1 0,0 1 0,1-1 0,1 1 0,-1 0 0,1 0 0,-1-1 0,0 1 0,0-1 0,0 0 0,-1 0 0,-2-1 0,0 1 0,0-1 0,1 0 0,-1 0 0,0 0 0,0 0 0,-1 0 0,0-1 0,-1 1 0,-2 0 0,-1 0 0,-1 0 0,14 0 0,-1 0 0,-1 0 0,-1 0 0,-1 0 0,-2 0 0,-2 0 0,-2 0 0,-2 0 0,-4 0 0,10 0 0,-3 0 0,-2 0 0,-3 0 0,-4 0 0,-5 0 0,-5 0 0,12 0 0,-7 0 0,-8 0 0,-9 0 0,-5 0 0,-3 0 0,31 0 0,12 0 0,-9-3 0,8-1 0,9-1 0,-27 2 0,6 1 0,4-1 0,3 0 0,1-1 0,0 0 0,-9-1 0,1-2 0,0 1 0,2-2 0,1 1 0,3 0 0,3 1 0,-4 1 0,4 0 0,1 1 0,3 0 0,1 0 0,1 0 0,0 0 0,-1-1 0,0 0 0,-10 1 0,0-2 0,1 1 0,-1-1 0,0 0 0,1 1 0,0-1 0,1 1 0,0 1 0,1 0 0,6 0 0,2 2 0,1-1 0,1 1 0,0 0 0,-1 1 0,0-1 0,-2 1 0,-1-1 0,-2 0 0,7 0 0,-2-1 0,-2 1 0,-1-1 0,0 1 0,0 0 0,2 0 0,1 1 0,-11 0 0,3 0 0,1 1 0,2 0 0,0 0 0,-2 1 0,-2-1 0,-4 0 0,-4 1 0,-6-1 0,19 0 0,-10 0 0,-4 0 0,1 0 0,7 0 0,-2 0 0,8 0 0,4 0 0,-1 0 0,-3 0 0,-9 0 0,-12 0 0,7 0 0,-13 1 0,5-2 0,6-2 0,7-1 0,-2-1 0,-11-1 0,7-5 0,-4-2 0,0 3 0,5-1 0,8-1 0,-16 2 0,6 0 0,3-1 0,3 1 0,2 2 0,-1 1 0,1 1 0,4 1 0,1 0 0,3 0 0,2 0 0,-11-1 0,2 0 0,2 0 0,1 0 0,2-1 0,1 1 0,1 1 0,0-1 0,0 1 0,1 1 0,3-1 0,0 1 0,0 0 0,0 0 0,-1 1 0,-3-1 0,-3 1 0,7-1 0,-3 1 0,-2 0 0,-2 0 0,2 1 0,1-1 0,3 1 0,-9-1 0,5 1 0,3 0 0,0 0 0,0 0 0,-2 0 0,-4 0 0,-6 1 0,-6 0 0,27 0 0,-13 1 0,-2 0 0,10 1 0,-18-1 0,9 0 0,4 0 0,1 0 0,-4 0 0,-7 0 0,-11 0 0,13 0 0,-13 0 0,2 0 0,20 0 0,1 0 0,-15 0 0,-31 0 0,-7 0 0,41 0 0,-34 0 0,5 0 0,16 0 0,4 0 0,7 0 0,1 0 0,3 0 0,3 0 0,-26-3 0,2 0 0,-4 0 0,6 2 0,-2-1 0,14-6 0,-4-1 0,-28 8 0,-2 0 0,11-6 0,-1-1 0,27 7 0,-21-6 0,-20 7 0,-20 0 0,-3 0 0,-12-5 0,0 4 0,-4-8 0,-1 4 0</inkml:trace>
+</inkml:ink>
+</file>
+
 <file path=ppt/slideLayouts/slideLayout1.xml><?xml version="1.0" encoding="utf-8"?>
 <p:sldLayout xmlns:a="http://schemas.openxmlformats.org/drawingml/2006/main" xmlns:r="http://schemas.openxmlformats.org/officeDocument/2006/relationships" xmlns:p="http://schemas.openxmlformats.org/presentationml/2006/main" type="title" preserve="1">
   <p:cSld name="标题幻灯片">
@@ -461,7 +1200,7 @@
           <a:p>
             <a:fld id="{1D908A1D-676B-E846-9140-9D2C5AAC5EEC}" type="datetimeFigureOut">
               <a:rPr kumimoji="1" lang="zh-CN" altLang="en-US" smtClean="0"/>
-              <a:t>2021/10/7</a:t>
+              <a:t>2021/10/8</a:t>
             </a:fld>
             <a:endParaRPr kumimoji="1" lang="zh-CN" altLang="en-US"/>
           </a:p>
@@ -659,7 +1398,7 @@
           <a:p>
             <a:fld id="{1D908A1D-676B-E846-9140-9D2C5AAC5EEC}" type="datetimeFigureOut">
               <a:rPr kumimoji="1" lang="zh-CN" altLang="en-US" smtClean="0"/>
-              <a:t>2021/10/7</a:t>
+              <a:t>2021/10/8</a:t>
             </a:fld>
             <a:endParaRPr kumimoji="1" lang="zh-CN" altLang="en-US"/>
           </a:p>
@@ -867,7 +1606,7 @@
           <a:p>
             <a:fld id="{1D908A1D-676B-E846-9140-9D2C5AAC5EEC}" type="datetimeFigureOut">
               <a:rPr kumimoji="1" lang="zh-CN" altLang="en-US" smtClean="0"/>
-              <a:t>2021/10/7</a:t>
+              <a:t>2021/10/8</a:t>
             </a:fld>
             <a:endParaRPr kumimoji="1" lang="zh-CN" altLang="en-US"/>
           </a:p>
@@ -1065,7 +1804,7 @@
           <a:p>
             <a:fld id="{1D908A1D-676B-E846-9140-9D2C5AAC5EEC}" type="datetimeFigureOut">
               <a:rPr kumimoji="1" lang="zh-CN" altLang="en-US" smtClean="0"/>
-              <a:t>2021/10/7</a:t>
+              <a:t>2021/10/8</a:t>
             </a:fld>
             <a:endParaRPr kumimoji="1" lang="zh-CN" altLang="en-US"/>
           </a:p>
@@ -1340,7 +2079,7 @@
           <a:p>
             <a:fld id="{1D908A1D-676B-E846-9140-9D2C5AAC5EEC}" type="datetimeFigureOut">
               <a:rPr kumimoji="1" lang="zh-CN" altLang="en-US" smtClean="0"/>
-              <a:t>2021/10/7</a:t>
+              <a:t>2021/10/8</a:t>
             </a:fld>
             <a:endParaRPr kumimoji="1" lang="zh-CN" altLang="en-US"/>
           </a:p>
@@ -1605,7 +2344,7 @@
           <a:p>
             <a:fld id="{1D908A1D-676B-E846-9140-9D2C5AAC5EEC}" type="datetimeFigureOut">
               <a:rPr kumimoji="1" lang="zh-CN" altLang="en-US" smtClean="0"/>
-              <a:t>2021/10/7</a:t>
+              <a:t>2021/10/8</a:t>
             </a:fld>
             <a:endParaRPr kumimoji="1" lang="zh-CN" altLang="en-US"/>
           </a:p>
@@ -2017,7 +2756,7 @@
           <a:p>
             <a:fld id="{1D908A1D-676B-E846-9140-9D2C5AAC5EEC}" type="datetimeFigureOut">
               <a:rPr kumimoji="1" lang="zh-CN" altLang="en-US" smtClean="0"/>
-              <a:t>2021/10/7</a:t>
+              <a:t>2021/10/8</a:t>
             </a:fld>
             <a:endParaRPr kumimoji="1" lang="zh-CN" altLang="en-US"/>
           </a:p>
@@ -2158,7 +2897,7 @@
           <a:p>
             <a:fld id="{1D908A1D-676B-E846-9140-9D2C5AAC5EEC}" type="datetimeFigureOut">
               <a:rPr kumimoji="1" lang="zh-CN" altLang="en-US" smtClean="0"/>
-              <a:t>2021/10/7</a:t>
+              <a:t>2021/10/8</a:t>
             </a:fld>
             <a:endParaRPr kumimoji="1" lang="zh-CN" altLang="en-US"/>
           </a:p>
@@ -2271,7 +3010,7 @@
           <a:p>
             <a:fld id="{1D908A1D-676B-E846-9140-9D2C5AAC5EEC}" type="datetimeFigureOut">
               <a:rPr kumimoji="1" lang="zh-CN" altLang="en-US" smtClean="0"/>
-              <a:t>2021/10/7</a:t>
+              <a:t>2021/10/8</a:t>
             </a:fld>
             <a:endParaRPr kumimoji="1" lang="zh-CN" altLang="en-US"/>
           </a:p>
@@ -2582,7 +3321,7 @@
           <a:p>
             <a:fld id="{1D908A1D-676B-E846-9140-9D2C5AAC5EEC}" type="datetimeFigureOut">
               <a:rPr kumimoji="1" lang="zh-CN" altLang="en-US" smtClean="0"/>
-              <a:t>2021/10/7</a:t>
+              <a:t>2021/10/8</a:t>
             </a:fld>
             <a:endParaRPr kumimoji="1" lang="zh-CN" altLang="en-US"/>
           </a:p>
@@ -2870,7 +3609,7 @@
           <a:p>
             <a:fld id="{1D908A1D-676B-E846-9140-9D2C5AAC5EEC}" type="datetimeFigureOut">
               <a:rPr kumimoji="1" lang="zh-CN" altLang="en-US" smtClean="0"/>
-              <a:t>2021/10/7</a:t>
+              <a:t>2021/10/8</a:t>
             </a:fld>
             <a:endParaRPr kumimoji="1" lang="zh-CN" altLang="en-US"/>
           </a:p>
@@ -3111,7 +3850,7 @@
           <a:p>
             <a:fld id="{1D908A1D-676B-E846-9140-9D2C5AAC5EEC}" type="datetimeFigureOut">
               <a:rPr kumimoji="1" lang="zh-CN" altLang="en-US" smtClean="0"/>
-              <a:t>2021/10/7</a:t>
+              <a:t>2021/10/8</a:t>
             </a:fld>
             <a:endParaRPr kumimoji="1" lang="zh-CN" altLang="en-US"/>
           </a:p>
@@ -4012,8 +4751,8 @@
           </a:p>
         </p:txBody>
       </p:sp>
-      <mc:AlternateContent xmlns:mc="http://schemas.openxmlformats.org/markup-compatibility/2006">
-        <mc:Choice xmlns:p14="http://schemas.microsoft.com/office/powerpoint/2010/main" xmlns:aink="http://schemas.microsoft.com/office/drawing/2016/ink" Requires="p14 aink">
+      <mc:AlternateContent xmlns:mc="http://schemas.openxmlformats.org/markup-compatibility/2006" xmlns:p14="http://schemas.microsoft.com/office/powerpoint/2010/main" xmlns:aink="http://schemas.microsoft.com/office/drawing/2016/ink">
+        <mc:Choice Requires="p14 aink">
           <p:contentPart p14:bwMode="auto" r:id="rId2">
             <p14:nvContentPartPr>
               <p14:cNvPr id="35" name="墨迹 34">
@@ -4032,7 +4771,7 @@
             </p14:xfrm>
           </p:contentPart>
         </mc:Choice>
-        <mc:Fallback>
+        <mc:Fallback xmlns="">
           <p:pic>
             <p:nvPicPr>
               <p:cNvPr id="35" name="墨迹 34">
@@ -4083,8 +4822,8 @@
             <a:chExt cx="570960" cy="353880"/>
           </a:xfrm>
         </p:grpSpPr>
-        <mc:AlternateContent xmlns:mc="http://schemas.openxmlformats.org/markup-compatibility/2006">
-          <mc:Choice xmlns:p14="http://schemas.microsoft.com/office/powerpoint/2010/main" xmlns:aink="http://schemas.microsoft.com/office/drawing/2016/ink" Requires="p14 aink">
+        <mc:AlternateContent xmlns:mc="http://schemas.openxmlformats.org/markup-compatibility/2006" xmlns:p14="http://schemas.microsoft.com/office/powerpoint/2010/main" xmlns:aink="http://schemas.microsoft.com/office/drawing/2016/ink">
+          <mc:Choice Requires="p14 aink">
             <p:contentPart p14:bwMode="auto" r:id="rId4">
               <p14:nvContentPartPr>
                 <p14:cNvPr id="48" name="墨迹 47">
@@ -4103,7 +4842,7 @@
               </p14:xfrm>
             </p:contentPart>
           </mc:Choice>
-          <mc:Fallback>
+          <mc:Fallback xmlns="">
             <p:pic>
               <p:nvPicPr>
                 <p:cNvPr id="48" name="墨迹 47">
@@ -4134,8 +4873,8 @@
             </p:pic>
           </mc:Fallback>
         </mc:AlternateContent>
-        <mc:AlternateContent xmlns:mc="http://schemas.openxmlformats.org/markup-compatibility/2006">
-          <mc:Choice xmlns:p14="http://schemas.microsoft.com/office/powerpoint/2010/main" xmlns:aink="http://schemas.microsoft.com/office/drawing/2016/ink" Requires="p14 aink">
+        <mc:AlternateContent xmlns:mc="http://schemas.openxmlformats.org/markup-compatibility/2006" xmlns:p14="http://schemas.microsoft.com/office/powerpoint/2010/main" xmlns:aink="http://schemas.microsoft.com/office/drawing/2016/ink">
+          <mc:Choice Requires="p14 aink">
             <p:contentPart p14:bwMode="auto" r:id="rId6">
               <p14:nvContentPartPr>
                 <p14:cNvPr id="49" name="墨迹 48">
@@ -4154,7 +4893,7 @@
               </p14:xfrm>
             </p:contentPart>
           </mc:Choice>
-          <mc:Fallback>
+          <mc:Fallback xmlns="">
             <p:pic>
               <p:nvPicPr>
                 <p:cNvPr id="49" name="墨迹 48">
@@ -4185,8 +4924,8 @@
             </p:pic>
           </mc:Fallback>
         </mc:AlternateContent>
-        <mc:AlternateContent xmlns:mc="http://schemas.openxmlformats.org/markup-compatibility/2006">
-          <mc:Choice xmlns:p14="http://schemas.microsoft.com/office/powerpoint/2010/main" xmlns:aink="http://schemas.microsoft.com/office/drawing/2016/ink" Requires="p14 aink">
+        <mc:AlternateContent xmlns:mc="http://schemas.openxmlformats.org/markup-compatibility/2006" xmlns:p14="http://schemas.microsoft.com/office/powerpoint/2010/main" xmlns:aink="http://schemas.microsoft.com/office/drawing/2016/ink">
+          <mc:Choice Requires="p14 aink">
             <p:contentPart p14:bwMode="auto" r:id="rId8">
               <p14:nvContentPartPr>
                 <p14:cNvPr id="51" name="墨迹 50">
@@ -4205,7 +4944,7 @@
               </p14:xfrm>
             </p:contentPart>
           </mc:Choice>
-          <mc:Fallback>
+          <mc:Fallback xmlns="">
             <p:pic>
               <p:nvPicPr>
                 <p:cNvPr id="51" name="墨迹 50">
@@ -4257,8 +4996,8 @@
             <a:chExt cx="596160" cy="320760"/>
           </a:xfrm>
         </p:grpSpPr>
-        <mc:AlternateContent xmlns:mc="http://schemas.openxmlformats.org/markup-compatibility/2006">
-          <mc:Choice xmlns:p14="http://schemas.microsoft.com/office/powerpoint/2010/main" xmlns:aink="http://schemas.microsoft.com/office/drawing/2016/ink" Requires="p14 aink">
+        <mc:AlternateContent xmlns:mc="http://schemas.openxmlformats.org/markup-compatibility/2006" xmlns:p14="http://schemas.microsoft.com/office/powerpoint/2010/main" xmlns:aink="http://schemas.microsoft.com/office/drawing/2016/ink">
+          <mc:Choice Requires="p14 aink">
             <p:contentPart p14:bwMode="auto" r:id="rId10">
               <p14:nvContentPartPr>
                 <p14:cNvPr id="54" name="墨迹 53">
@@ -4277,7 +5016,7 @@
               </p14:xfrm>
             </p:contentPart>
           </mc:Choice>
-          <mc:Fallback>
+          <mc:Fallback xmlns="">
             <p:pic>
               <p:nvPicPr>
                 <p:cNvPr id="54" name="墨迹 53">
@@ -4308,8 +5047,8 @@
             </p:pic>
           </mc:Fallback>
         </mc:AlternateContent>
-        <mc:AlternateContent xmlns:mc="http://schemas.openxmlformats.org/markup-compatibility/2006">
-          <mc:Choice xmlns:p14="http://schemas.microsoft.com/office/powerpoint/2010/main" xmlns:aink="http://schemas.microsoft.com/office/drawing/2016/ink" Requires="p14 aink">
+        <mc:AlternateContent xmlns:mc="http://schemas.openxmlformats.org/markup-compatibility/2006" xmlns:p14="http://schemas.microsoft.com/office/powerpoint/2010/main" xmlns:aink="http://schemas.microsoft.com/office/drawing/2016/ink">
+          <mc:Choice Requires="p14 aink">
             <p:contentPart p14:bwMode="auto" r:id="rId12">
               <p14:nvContentPartPr>
                 <p14:cNvPr id="55" name="墨迹 54">
@@ -4328,7 +5067,7 @@
               </p14:xfrm>
             </p:contentPart>
           </mc:Choice>
-          <mc:Fallback>
+          <mc:Fallback xmlns="">
             <p:pic>
               <p:nvPicPr>
                 <p:cNvPr id="55" name="墨迹 54">
@@ -4359,8 +5098,8 @@
             </p:pic>
           </mc:Fallback>
         </mc:AlternateContent>
-        <mc:AlternateContent xmlns:mc="http://schemas.openxmlformats.org/markup-compatibility/2006">
-          <mc:Choice xmlns:p14="http://schemas.microsoft.com/office/powerpoint/2010/main" xmlns:aink="http://schemas.microsoft.com/office/drawing/2016/ink" Requires="p14 aink">
+        <mc:AlternateContent xmlns:mc="http://schemas.openxmlformats.org/markup-compatibility/2006" xmlns:p14="http://schemas.microsoft.com/office/powerpoint/2010/main" xmlns:aink="http://schemas.microsoft.com/office/drawing/2016/ink">
+          <mc:Choice Requires="p14 aink">
             <p:contentPart p14:bwMode="auto" r:id="rId14">
               <p14:nvContentPartPr>
                 <p14:cNvPr id="57" name="墨迹 56">
@@ -4379,7 +5118,7 @@
               </p14:xfrm>
             </p:contentPart>
           </mc:Choice>
-          <mc:Fallback>
+          <mc:Fallback xmlns="">
             <p:pic>
               <p:nvPicPr>
                 <p:cNvPr id="57" name="墨迹 56">
@@ -4466,6 +5205,4017 @@
     <p:extLst>
       <p:ext uri="{BB962C8B-B14F-4D97-AF65-F5344CB8AC3E}">
         <p14:creationId xmlns:p14="http://schemas.microsoft.com/office/powerpoint/2010/main" val="930052389"/>
+      </p:ext>
+    </p:extLst>
+  </p:cSld>
+  <p:clrMapOvr>
+    <a:masterClrMapping/>
+  </p:clrMapOvr>
+</p:sld>
+</file>
+
+<file path=ppt/slides/slide2.xml><?xml version="1.0" encoding="utf-8"?>
+<p:sld xmlns:a="http://schemas.openxmlformats.org/drawingml/2006/main" xmlns:r="http://schemas.openxmlformats.org/officeDocument/2006/relationships" xmlns:p="http://schemas.openxmlformats.org/presentationml/2006/main">
+  <p:cSld>
+    <p:spTree>
+      <p:nvGrpSpPr>
+        <p:cNvPr id="1" name=""/>
+        <p:cNvGrpSpPr/>
+        <p:nvPr/>
+      </p:nvGrpSpPr>
+      <p:grpSpPr>
+        <a:xfrm>
+          <a:off x="0" y="0"/>
+          <a:ext cx="0" cy="0"/>
+          <a:chOff x="0" y="0"/>
+          <a:chExt cx="0" cy="0"/>
+        </a:xfrm>
+      </p:grpSpPr>
+      <p:graphicFrame>
+        <p:nvGraphicFramePr>
+          <p:cNvPr id="2" name="表格 1">
+            <a:extLst>
+              <a:ext uri="{FF2B5EF4-FFF2-40B4-BE49-F238E27FC236}">
+                <a16:creationId xmlns:a16="http://schemas.microsoft.com/office/drawing/2014/main" id="{35AF8F82-A8A4-9F4F-B675-1633825F5E2F}"/>
+              </a:ext>
+            </a:extLst>
+          </p:cNvPr>
+          <p:cNvGraphicFramePr>
+            <a:graphicFrameLocks noGrp="1"/>
+          </p:cNvGraphicFramePr>
+          <p:nvPr>
+            <p:extLst>
+              <p:ext uri="{D42A27DB-BD31-4B8C-83A1-F6EECF244321}">
+                <p14:modId xmlns:p14="http://schemas.microsoft.com/office/powerpoint/2010/main" val="2660708113"/>
+              </p:ext>
+            </p:extLst>
+          </p:nvPr>
+        </p:nvGraphicFramePr>
+        <p:xfrm>
+          <a:off x="1592384" y="955559"/>
+          <a:ext cx="9007232" cy="4946882"/>
+        </p:xfrm>
+        <a:graphic>
+          <a:graphicData uri="http://schemas.openxmlformats.org/drawingml/2006/table">
+            <a:tbl>
+              <a:tblPr firstRow="1" firstCol="1" bandRow="1">
+                <a:tableStyleId>{93296810-A885-4BE3-A3E7-6D5BEEA58F35}</a:tableStyleId>
+              </a:tblPr>
+              <a:tblGrid>
+                <a:gridCol w="1997020">
+                  <a:extLst>
+                    <a:ext uri="{9D8B030D-6E8A-4147-A177-3AD203B41FA5}">
+                      <a16:colId xmlns:a16="http://schemas.microsoft.com/office/drawing/2014/main" val="2434582090"/>
+                    </a:ext>
+                  </a:extLst>
+                </a:gridCol>
+                <a:gridCol w="7010212">
+                  <a:extLst>
+                    <a:ext uri="{9D8B030D-6E8A-4147-A177-3AD203B41FA5}">
+                      <a16:colId xmlns:a16="http://schemas.microsoft.com/office/drawing/2014/main" val="2759677596"/>
+                    </a:ext>
+                  </a:extLst>
+                </a:gridCol>
+              </a:tblGrid>
+              <a:tr h="357714">
+                <a:tc gridSpan="2">
+                  <a:txBody>
+                    <a:bodyPr/>
+                    <a:lstStyle/>
+                    <a:p>
+                      <a:pPr algn="just"/>
+                      <a:r>
+                        <a:rPr lang="en-US" sz="1600" kern="100" dirty="0">
+                          <a:solidFill>
+                            <a:schemeClr val="bg2">
+                              <a:lumMod val="50000"/>
+                            </a:schemeClr>
+                          </a:solidFill>
+                          <a:effectLst/>
+                          <a:latin typeface="Chalkduster" panose="03050602040202020205" pitchFamily="66" charset="0"/>
+                        </a:rPr>
+                        <a:t>Customer: making tour plans and searching for travel information/tips</a:t>
+                      </a:r>
+                      <a:endParaRPr lang="zh-CN" sz="1800" kern="100" dirty="0">
+                        <a:solidFill>
+                          <a:schemeClr val="bg2">
+                            <a:lumMod val="50000"/>
+                          </a:schemeClr>
+                        </a:solidFill>
+                        <a:effectLst/>
+                        <a:latin typeface="Chalkduster" panose="03050602040202020205" pitchFamily="66" charset="0"/>
+                        <a:ea typeface="DengXian" panose="02010600030101010101" pitchFamily="2" charset="-122"/>
+                        <a:cs typeface="宋体" panose="02010600030101010101" pitchFamily="2" charset="-122"/>
+                      </a:endParaRPr>
+                    </a:p>
+                  </a:txBody>
+                  <a:tcPr marL="68580" marR="68580" marT="0" marB="0" anchor="ctr">
+                    <a:solidFill>
+                      <a:schemeClr val="accent6">
+                        <a:lumMod val="20000"/>
+                        <a:lumOff val="80000"/>
+                      </a:schemeClr>
+                    </a:solidFill>
+                  </a:tcPr>
+                </a:tc>
+                <a:tc hMerge="1">
+                  <a:txBody>
+                    <a:bodyPr/>
+                    <a:lstStyle/>
+                    <a:p>
+                      <a:endParaRPr lang="zh-CN" altLang="en-US"/>
+                    </a:p>
+                  </a:txBody>
+                  <a:tcPr/>
+                </a:tc>
+                <a:extLst>
+                  <a:ext uri="{0D108BD9-81ED-4DB2-BD59-A6C34878D82A}">
+                    <a16:rowId xmlns:a16="http://schemas.microsoft.com/office/drawing/2014/main" val="1970360701"/>
+                  </a:ext>
+                </a:extLst>
+              </a:tr>
+              <a:tr h="643884">
+                <a:tc>
+                  <a:txBody>
+                    <a:bodyPr/>
+                    <a:lstStyle/>
+                    <a:p>
+                      <a:pPr algn="just"/>
+                      <a:r>
+                        <a:rPr lang="en-US" sz="1600" kern="100" dirty="0">
+                          <a:solidFill>
+                            <a:schemeClr val="bg2">
+                              <a:lumMod val="50000"/>
+                            </a:schemeClr>
+                          </a:solidFill>
+                          <a:effectLst/>
+                          <a:latin typeface="Chalkduster" panose="03050602040202020205" pitchFamily="66" charset="0"/>
+                        </a:rPr>
+                        <a:t>Headline 1 </a:t>
+                      </a:r>
+                      <a:endParaRPr lang="zh-CN" sz="1600" kern="100" dirty="0">
+                        <a:solidFill>
+                          <a:schemeClr val="bg2">
+                            <a:lumMod val="50000"/>
+                          </a:schemeClr>
+                        </a:solidFill>
+                        <a:effectLst/>
+                        <a:latin typeface="Chalkduster" panose="03050602040202020205" pitchFamily="66" charset="0"/>
+                        <a:ea typeface="DengXian" panose="02010600030101010101" pitchFamily="2" charset="-122"/>
+                        <a:cs typeface="宋体" panose="02010600030101010101" pitchFamily="2" charset="-122"/>
+                      </a:endParaRPr>
+                    </a:p>
+                  </a:txBody>
+                  <a:tcPr marL="68580" marR="68580" marT="0" marB="0" anchor="ctr">
+                    <a:solidFill>
+                      <a:schemeClr val="accent6">
+                        <a:lumMod val="20000"/>
+                        <a:lumOff val="80000"/>
+                      </a:schemeClr>
+                    </a:solidFill>
+                  </a:tcPr>
+                </a:tc>
+                <a:tc>
+                  <a:txBody>
+                    <a:bodyPr/>
+                    <a:lstStyle/>
+                    <a:p>
+                      <a:pPr algn="just"/>
+                      <a:r>
+                        <a:rPr lang="en-US" sz="1400" kern="100" dirty="0">
+                          <a:solidFill>
+                            <a:schemeClr val="bg2">
+                              <a:lumMod val="50000"/>
+                            </a:schemeClr>
+                          </a:solidFill>
+                          <a:effectLst/>
+                          <a:latin typeface="Chalkduster" panose="03050602040202020205" pitchFamily="66" charset="0"/>
+                        </a:rPr>
+                        <a:t>Tourscurator4u </a:t>
+                      </a:r>
+                      <a:endParaRPr lang="zh-CN" sz="2000" kern="100" dirty="0">
+                        <a:solidFill>
+                          <a:schemeClr val="bg2">
+                            <a:lumMod val="50000"/>
+                          </a:schemeClr>
+                        </a:solidFill>
+                        <a:effectLst/>
+                        <a:latin typeface="Chalkduster" panose="03050602040202020205" pitchFamily="66" charset="0"/>
+                      </a:endParaRPr>
+                    </a:p>
+                    <a:p>
+                      <a:pPr algn="just"/>
+                      <a:r>
+                        <a:rPr lang="en-US" sz="1100" kern="100" dirty="0">
+                          <a:solidFill>
+                            <a:schemeClr val="bg2">
+                              <a:lumMod val="50000"/>
+                            </a:schemeClr>
+                          </a:solidFill>
+                          <a:effectLst/>
+                          <a:latin typeface="Chalkduster" panose="03050602040202020205" pitchFamily="66" charset="0"/>
+                        </a:rPr>
+                        <a:t>(This is for people to know and remember our company name)</a:t>
+                      </a:r>
+                      <a:endParaRPr lang="zh-CN" sz="2000" kern="100" dirty="0">
+                        <a:solidFill>
+                          <a:schemeClr val="bg2">
+                            <a:lumMod val="50000"/>
+                          </a:schemeClr>
+                        </a:solidFill>
+                        <a:effectLst/>
+                        <a:latin typeface="Chalkduster" panose="03050602040202020205" pitchFamily="66" charset="0"/>
+                        <a:ea typeface="宋体" panose="02010600030101010101" pitchFamily="2" charset="-122"/>
+                        <a:cs typeface="宋体" panose="02010600030101010101" pitchFamily="2" charset="-122"/>
+                      </a:endParaRPr>
+                    </a:p>
+                  </a:txBody>
+                  <a:tcPr marL="68580" marR="68580" marT="0" marB="0" anchor="ctr">
+                    <a:solidFill>
+                      <a:schemeClr val="bg1">
+                        <a:lumMod val="95000"/>
+                      </a:schemeClr>
+                    </a:solidFill>
+                  </a:tcPr>
+                </a:tc>
+                <a:extLst>
+                  <a:ext uri="{0D108BD9-81ED-4DB2-BD59-A6C34878D82A}">
+                    <a16:rowId xmlns:a16="http://schemas.microsoft.com/office/drawing/2014/main" val="3349879849"/>
+                  </a:ext>
+                </a:extLst>
+              </a:tr>
+              <a:tr h="715427">
+                <a:tc>
+                  <a:txBody>
+                    <a:bodyPr/>
+                    <a:lstStyle/>
+                    <a:p>
+                      <a:pPr algn="just"/>
+                      <a:r>
+                        <a:rPr lang="en-US" sz="1600" kern="100" dirty="0">
+                          <a:solidFill>
+                            <a:schemeClr val="bg2">
+                              <a:lumMod val="50000"/>
+                            </a:schemeClr>
+                          </a:solidFill>
+                          <a:effectLst/>
+                          <a:latin typeface="Chalkduster" panose="03050602040202020205" pitchFamily="66" charset="0"/>
+                        </a:rPr>
+                        <a:t>Headline 2 </a:t>
+                      </a:r>
+                      <a:endParaRPr lang="zh-CN" sz="1600" kern="100" dirty="0">
+                        <a:solidFill>
+                          <a:schemeClr val="bg2">
+                            <a:lumMod val="50000"/>
+                          </a:schemeClr>
+                        </a:solidFill>
+                        <a:effectLst/>
+                        <a:latin typeface="Chalkduster" panose="03050602040202020205" pitchFamily="66" charset="0"/>
+                      </a:endParaRPr>
+                    </a:p>
+                  </a:txBody>
+                  <a:tcPr marL="68580" marR="68580" marT="0" marB="0" anchor="ctr">
+                    <a:solidFill>
+                      <a:schemeClr val="accent6">
+                        <a:lumMod val="20000"/>
+                        <a:lumOff val="80000"/>
+                      </a:schemeClr>
+                    </a:solidFill>
+                  </a:tcPr>
+                </a:tc>
+                <a:tc>
+                  <a:txBody>
+                    <a:bodyPr/>
+                    <a:lstStyle/>
+                    <a:p>
+                      <a:pPr algn="just"/>
+                      <a:r>
+                        <a:rPr lang="en-US" sz="1400" kern="100">
+                          <a:solidFill>
+                            <a:schemeClr val="bg2">
+                              <a:lumMod val="50000"/>
+                            </a:schemeClr>
+                          </a:solidFill>
+                          <a:effectLst/>
+                          <a:latin typeface="Chalkduster" panose="03050602040202020205" pitchFamily="66" charset="0"/>
+                        </a:rPr>
+                        <a:t>Customized Travel Planner</a:t>
+                      </a:r>
+                      <a:endParaRPr lang="zh-CN" sz="2000" kern="100">
+                        <a:solidFill>
+                          <a:schemeClr val="bg2">
+                            <a:lumMod val="50000"/>
+                          </a:schemeClr>
+                        </a:solidFill>
+                        <a:effectLst/>
+                        <a:latin typeface="Chalkduster" panose="03050602040202020205" pitchFamily="66" charset="0"/>
+                      </a:endParaRPr>
+                    </a:p>
+                    <a:p>
+                      <a:pPr algn="just"/>
+                      <a:r>
+                        <a:rPr lang="en-US" sz="1100" kern="100">
+                          <a:solidFill>
+                            <a:schemeClr val="bg2">
+                              <a:lumMod val="50000"/>
+                            </a:schemeClr>
+                          </a:solidFill>
+                          <a:effectLst/>
+                          <a:latin typeface="Chalkduster" panose="03050602040202020205" pitchFamily="66" charset="0"/>
+                        </a:rPr>
+                        <a:t>(This is for indicating our main service which matched to customers’ needs)</a:t>
+                      </a:r>
+                      <a:endParaRPr lang="zh-CN" sz="2000" kern="100">
+                        <a:solidFill>
+                          <a:schemeClr val="bg2">
+                            <a:lumMod val="50000"/>
+                          </a:schemeClr>
+                        </a:solidFill>
+                        <a:effectLst/>
+                        <a:latin typeface="Chalkduster" panose="03050602040202020205" pitchFamily="66" charset="0"/>
+                        <a:ea typeface="宋体" panose="02010600030101010101" pitchFamily="2" charset="-122"/>
+                        <a:cs typeface="宋体" panose="02010600030101010101" pitchFamily="2" charset="-122"/>
+                      </a:endParaRPr>
+                    </a:p>
+                  </a:txBody>
+                  <a:tcPr marL="68580" marR="68580" marT="0" marB="0" anchor="ctr">
+                    <a:solidFill>
+                      <a:schemeClr val="bg1">
+                        <a:lumMod val="95000"/>
+                      </a:schemeClr>
+                    </a:solidFill>
+                  </a:tcPr>
+                </a:tc>
+                <a:extLst>
+                  <a:ext uri="{0D108BD9-81ED-4DB2-BD59-A6C34878D82A}">
+                    <a16:rowId xmlns:a16="http://schemas.microsoft.com/office/drawing/2014/main" val="677207901"/>
+                  </a:ext>
+                </a:extLst>
+              </a:tr>
+              <a:tr h="715427">
+                <a:tc>
+                  <a:txBody>
+                    <a:bodyPr/>
+                    <a:lstStyle/>
+                    <a:p>
+                      <a:pPr algn="just"/>
+                      <a:r>
+                        <a:rPr lang="en-US" sz="1600" kern="100" dirty="0">
+                          <a:solidFill>
+                            <a:schemeClr val="bg2">
+                              <a:lumMod val="50000"/>
+                            </a:schemeClr>
+                          </a:solidFill>
+                          <a:effectLst/>
+                          <a:latin typeface="Chalkduster" panose="03050602040202020205" pitchFamily="66" charset="0"/>
+                        </a:rPr>
+                        <a:t>Headline 3 </a:t>
+                      </a:r>
+                      <a:endParaRPr lang="zh-CN" sz="1600" kern="100" dirty="0">
+                        <a:solidFill>
+                          <a:schemeClr val="bg2">
+                            <a:lumMod val="50000"/>
+                          </a:schemeClr>
+                        </a:solidFill>
+                        <a:effectLst/>
+                        <a:latin typeface="Chalkduster" panose="03050602040202020205" pitchFamily="66" charset="0"/>
+                      </a:endParaRPr>
+                    </a:p>
+                  </a:txBody>
+                  <a:tcPr marL="68580" marR="68580" marT="0" marB="0" anchor="ctr">
+                    <a:solidFill>
+                      <a:schemeClr val="accent6">
+                        <a:lumMod val="20000"/>
+                        <a:lumOff val="80000"/>
+                      </a:schemeClr>
+                    </a:solidFill>
+                  </a:tcPr>
+                </a:tc>
+                <a:tc>
+                  <a:txBody>
+                    <a:bodyPr/>
+                    <a:lstStyle/>
+                    <a:p>
+                      <a:pPr algn="just"/>
+                      <a:r>
+                        <a:rPr lang="en-US" sz="1400" kern="100" dirty="0">
+                          <a:solidFill>
+                            <a:schemeClr val="bg2">
+                              <a:lumMod val="50000"/>
+                            </a:schemeClr>
+                          </a:solidFill>
+                          <a:effectLst/>
+                          <a:latin typeface="Chalkduster" panose="03050602040202020205" pitchFamily="66" charset="0"/>
+                        </a:rPr>
+                        <a:t>Adventure, City and Cultural Tour</a:t>
+                      </a:r>
+                      <a:endParaRPr lang="zh-CN" sz="2000" kern="100" dirty="0">
+                        <a:solidFill>
+                          <a:schemeClr val="bg2">
+                            <a:lumMod val="50000"/>
+                          </a:schemeClr>
+                        </a:solidFill>
+                        <a:effectLst/>
+                        <a:latin typeface="Chalkduster" panose="03050602040202020205" pitchFamily="66" charset="0"/>
+                      </a:endParaRPr>
+                    </a:p>
+                    <a:p>
+                      <a:pPr algn="just"/>
+                      <a:r>
+                        <a:rPr lang="en-US" sz="1100" kern="100" dirty="0">
+                          <a:solidFill>
+                            <a:schemeClr val="bg2">
+                              <a:lumMod val="50000"/>
+                            </a:schemeClr>
+                          </a:solidFill>
+                          <a:effectLst/>
+                          <a:latin typeface="Chalkduster" panose="03050602040202020205" pitchFamily="66" charset="0"/>
+                        </a:rPr>
+                        <a:t>(This is for people to quickly understand our specific services)</a:t>
+                      </a:r>
+                      <a:endParaRPr lang="zh-CN" sz="2000" kern="100" dirty="0">
+                        <a:solidFill>
+                          <a:schemeClr val="bg2">
+                            <a:lumMod val="50000"/>
+                          </a:schemeClr>
+                        </a:solidFill>
+                        <a:effectLst/>
+                        <a:latin typeface="Chalkduster" panose="03050602040202020205" pitchFamily="66" charset="0"/>
+                        <a:ea typeface="宋体" panose="02010600030101010101" pitchFamily="2" charset="-122"/>
+                        <a:cs typeface="宋体" panose="02010600030101010101" pitchFamily="2" charset="-122"/>
+                      </a:endParaRPr>
+                    </a:p>
+                  </a:txBody>
+                  <a:tcPr marL="68580" marR="68580" marT="0" marB="0" anchor="ctr">
+                    <a:solidFill>
+                      <a:schemeClr val="bg1">
+                        <a:lumMod val="95000"/>
+                      </a:schemeClr>
+                    </a:solidFill>
+                  </a:tcPr>
+                </a:tc>
+                <a:extLst>
+                  <a:ext uri="{0D108BD9-81ED-4DB2-BD59-A6C34878D82A}">
+                    <a16:rowId xmlns:a16="http://schemas.microsoft.com/office/drawing/2014/main" val="3586668811"/>
+                  </a:ext>
+                </a:extLst>
+              </a:tr>
+              <a:tr h="1001599">
+                <a:tc>
+                  <a:txBody>
+                    <a:bodyPr/>
+                    <a:lstStyle/>
+                    <a:p>
+                      <a:pPr algn="just"/>
+                      <a:r>
+                        <a:rPr lang="en-US" sz="1600" kern="100" dirty="0">
+                          <a:solidFill>
+                            <a:schemeClr val="bg2">
+                              <a:lumMod val="50000"/>
+                            </a:schemeClr>
+                          </a:solidFill>
+                          <a:effectLst/>
+                          <a:latin typeface="Chalkduster" panose="03050602040202020205" pitchFamily="66" charset="0"/>
+                        </a:rPr>
+                        <a:t>Description 1</a:t>
+                      </a:r>
+                      <a:endParaRPr lang="zh-CN" sz="1600" kern="100" dirty="0">
+                        <a:solidFill>
+                          <a:schemeClr val="bg2">
+                            <a:lumMod val="50000"/>
+                          </a:schemeClr>
+                        </a:solidFill>
+                        <a:effectLst/>
+                        <a:latin typeface="Chalkduster" panose="03050602040202020205" pitchFamily="66" charset="0"/>
+                      </a:endParaRPr>
+                    </a:p>
+                  </a:txBody>
+                  <a:tcPr marL="68580" marR="68580" marT="0" marB="0" anchor="ctr">
+                    <a:solidFill>
+                      <a:schemeClr val="accent6">
+                        <a:lumMod val="20000"/>
+                        <a:lumOff val="80000"/>
+                      </a:schemeClr>
+                    </a:solidFill>
+                  </a:tcPr>
+                </a:tc>
+                <a:tc>
+                  <a:txBody>
+                    <a:bodyPr/>
+                    <a:lstStyle/>
+                    <a:p>
+                      <a:pPr algn="just"/>
+                      <a:r>
+                        <a:rPr lang="en-US" sz="1400" kern="100" dirty="0">
+                          <a:solidFill>
+                            <a:schemeClr val="bg2">
+                              <a:lumMod val="50000"/>
+                            </a:schemeClr>
+                          </a:solidFill>
+                          <a:effectLst/>
+                          <a:latin typeface="Chalkduster" panose="03050602040202020205" pitchFamily="66" charset="0"/>
+                        </a:rPr>
+                        <a:t>We offer great traveling ideas, travel tips, and customized travel planning.</a:t>
+                      </a:r>
+                      <a:endParaRPr lang="zh-CN" sz="2000" kern="100" dirty="0">
+                        <a:solidFill>
+                          <a:schemeClr val="bg2">
+                            <a:lumMod val="50000"/>
+                          </a:schemeClr>
+                        </a:solidFill>
+                        <a:effectLst/>
+                        <a:latin typeface="Chalkduster" panose="03050602040202020205" pitchFamily="66" charset="0"/>
+                      </a:endParaRPr>
+                    </a:p>
+                    <a:p>
+                      <a:pPr algn="just"/>
+                      <a:r>
+                        <a:rPr lang="en-US" sz="1100" kern="100" dirty="0">
+                          <a:solidFill>
+                            <a:schemeClr val="bg2">
+                              <a:lumMod val="50000"/>
+                            </a:schemeClr>
+                          </a:solidFill>
+                          <a:effectLst/>
+                          <a:latin typeface="Chalkduster" panose="03050602040202020205" pitchFamily="66" charset="0"/>
+                        </a:rPr>
+                        <a:t>(We try to introduce our main services in a simple and clear way.)</a:t>
+                      </a:r>
+                      <a:endParaRPr lang="zh-CN" sz="2000" kern="100" dirty="0">
+                        <a:solidFill>
+                          <a:schemeClr val="bg2">
+                            <a:lumMod val="50000"/>
+                          </a:schemeClr>
+                        </a:solidFill>
+                        <a:effectLst/>
+                        <a:latin typeface="Chalkduster" panose="03050602040202020205" pitchFamily="66" charset="0"/>
+                        <a:ea typeface="宋体" panose="02010600030101010101" pitchFamily="2" charset="-122"/>
+                        <a:cs typeface="宋体" panose="02010600030101010101" pitchFamily="2" charset="-122"/>
+                      </a:endParaRPr>
+                    </a:p>
+                  </a:txBody>
+                  <a:tcPr marL="68580" marR="68580" marT="0" marB="0" anchor="ctr">
+                    <a:solidFill>
+                      <a:schemeClr val="bg1">
+                        <a:lumMod val="95000"/>
+                      </a:schemeClr>
+                    </a:solidFill>
+                  </a:tcPr>
+                </a:tc>
+                <a:extLst>
+                  <a:ext uri="{0D108BD9-81ED-4DB2-BD59-A6C34878D82A}">
+                    <a16:rowId xmlns:a16="http://schemas.microsoft.com/office/drawing/2014/main" val="2630516318"/>
+                  </a:ext>
+                </a:extLst>
+              </a:tr>
+              <a:tr h="1512831">
+                <a:tc>
+                  <a:txBody>
+                    <a:bodyPr/>
+                    <a:lstStyle/>
+                    <a:p>
+                      <a:pPr algn="just"/>
+                      <a:r>
+                        <a:rPr lang="en-US" sz="1600" kern="100" dirty="0">
+                          <a:solidFill>
+                            <a:schemeClr val="bg2">
+                              <a:lumMod val="50000"/>
+                            </a:schemeClr>
+                          </a:solidFill>
+                          <a:effectLst/>
+                          <a:latin typeface="Chalkduster" panose="03050602040202020205" pitchFamily="66" charset="0"/>
+                        </a:rPr>
+                        <a:t>Description 2</a:t>
+                      </a:r>
+                      <a:endParaRPr lang="zh-CN" sz="1600" kern="100" dirty="0">
+                        <a:solidFill>
+                          <a:schemeClr val="bg2">
+                            <a:lumMod val="50000"/>
+                          </a:schemeClr>
+                        </a:solidFill>
+                        <a:effectLst/>
+                        <a:latin typeface="Chalkduster" panose="03050602040202020205" pitchFamily="66" charset="0"/>
+                      </a:endParaRPr>
+                    </a:p>
+                  </a:txBody>
+                  <a:tcPr marL="68580" marR="68580" marT="0" marB="0" anchor="ctr">
+                    <a:solidFill>
+                      <a:schemeClr val="accent6">
+                        <a:lumMod val="20000"/>
+                        <a:lumOff val="80000"/>
+                      </a:schemeClr>
+                    </a:solidFill>
+                  </a:tcPr>
+                </a:tc>
+                <a:tc>
+                  <a:txBody>
+                    <a:bodyPr/>
+                    <a:lstStyle/>
+                    <a:p>
+                      <a:pPr algn="just"/>
+                      <a:r>
+                        <a:rPr lang="en-US" sz="1400" kern="100" dirty="0">
+                          <a:solidFill>
+                            <a:schemeClr val="bg2">
+                              <a:lumMod val="50000"/>
+                            </a:schemeClr>
+                          </a:solidFill>
+                          <a:effectLst/>
+                          <a:latin typeface="Chalkduster" panose="03050602040202020205" pitchFamily="66" charset="0"/>
+                        </a:rPr>
+                        <a:t>Relax, enjoy your vacation, and leave the tour itinerary planning to us. Contact us today!</a:t>
+                      </a:r>
+                      <a:endParaRPr lang="zh-CN" sz="2000" kern="100" dirty="0">
+                        <a:solidFill>
+                          <a:schemeClr val="bg2">
+                            <a:lumMod val="50000"/>
+                          </a:schemeClr>
+                        </a:solidFill>
+                        <a:effectLst/>
+                        <a:latin typeface="Chalkduster" panose="03050602040202020205" pitchFamily="66" charset="0"/>
+                      </a:endParaRPr>
+                    </a:p>
+                    <a:p>
+                      <a:pPr algn="just"/>
+                      <a:r>
+                        <a:rPr lang="en-US" sz="1100" kern="100" dirty="0">
+                          <a:solidFill>
+                            <a:schemeClr val="bg2">
+                              <a:lumMod val="50000"/>
+                            </a:schemeClr>
+                          </a:solidFill>
+                          <a:effectLst/>
+                          <a:latin typeface="Chalkduster" panose="03050602040202020205" pitchFamily="66" charset="0"/>
+                        </a:rPr>
+                        <a:t>(We try to attract and motivate people to click on our ad.) </a:t>
+                      </a:r>
+                      <a:endParaRPr lang="zh-CN" sz="2000" kern="100" dirty="0">
+                        <a:solidFill>
+                          <a:schemeClr val="bg2">
+                            <a:lumMod val="50000"/>
+                          </a:schemeClr>
+                        </a:solidFill>
+                        <a:effectLst/>
+                        <a:latin typeface="Chalkduster" panose="03050602040202020205" pitchFamily="66" charset="0"/>
+                        <a:ea typeface="宋体" panose="02010600030101010101" pitchFamily="2" charset="-122"/>
+                        <a:cs typeface="宋体" panose="02010600030101010101" pitchFamily="2" charset="-122"/>
+                      </a:endParaRPr>
+                    </a:p>
+                  </a:txBody>
+                  <a:tcPr marL="68580" marR="68580" marT="0" marB="0" anchor="ctr">
+                    <a:solidFill>
+                      <a:schemeClr val="bg1">
+                        <a:lumMod val="95000"/>
+                      </a:schemeClr>
+                    </a:solidFill>
+                  </a:tcPr>
+                </a:tc>
+                <a:extLst>
+                  <a:ext uri="{0D108BD9-81ED-4DB2-BD59-A6C34878D82A}">
+                    <a16:rowId xmlns:a16="http://schemas.microsoft.com/office/drawing/2014/main" val="1537932188"/>
+                  </a:ext>
+                </a:extLst>
+              </a:tr>
+            </a:tbl>
+          </a:graphicData>
+        </a:graphic>
+      </p:graphicFrame>
+      <mc:AlternateContent xmlns:mc="http://schemas.openxmlformats.org/markup-compatibility/2006" xmlns:p14="http://schemas.microsoft.com/office/powerpoint/2010/main" xmlns:aink="http://schemas.microsoft.com/office/drawing/2016/ink">
+        <mc:Choice Requires="p14 aink">
+          <p:contentPart p14:bwMode="auto" r:id="rId2">
+            <p14:nvContentPartPr>
+              <p14:cNvPr id="3" name="墨迹 2">
+                <a:extLst>
+                  <a:ext uri="{FF2B5EF4-FFF2-40B4-BE49-F238E27FC236}">
+                    <a16:creationId xmlns:a16="http://schemas.microsoft.com/office/drawing/2014/main" id="{985457E1-6AA0-3847-8188-E783F070B069}"/>
+                  </a:ext>
+                </a:extLst>
+              </p14:cNvPr>
+              <p14:cNvContentPartPr/>
+              <p14:nvPr/>
+            </p14:nvContentPartPr>
+            <p14:xfrm>
+              <a:off x="1267222" y="818685"/>
+              <a:ext cx="160200" cy="5361840"/>
+            </p14:xfrm>
+          </p:contentPart>
+        </mc:Choice>
+        <mc:Fallback xmlns="">
+          <p:pic>
+            <p:nvPicPr>
+              <p:cNvPr id="3" name="墨迹 2">
+                <a:extLst>
+                  <a:ext uri="{FF2B5EF4-FFF2-40B4-BE49-F238E27FC236}">
+                    <a16:creationId xmlns:a16="http://schemas.microsoft.com/office/drawing/2014/main" id="{985457E1-6AA0-3847-8188-E783F070B069}"/>
+                  </a:ext>
+                </a:extLst>
+              </p:cNvPr>
+              <p:cNvPicPr/>
+              <p:nvPr/>
+            </p:nvPicPr>
+            <p:blipFill>
+              <a:blip r:embed="rId3"/>
+              <a:stretch>
+                <a:fillRect/>
+              </a:stretch>
+            </p:blipFill>
+            <p:spPr>
+              <a:xfrm>
+                <a:off x="1204222" y="440685"/>
+                <a:ext cx="285840" cy="6117480"/>
+              </a:xfrm>
+              <a:prstGeom prst="rect">
+                <a:avLst/>
+              </a:prstGeom>
+            </p:spPr>
+          </p:pic>
+        </mc:Fallback>
+      </mc:AlternateContent>
+      <mc:AlternateContent xmlns:mc="http://schemas.openxmlformats.org/markup-compatibility/2006" xmlns:p14="http://schemas.microsoft.com/office/powerpoint/2010/main" xmlns:aink="http://schemas.microsoft.com/office/drawing/2016/ink">
+        <mc:Choice Requires="p14 aink">
+          <p:contentPart p14:bwMode="auto" r:id="rId4">
+            <p14:nvContentPartPr>
+              <p14:cNvPr id="15" name="墨迹 14">
+                <a:extLst>
+                  <a:ext uri="{FF2B5EF4-FFF2-40B4-BE49-F238E27FC236}">
+                    <a16:creationId xmlns:a16="http://schemas.microsoft.com/office/drawing/2014/main" id="{B1EED601-1284-4E44-9CBE-8B1B74C60B27}"/>
+                  </a:ext>
+                </a:extLst>
+              </p14:cNvPr>
+              <p14:cNvContentPartPr/>
+              <p14:nvPr/>
+            </p14:nvContentPartPr>
+            <p14:xfrm>
+              <a:off x="1177222" y="5956605"/>
+              <a:ext cx="9621000" cy="201600"/>
+            </p14:xfrm>
+          </p:contentPart>
+        </mc:Choice>
+        <mc:Fallback xmlns="">
+          <p:pic>
+            <p:nvPicPr>
+              <p:cNvPr id="15" name="墨迹 14">
+                <a:extLst>
+                  <a:ext uri="{FF2B5EF4-FFF2-40B4-BE49-F238E27FC236}">
+                    <a16:creationId xmlns:a16="http://schemas.microsoft.com/office/drawing/2014/main" id="{B1EED601-1284-4E44-9CBE-8B1B74C60B27}"/>
+                  </a:ext>
+                </a:extLst>
+              </p:cNvPr>
+              <p:cNvPicPr/>
+              <p:nvPr/>
+            </p:nvPicPr>
+            <p:blipFill>
+              <a:blip r:embed="rId5"/>
+              <a:stretch>
+                <a:fillRect/>
+              </a:stretch>
+            </p:blipFill>
+            <p:spPr>
+              <a:xfrm>
+                <a:off x="1114582" y="5578965"/>
+                <a:ext cx="9746640" cy="957240"/>
+              </a:xfrm>
+              <a:prstGeom prst="rect">
+                <a:avLst/>
+              </a:prstGeom>
+            </p:spPr>
+          </p:pic>
+        </mc:Fallback>
+      </mc:AlternateContent>
+      <p:grpSp>
+        <p:nvGrpSpPr>
+          <p:cNvPr id="22" name="组合 21">
+            <a:extLst>
+              <a:ext uri="{FF2B5EF4-FFF2-40B4-BE49-F238E27FC236}">
+                <a16:creationId xmlns:a16="http://schemas.microsoft.com/office/drawing/2014/main" id="{66F5EA37-C023-D44A-B946-FBBE5121E401}"/>
+              </a:ext>
+            </a:extLst>
+          </p:cNvPr>
+          <p:cNvGrpSpPr/>
+          <p:nvPr/>
+        </p:nvGrpSpPr>
+        <p:grpSpPr>
+          <a:xfrm>
+            <a:off x="1368022" y="469845"/>
+            <a:ext cx="9475200" cy="5765760"/>
+            <a:chOff x="1368022" y="469845"/>
+            <a:chExt cx="9475200" cy="5765760"/>
+          </a:xfrm>
+        </p:grpSpPr>
+        <mc:AlternateContent xmlns:mc="http://schemas.openxmlformats.org/markup-compatibility/2006" xmlns:p14="http://schemas.microsoft.com/office/powerpoint/2010/main" xmlns:aink="http://schemas.microsoft.com/office/drawing/2016/ink">
+          <mc:Choice Requires="p14 aink">
+            <p:contentPart p14:bwMode="auto" r:id="rId6">
+              <p14:nvContentPartPr>
+                <p14:cNvPr id="19" name="墨迹 18">
+                  <a:extLst>
+                    <a:ext uri="{FF2B5EF4-FFF2-40B4-BE49-F238E27FC236}">
+                      <a16:creationId xmlns:a16="http://schemas.microsoft.com/office/drawing/2014/main" id="{788FB95C-6A36-4945-B73E-D7AAFA8C5100}"/>
+                    </a:ext>
+                  </a:extLst>
+                </p14:cNvPr>
+                <p14:cNvContentPartPr/>
+                <p14:nvPr/>
+              </p14:nvContentPartPr>
+              <p14:xfrm>
+                <a:off x="1368022" y="691605"/>
+                <a:ext cx="9475200" cy="149760"/>
+              </p14:xfrm>
+            </p:contentPart>
+          </mc:Choice>
+          <mc:Fallback xmlns="">
+            <p:pic>
+              <p:nvPicPr>
+                <p:cNvPr id="19" name="墨迹 18">
+                  <a:extLst>
+                    <a:ext uri="{FF2B5EF4-FFF2-40B4-BE49-F238E27FC236}">
+                      <a16:creationId xmlns:a16="http://schemas.microsoft.com/office/drawing/2014/main" id="{788FB95C-6A36-4945-B73E-D7AAFA8C5100}"/>
+                    </a:ext>
+                  </a:extLst>
+                </p:cNvPr>
+                <p:cNvPicPr/>
+                <p:nvPr/>
+              </p:nvPicPr>
+              <p:blipFill>
+                <a:blip r:embed="rId7"/>
+                <a:stretch>
+                  <a:fillRect/>
+                </a:stretch>
+              </p:blipFill>
+              <p:spPr>
+                <a:xfrm>
+                  <a:off x="1305022" y="313965"/>
+                  <a:ext cx="9600840" cy="905400"/>
+                </a:xfrm>
+                <a:prstGeom prst="rect">
+                  <a:avLst/>
+                </a:prstGeom>
+              </p:spPr>
+            </p:pic>
+          </mc:Fallback>
+        </mc:AlternateContent>
+        <mc:AlternateContent xmlns:mc="http://schemas.openxmlformats.org/markup-compatibility/2006" xmlns:p14="http://schemas.microsoft.com/office/powerpoint/2010/main" xmlns:aink="http://schemas.microsoft.com/office/drawing/2016/ink">
+          <mc:Choice Requires="p14 aink">
+            <p:contentPart p14:bwMode="auto" r:id="rId8">
+              <p14:nvContentPartPr>
+                <p14:cNvPr id="20" name="墨迹 19">
+                  <a:extLst>
+                    <a:ext uri="{FF2B5EF4-FFF2-40B4-BE49-F238E27FC236}">
+                      <a16:creationId xmlns:a16="http://schemas.microsoft.com/office/drawing/2014/main" id="{831BFDE7-72B2-4F48-A444-ADA609A57D3C}"/>
+                    </a:ext>
+                  </a:extLst>
+                </p14:cNvPr>
+                <p14:cNvContentPartPr/>
+                <p14:nvPr/>
+              </p14:nvContentPartPr>
+              <p14:xfrm>
+                <a:off x="10696702" y="469845"/>
+                <a:ext cx="65160" cy="5765760"/>
+              </p14:xfrm>
+            </p:contentPart>
+          </mc:Choice>
+          <mc:Fallback xmlns="">
+            <p:pic>
+              <p:nvPicPr>
+                <p:cNvPr id="20" name="墨迹 19">
+                  <a:extLst>
+                    <a:ext uri="{FF2B5EF4-FFF2-40B4-BE49-F238E27FC236}">
+                      <a16:creationId xmlns:a16="http://schemas.microsoft.com/office/drawing/2014/main" id="{831BFDE7-72B2-4F48-A444-ADA609A57D3C}"/>
+                    </a:ext>
+                  </a:extLst>
+                </p:cNvPr>
+                <p:cNvPicPr/>
+                <p:nvPr/>
+              </p:nvPicPr>
+              <p:blipFill>
+                <a:blip r:embed="rId9"/>
+                <a:stretch>
+                  <a:fillRect/>
+                </a:stretch>
+              </p:blipFill>
+              <p:spPr>
+                <a:xfrm>
+                  <a:off x="10633702" y="91845"/>
+                  <a:ext cx="190800" cy="6521400"/>
+                </a:xfrm>
+                <a:prstGeom prst="rect">
+                  <a:avLst/>
+                </a:prstGeom>
+              </p:spPr>
+            </p:pic>
+          </mc:Fallback>
+        </mc:AlternateContent>
+      </p:grpSp>
+      <mc:AlternateContent xmlns:mc="http://schemas.openxmlformats.org/markup-compatibility/2006" xmlns:p14="http://schemas.microsoft.com/office/powerpoint/2010/main" xmlns:aink="http://schemas.microsoft.com/office/drawing/2016/ink">
+        <mc:Choice Requires="p14 aink">
+          <p:contentPart p14:bwMode="auto" r:id="rId10">
+            <p14:nvContentPartPr>
+              <p14:cNvPr id="24" name="墨迹 23">
+                <a:extLst>
+                  <a:ext uri="{FF2B5EF4-FFF2-40B4-BE49-F238E27FC236}">
+                    <a16:creationId xmlns:a16="http://schemas.microsoft.com/office/drawing/2014/main" id="{BFFDF8FF-EDE1-9F46-A3D3-02495ECB0525}"/>
+                  </a:ext>
+                </a:extLst>
+              </p14:cNvPr>
+              <p14:cNvContentPartPr/>
+              <p14:nvPr/>
+            </p14:nvContentPartPr>
+            <p14:xfrm>
+              <a:off x="1413382" y="643005"/>
+              <a:ext cx="8280" cy="195120"/>
+            </p14:xfrm>
+          </p:contentPart>
+        </mc:Choice>
+        <mc:Fallback xmlns="">
+          <p:pic>
+            <p:nvPicPr>
+              <p:cNvPr id="24" name="墨迹 23">
+                <a:extLst>
+                  <a:ext uri="{FF2B5EF4-FFF2-40B4-BE49-F238E27FC236}">
+                    <a16:creationId xmlns:a16="http://schemas.microsoft.com/office/drawing/2014/main" id="{BFFDF8FF-EDE1-9F46-A3D3-02495ECB0525}"/>
+                  </a:ext>
+                </a:extLst>
+              </p:cNvPr>
+              <p:cNvPicPr/>
+              <p:nvPr/>
+            </p:nvPicPr>
+            <p:blipFill>
+              <a:blip r:embed="rId11"/>
+              <a:stretch>
+                <a:fillRect/>
+              </a:stretch>
+            </p:blipFill>
+            <p:spPr>
+              <a:xfrm>
+                <a:off x="1350382" y="265005"/>
+                <a:ext cx="133920" cy="950760"/>
+              </a:xfrm>
+              <a:prstGeom prst="rect">
+                <a:avLst/>
+              </a:prstGeom>
+            </p:spPr>
+          </p:pic>
+        </mc:Fallback>
+      </mc:AlternateContent>
+      <mc:AlternateContent xmlns:mc="http://schemas.openxmlformats.org/markup-compatibility/2006" xmlns:p14="http://schemas.microsoft.com/office/powerpoint/2010/main" xmlns:aink="http://schemas.microsoft.com/office/drawing/2016/ink">
+        <mc:Choice Requires="p14 aink">
+          <p:contentPart p14:bwMode="auto" r:id="rId12">
+            <p14:nvContentPartPr>
+              <p14:cNvPr id="25" name="墨迹 24">
+                <a:extLst>
+                  <a:ext uri="{FF2B5EF4-FFF2-40B4-BE49-F238E27FC236}">
+                    <a16:creationId xmlns:a16="http://schemas.microsoft.com/office/drawing/2014/main" id="{DC5A7830-165C-3E44-BF60-95B211CAA5B7}"/>
+                  </a:ext>
+                </a:extLst>
+              </p14:cNvPr>
+              <p14:cNvContentPartPr/>
+              <p14:nvPr/>
+            </p14:nvContentPartPr>
+            <p14:xfrm>
+              <a:off x="1241662" y="866925"/>
+              <a:ext cx="197640" cy="360"/>
+            </p14:xfrm>
+          </p:contentPart>
+        </mc:Choice>
+        <mc:Fallback xmlns="">
+          <p:pic>
+            <p:nvPicPr>
+              <p:cNvPr id="25" name="墨迹 24">
+                <a:extLst>
+                  <a:ext uri="{FF2B5EF4-FFF2-40B4-BE49-F238E27FC236}">
+                    <a16:creationId xmlns:a16="http://schemas.microsoft.com/office/drawing/2014/main" id="{DC5A7830-165C-3E44-BF60-95B211CAA5B7}"/>
+                  </a:ext>
+                </a:extLst>
+              </p:cNvPr>
+              <p:cNvPicPr/>
+              <p:nvPr/>
+            </p:nvPicPr>
+            <p:blipFill>
+              <a:blip r:embed="rId13"/>
+              <a:stretch>
+                <a:fillRect/>
+              </a:stretch>
+            </p:blipFill>
+            <p:spPr>
+              <a:xfrm>
+                <a:off x="1178662" y="488925"/>
+                <a:ext cx="323280" cy="756000"/>
+              </a:xfrm>
+              <a:prstGeom prst="rect">
+                <a:avLst/>
+              </a:prstGeom>
+            </p:spPr>
+          </p:pic>
+        </mc:Fallback>
+      </mc:AlternateContent>
+    </p:spTree>
+    <p:extLst>
+      <p:ext uri="{BB962C8B-B14F-4D97-AF65-F5344CB8AC3E}">
+        <p14:creationId xmlns:p14="http://schemas.microsoft.com/office/powerpoint/2010/main" val="311359871"/>
+      </p:ext>
+    </p:extLst>
+  </p:cSld>
+  <p:clrMapOvr>
+    <a:masterClrMapping/>
+  </p:clrMapOvr>
+</p:sld>
+</file>
+
+<file path=ppt/slides/slide3.xml><?xml version="1.0" encoding="utf-8"?>
+<p:sld xmlns:a="http://schemas.openxmlformats.org/drawingml/2006/main" xmlns:r="http://schemas.openxmlformats.org/officeDocument/2006/relationships" xmlns:p="http://schemas.openxmlformats.org/presentationml/2006/main">
+  <p:cSld>
+    <p:spTree>
+      <p:nvGrpSpPr>
+        <p:cNvPr id="1" name=""/>
+        <p:cNvGrpSpPr/>
+        <p:nvPr/>
+      </p:nvGrpSpPr>
+      <p:grpSpPr>
+        <a:xfrm>
+          <a:off x="0" y="0"/>
+          <a:ext cx="0" cy="0"/>
+          <a:chOff x="0" y="0"/>
+          <a:chExt cx="0" cy="0"/>
+        </a:xfrm>
+      </p:grpSpPr>
+      <p:pic>
+        <p:nvPicPr>
+          <p:cNvPr id="4" name="Picture 14">
+            <a:extLst>
+              <a:ext uri="{FF2B5EF4-FFF2-40B4-BE49-F238E27FC236}">
+                <a16:creationId xmlns:a16="http://schemas.microsoft.com/office/drawing/2014/main" id="{E1FCB3CA-0F38-5245-9D2D-F5ACFD3D465C}"/>
+              </a:ext>
+            </a:extLst>
+          </p:cNvPr>
+          <p:cNvPicPr/>
+          <p:nvPr/>
+        </p:nvPicPr>
+        <p:blipFill>
+          <a:blip r:embed="rId2">
+            <a:extLst>
+              <a:ext uri="{28A0092B-C50C-407E-A947-70E740481C1C}">
+                <a14:useLocalDpi xmlns:a14="http://schemas.microsoft.com/office/drawing/2010/main" val="0"/>
+              </a:ext>
+            </a:extLst>
+          </a:blip>
+          <a:stretch>
+            <a:fillRect/>
+          </a:stretch>
+        </p:blipFill>
+        <p:spPr>
+          <a:xfrm>
+            <a:off x="1460011" y="802249"/>
+            <a:ext cx="2959589" cy="2773289"/>
+          </a:xfrm>
+          <a:prstGeom prst="rect">
+            <a:avLst/>
+          </a:prstGeom>
+          <a:ln>
+            <a:solidFill>
+              <a:schemeClr val="tx1"/>
+            </a:solidFill>
+          </a:ln>
+        </p:spPr>
+      </p:pic>
+      <p:pic>
+        <p:nvPicPr>
+          <p:cNvPr id="5" name="Picture 11">
+            <a:extLst>
+              <a:ext uri="{FF2B5EF4-FFF2-40B4-BE49-F238E27FC236}">
+                <a16:creationId xmlns:a16="http://schemas.microsoft.com/office/drawing/2014/main" id="{8D059540-E1CE-B44B-9223-5AE73F8A1FF5}"/>
+              </a:ext>
+            </a:extLst>
+          </p:cNvPr>
+          <p:cNvPicPr/>
+          <p:nvPr/>
+        </p:nvPicPr>
+        <p:blipFill>
+          <a:blip r:embed="rId3">
+            <a:extLst>
+              <a:ext uri="{28A0092B-C50C-407E-A947-70E740481C1C}">
+                <a14:useLocalDpi xmlns:a14="http://schemas.microsoft.com/office/drawing/2010/main" val="0"/>
+              </a:ext>
+            </a:extLst>
+          </a:blip>
+          <a:stretch>
+            <a:fillRect/>
+          </a:stretch>
+        </p:blipFill>
+        <p:spPr>
+          <a:xfrm>
+            <a:off x="4419600" y="802249"/>
+            <a:ext cx="4032738" cy="2773289"/>
+          </a:xfrm>
+          <a:prstGeom prst="rect">
+            <a:avLst/>
+          </a:prstGeom>
+          <a:ln>
+            <a:solidFill>
+              <a:schemeClr val="tx1"/>
+            </a:solidFill>
+          </a:ln>
+        </p:spPr>
+      </p:pic>
+    </p:spTree>
+    <p:extLst>
+      <p:ext uri="{BB962C8B-B14F-4D97-AF65-F5344CB8AC3E}">
+        <p14:creationId xmlns:p14="http://schemas.microsoft.com/office/powerpoint/2010/main" val="1178824623"/>
+      </p:ext>
+    </p:extLst>
+  </p:cSld>
+  <p:clrMapOvr>
+    <a:masterClrMapping/>
+  </p:clrMapOvr>
+</p:sld>
+</file>
+
+<file path=ppt/slides/slide4.xml><?xml version="1.0" encoding="utf-8"?>
+<p:sld xmlns:a="http://schemas.openxmlformats.org/drawingml/2006/main" xmlns:r="http://schemas.openxmlformats.org/officeDocument/2006/relationships" xmlns:p="http://schemas.openxmlformats.org/presentationml/2006/main">
+  <p:cSld>
+    <p:spTree>
+      <p:nvGrpSpPr>
+        <p:cNvPr id="1" name=""/>
+        <p:cNvGrpSpPr/>
+        <p:nvPr/>
+      </p:nvGrpSpPr>
+      <p:grpSpPr>
+        <a:xfrm>
+          <a:off x="0" y="0"/>
+          <a:ext cx="0" cy="0"/>
+          <a:chOff x="0" y="0"/>
+          <a:chExt cx="0" cy="0"/>
+        </a:xfrm>
+      </p:grpSpPr>
+      <p:sp>
+        <p:nvSpPr>
+          <p:cNvPr id="6" name="圆角矩形 5">
+            <a:extLst>
+              <a:ext uri="{FF2B5EF4-FFF2-40B4-BE49-F238E27FC236}">
+                <a16:creationId xmlns:a16="http://schemas.microsoft.com/office/drawing/2014/main" id="{221D1075-FA12-9346-8076-4001178A8198}"/>
+              </a:ext>
+            </a:extLst>
+          </p:cNvPr>
+          <p:cNvSpPr/>
+          <p:nvPr/>
+        </p:nvSpPr>
+        <p:spPr>
+          <a:xfrm>
+            <a:off x="1383322" y="1084386"/>
+            <a:ext cx="2430157" cy="698293"/>
+          </a:xfrm>
+          <a:prstGeom prst="roundRect">
+            <a:avLst/>
+          </a:prstGeom>
+          <a:noFill/>
+          <a:ln w="34925">
+            <a:solidFill>
+              <a:schemeClr val="bg2">
+                <a:lumMod val="90000"/>
+              </a:schemeClr>
+            </a:solidFill>
+          </a:ln>
+        </p:spPr>
+        <p:style>
+          <a:lnRef idx="2">
+            <a:schemeClr val="accent6">
+              <a:shade val="50000"/>
+            </a:schemeClr>
+          </a:lnRef>
+          <a:fillRef idx="1">
+            <a:schemeClr val="accent6"/>
+          </a:fillRef>
+          <a:effectRef idx="0">
+            <a:schemeClr val="accent6"/>
+          </a:effectRef>
+          <a:fontRef idx="minor">
+            <a:schemeClr val="lt1"/>
+          </a:fontRef>
+        </p:style>
+        <p:txBody>
+          <a:bodyPr rtlCol="0" anchor="ctr"/>
+          <a:lstStyle/>
+          <a:p>
+            <a:pPr algn="ctr"/>
+            <a:endParaRPr kumimoji="1" lang="zh-CN" altLang="en-US" dirty="0"/>
+          </a:p>
+        </p:txBody>
+      </p:sp>
+      <p:sp>
+        <p:nvSpPr>
+          <p:cNvPr id="7" name="文本框 6">
+            <a:extLst>
+              <a:ext uri="{FF2B5EF4-FFF2-40B4-BE49-F238E27FC236}">
+                <a16:creationId xmlns:a16="http://schemas.microsoft.com/office/drawing/2014/main" id="{544BFBF0-A804-A142-BC59-886DA0554ABB}"/>
+              </a:ext>
+            </a:extLst>
+          </p:cNvPr>
+          <p:cNvSpPr txBox="1"/>
+          <p:nvPr/>
+        </p:nvSpPr>
+        <p:spPr>
+          <a:xfrm>
+            <a:off x="1484618" y="715054"/>
+            <a:ext cx="2430157" cy="369332"/>
+          </a:xfrm>
+          <a:prstGeom prst="rect">
+            <a:avLst/>
+          </a:prstGeom>
+          <a:noFill/>
+        </p:spPr>
+        <p:txBody>
+          <a:bodyPr wrap="square" rtlCol="0">
+            <a:spAutoFit/>
+          </a:bodyPr>
+          <a:lstStyle/>
+          <a:p>
+            <a:r>
+              <a:rPr kumimoji="1" lang="en-US" altLang="zh-CN" dirty="0">
+                <a:solidFill>
+                  <a:schemeClr val="accent6"/>
+                </a:solidFill>
+                <a:latin typeface="Chalkduster" panose="03050602040202020205" pitchFamily="66" charset="0"/>
+              </a:rPr>
+              <a:t>Cognitive Stage</a:t>
+            </a:r>
+            <a:endParaRPr kumimoji="1" lang="zh-CN" altLang="en-US" dirty="0">
+              <a:solidFill>
+                <a:schemeClr val="accent6"/>
+              </a:solidFill>
+              <a:latin typeface="Chalkduster" panose="03050602040202020205" pitchFamily="66" charset="0"/>
+            </a:endParaRPr>
+          </a:p>
+        </p:txBody>
+      </p:sp>
+      <p:sp>
+        <p:nvSpPr>
+          <p:cNvPr id="8" name="文本框 7">
+            <a:extLst>
+              <a:ext uri="{FF2B5EF4-FFF2-40B4-BE49-F238E27FC236}">
+                <a16:creationId xmlns:a16="http://schemas.microsoft.com/office/drawing/2014/main" id="{740958C5-6C0D-9949-ABD7-57AC8AA4E3DB}"/>
+              </a:ext>
+            </a:extLst>
+          </p:cNvPr>
+          <p:cNvSpPr txBox="1"/>
+          <p:nvPr/>
+        </p:nvSpPr>
+        <p:spPr>
+          <a:xfrm>
+            <a:off x="1784656" y="1161330"/>
+            <a:ext cx="2430157" cy="584775"/>
+          </a:xfrm>
+          <a:prstGeom prst="rect">
+            <a:avLst/>
+          </a:prstGeom>
+          <a:noFill/>
+        </p:spPr>
+        <p:txBody>
+          <a:bodyPr wrap="square" rtlCol="0">
+            <a:spAutoFit/>
+          </a:bodyPr>
+          <a:lstStyle/>
+          <a:p>
+            <a:r>
+              <a:rPr kumimoji="1" lang="en-US" altLang="zh-CN" sz="1600" dirty="0">
+                <a:solidFill>
+                  <a:schemeClr val="tx1">
+                    <a:lumMod val="65000"/>
+                    <a:lumOff val="35000"/>
+                  </a:schemeClr>
+                </a:solidFill>
+                <a:latin typeface="Chalkduster" panose="03050602040202020205" pitchFamily="66" charset="0"/>
+              </a:rPr>
+              <a:t>Awareness &amp; Interest</a:t>
+            </a:r>
+            <a:endParaRPr kumimoji="1" lang="zh-CN" altLang="en-US" sz="1600" dirty="0">
+              <a:solidFill>
+                <a:schemeClr val="tx1">
+                  <a:lumMod val="65000"/>
+                  <a:lumOff val="35000"/>
+                </a:schemeClr>
+              </a:solidFill>
+              <a:latin typeface="Chalkduster" panose="03050602040202020205" pitchFamily="66" charset="0"/>
+            </a:endParaRPr>
+          </a:p>
+        </p:txBody>
+      </p:sp>
+      <p:sp>
+        <p:nvSpPr>
+          <p:cNvPr id="9" name="圆角矩形 8">
+            <a:extLst>
+              <a:ext uri="{FF2B5EF4-FFF2-40B4-BE49-F238E27FC236}">
+                <a16:creationId xmlns:a16="http://schemas.microsoft.com/office/drawing/2014/main" id="{F3BCF239-9641-174A-A7AA-A3A2A29E9076}"/>
+              </a:ext>
+            </a:extLst>
+          </p:cNvPr>
+          <p:cNvSpPr/>
+          <p:nvPr/>
+        </p:nvSpPr>
+        <p:spPr>
+          <a:xfrm>
+            <a:off x="4464659" y="1084386"/>
+            <a:ext cx="2430157" cy="698293"/>
+          </a:xfrm>
+          <a:prstGeom prst="roundRect">
+            <a:avLst/>
+          </a:prstGeom>
+          <a:noFill/>
+          <a:ln w="34925">
+            <a:solidFill>
+              <a:schemeClr val="bg2">
+                <a:lumMod val="90000"/>
+              </a:schemeClr>
+            </a:solidFill>
+          </a:ln>
+        </p:spPr>
+        <p:style>
+          <a:lnRef idx="2">
+            <a:schemeClr val="accent6">
+              <a:shade val="50000"/>
+            </a:schemeClr>
+          </a:lnRef>
+          <a:fillRef idx="1">
+            <a:schemeClr val="accent6"/>
+          </a:fillRef>
+          <a:effectRef idx="0">
+            <a:schemeClr val="accent6"/>
+          </a:effectRef>
+          <a:fontRef idx="minor">
+            <a:schemeClr val="lt1"/>
+          </a:fontRef>
+        </p:style>
+        <p:txBody>
+          <a:bodyPr rtlCol="0" anchor="ctr"/>
+          <a:lstStyle/>
+          <a:p>
+            <a:pPr algn="ctr"/>
+            <a:endParaRPr kumimoji="1" lang="zh-CN" altLang="en-US" dirty="0"/>
+          </a:p>
+        </p:txBody>
+      </p:sp>
+      <p:sp>
+        <p:nvSpPr>
+          <p:cNvPr id="10" name="文本框 9">
+            <a:extLst>
+              <a:ext uri="{FF2B5EF4-FFF2-40B4-BE49-F238E27FC236}">
+                <a16:creationId xmlns:a16="http://schemas.microsoft.com/office/drawing/2014/main" id="{30052F16-C8F0-CE40-83B1-728018310CE6}"/>
+              </a:ext>
+            </a:extLst>
+          </p:cNvPr>
+          <p:cNvSpPr txBox="1"/>
+          <p:nvPr/>
+        </p:nvSpPr>
+        <p:spPr>
+          <a:xfrm>
+            <a:off x="4565955" y="715054"/>
+            <a:ext cx="2430157" cy="369332"/>
+          </a:xfrm>
+          <a:prstGeom prst="rect">
+            <a:avLst/>
+          </a:prstGeom>
+          <a:noFill/>
+        </p:spPr>
+        <p:txBody>
+          <a:bodyPr wrap="square" rtlCol="0">
+            <a:spAutoFit/>
+          </a:bodyPr>
+          <a:lstStyle/>
+          <a:p>
+            <a:r>
+              <a:rPr kumimoji="1" lang="en-US" altLang="zh-CN" dirty="0">
+                <a:solidFill>
+                  <a:schemeClr val="accent6"/>
+                </a:solidFill>
+                <a:latin typeface="Chalkduster" panose="03050602040202020205" pitchFamily="66" charset="0"/>
+              </a:rPr>
+              <a:t>Affective Stage</a:t>
+            </a:r>
+            <a:endParaRPr kumimoji="1" lang="zh-CN" altLang="en-US" dirty="0">
+              <a:solidFill>
+                <a:schemeClr val="accent6"/>
+              </a:solidFill>
+              <a:latin typeface="Chalkduster" panose="03050602040202020205" pitchFamily="66" charset="0"/>
+            </a:endParaRPr>
+          </a:p>
+        </p:txBody>
+      </p:sp>
+      <p:sp>
+        <p:nvSpPr>
+          <p:cNvPr id="11" name="文本框 10">
+            <a:extLst>
+              <a:ext uri="{FF2B5EF4-FFF2-40B4-BE49-F238E27FC236}">
+                <a16:creationId xmlns:a16="http://schemas.microsoft.com/office/drawing/2014/main" id="{8E2E6674-5849-8848-B4B1-2E5CED2AAA87}"/>
+              </a:ext>
+            </a:extLst>
+          </p:cNvPr>
+          <p:cNvSpPr txBox="1"/>
+          <p:nvPr/>
+        </p:nvSpPr>
+        <p:spPr>
+          <a:xfrm>
+            <a:off x="4865993" y="1141145"/>
+            <a:ext cx="2430157" cy="584775"/>
+          </a:xfrm>
+          <a:prstGeom prst="rect">
+            <a:avLst/>
+          </a:prstGeom>
+          <a:noFill/>
+        </p:spPr>
+        <p:txBody>
+          <a:bodyPr wrap="square" rtlCol="0">
+            <a:spAutoFit/>
+          </a:bodyPr>
+          <a:lstStyle/>
+          <a:p>
+            <a:r>
+              <a:rPr kumimoji="1" lang="en-US" altLang="zh-CN" sz="1600" dirty="0">
+                <a:solidFill>
+                  <a:schemeClr val="tx1">
+                    <a:lumMod val="65000"/>
+                    <a:lumOff val="35000"/>
+                  </a:schemeClr>
+                </a:solidFill>
+                <a:latin typeface="Chalkduster" panose="03050602040202020205" pitchFamily="66" charset="0"/>
+              </a:rPr>
+              <a:t>Evaluation &amp; </a:t>
+            </a:r>
+          </a:p>
+          <a:p>
+            <a:r>
+              <a:rPr kumimoji="1" lang="en-US" altLang="zh-CN" sz="1600" dirty="0">
+                <a:solidFill>
+                  <a:schemeClr val="tx1">
+                    <a:lumMod val="65000"/>
+                    <a:lumOff val="35000"/>
+                  </a:schemeClr>
+                </a:solidFill>
+                <a:latin typeface="Chalkduster" panose="03050602040202020205" pitchFamily="66" charset="0"/>
+              </a:rPr>
+              <a:t>Trial</a:t>
+            </a:r>
+            <a:endParaRPr kumimoji="1" lang="zh-CN" altLang="en-US" sz="1600" dirty="0">
+              <a:solidFill>
+                <a:schemeClr val="tx1">
+                  <a:lumMod val="65000"/>
+                  <a:lumOff val="35000"/>
+                </a:schemeClr>
+              </a:solidFill>
+              <a:latin typeface="Chalkduster" panose="03050602040202020205" pitchFamily="66" charset="0"/>
+            </a:endParaRPr>
+          </a:p>
+        </p:txBody>
+      </p:sp>
+      <p:sp>
+        <p:nvSpPr>
+          <p:cNvPr id="12" name="圆角矩形 11">
+            <a:extLst>
+              <a:ext uri="{FF2B5EF4-FFF2-40B4-BE49-F238E27FC236}">
+                <a16:creationId xmlns:a16="http://schemas.microsoft.com/office/drawing/2014/main" id="{F49F1FB9-8128-3846-88DA-0EA226B53620}"/>
+              </a:ext>
+            </a:extLst>
+          </p:cNvPr>
+          <p:cNvSpPr/>
+          <p:nvPr/>
+        </p:nvSpPr>
+        <p:spPr>
+          <a:xfrm>
+            <a:off x="7512658" y="1084386"/>
+            <a:ext cx="2430157" cy="698293"/>
+          </a:xfrm>
+          <a:prstGeom prst="roundRect">
+            <a:avLst/>
+          </a:prstGeom>
+          <a:noFill/>
+          <a:ln w="34925">
+            <a:solidFill>
+              <a:schemeClr val="bg2">
+                <a:lumMod val="90000"/>
+              </a:schemeClr>
+            </a:solidFill>
+          </a:ln>
+        </p:spPr>
+        <p:style>
+          <a:lnRef idx="2">
+            <a:schemeClr val="accent6">
+              <a:shade val="50000"/>
+            </a:schemeClr>
+          </a:lnRef>
+          <a:fillRef idx="1">
+            <a:schemeClr val="accent6"/>
+          </a:fillRef>
+          <a:effectRef idx="0">
+            <a:schemeClr val="accent6"/>
+          </a:effectRef>
+          <a:fontRef idx="minor">
+            <a:schemeClr val="lt1"/>
+          </a:fontRef>
+        </p:style>
+        <p:txBody>
+          <a:bodyPr rtlCol="0" anchor="ctr"/>
+          <a:lstStyle/>
+          <a:p>
+            <a:pPr algn="ctr"/>
+            <a:endParaRPr kumimoji="1" lang="zh-CN" altLang="en-US" dirty="0"/>
+          </a:p>
+        </p:txBody>
+      </p:sp>
+      <p:sp>
+        <p:nvSpPr>
+          <p:cNvPr id="13" name="文本框 12">
+            <a:extLst>
+              <a:ext uri="{FF2B5EF4-FFF2-40B4-BE49-F238E27FC236}">
+                <a16:creationId xmlns:a16="http://schemas.microsoft.com/office/drawing/2014/main" id="{66D9D2F9-A1DC-4E4F-86EC-45E3BA1CB168}"/>
+              </a:ext>
+            </a:extLst>
+          </p:cNvPr>
+          <p:cNvSpPr txBox="1"/>
+          <p:nvPr/>
+        </p:nvSpPr>
+        <p:spPr>
+          <a:xfrm>
+            <a:off x="7613954" y="715054"/>
+            <a:ext cx="2430157" cy="369332"/>
+          </a:xfrm>
+          <a:prstGeom prst="rect">
+            <a:avLst/>
+          </a:prstGeom>
+          <a:noFill/>
+        </p:spPr>
+        <p:txBody>
+          <a:bodyPr wrap="square" rtlCol="0">
+            <a:spAutoFit/>
+          </a:bodyPr>
+          <a:lstStyle/>
+          <a:p>
+            <a:r>
+              <a:rPr kumimoji="1" lang="en-US" altLang="zh-CN" dirty="0">
+                <a:solidFill>
+                  <a:schemeClr val="accent6"/>
+                </a:solidFill>
+                <a:latin typeface="Chalkduster" panose="03050602040202020205" pitchFamily="66" charset="0"/>
+              </a:rPr>
+              <a:t>Behavioral Stage</a:t>
+            </a:r>
+            <a:endParaRPr kumimoji="1" lang="zh-CN" altLang="en-US" dirty="0">
+              <a:solidFill>
+                <a:schemeClr val="accent6"/>
+              </a:solidFill>
+              <a:latin typeface="Chalkduster" panose="03050602040202020205" pitchFamily="66" charset="0"/>
+            </a:endParaRPr>
+          </a:p>
+        </p:txBody>
+      </p:sp>
+      <p:sp>
+        <p:nvSpPr>
+          <p:cNvPr id="14" name="文本框 13">
+            <a:extLst>
+              <a:ext uri="{FF2B5EF4-FFF2-40B4-BE49-F238E27FC236}">
+                <a16:creationId xmlns:a16="http://schemas.microsoft.com/office/drawing/2014/main" id="{4E2AF44F-94ED-754E-B9F6-67B28A776914}"/>
+              </a:ext>
+            </a:extLst>
+          </p:cNvPr>
+          <p:cNvSpPr txBox="1"/>
+          <p:nvPr/>
+        </p:nvSpPr>
+        <p:spPr>
+          <a:xfrm>
+            <a:off x="7913992" y="1141145"/>
+            <a:ext cx="2430157" cy="584775"/>
+          </a:xfrm>
+          <a:prstGeom prst="rect">
+            <a:avLst/>
+          </a:prstGeom>
+          <a:noFill/>
+        </p:spPr>
+        <p:txBody>
+          <a:bodyPr wrap="square" rtlCol="0">
+            <a:spAutoFit/>
+          </a:bodyPr>
+          <a:lstStyle/>
+          <a:p>
+            <a:r>
+              <a:rPr kumimoji="1" lang="en-US" altLang="zh-CN" sz="1600" dirty="0">
+                <a:solidFill>
+                  <a:schemeClr val="tx1">
+                    <a:lumMod val="65000"/>
+                    <a:lumOff val="35000"/>
+                  </a:schemeClr>
+                </a:solidFill>
+                <a:latin typeface="Chalkduster" panose="03050602040202020205" pitchFamily="66" charset="0"/>
+              </a:rPr>
+              <a:t>Decision &amp; </a:t>
+            </a:r>
+          </a:p>
+          <a:p>
+            <a:r>
+              <a:rPr kumimoji="1" lang="en-US" altLang="zh-CN" sz="1600" dirty="0">
+                <a:solidFill>
+                  <a:schemeClr val="tx1">
+                    <a:lumMod val="65000"/>
+                    <a:lumOff val="35000"/>
+                  </a:schemeClr>
+                </a:solidFill>
+                <a:latin typeface="Chalkduster" panose="03050602040202020205" pitchFamily="66" charset="0"/>
+              </a:rPr>
+              <a:t>Confirmation</a:t>
+            </a:r>
+            <a:endParaRPr kumimoji="1" lang="zh-CN" altLang="en-US" sz="1600" dirty="0">
+              <a:solidFill>
+                <a:schemeClr val="tx1">
+                  <a:lumMod val="65000"/>
+                  <a:lumOff val="35000"/>
+                </a:schemeClr>
+              </a:solidFill>
+              <a:latin typeface="Chalkduster" panose="03050602040202020205" pitchFamily="66" charset="0"/>
+            </a:endParaRPr>
+          </a:p>
+        </p:txBody>
+      </p:sp>
+      <mc:AlternateContent xmlns:mc="http://schemas.openxmlformats.org/markup-compatibility/2006">
+        <mc:Choice xmlns:p14="http://schemas.microsoft.com/office/powerpoint/2010/main" xmlns:aink="http://schemas.microsoft.com/office/drawing/2016/ink" Requires="p14 aink">
+          <p:contentPart p14:bwMode="auto" r:id="rId2">
+            <p14:nvContentPartPr>
+              <p14:cNvPr id="35" name="墨迹 34">
+                <a:extLst>
+                  <a:ext uri="{FF2B5EF4-FFF2-40B4-BE49-F238E27FC236}">
+                    <a16:creationId xmlns:a16="http://schemas.microsoft.com/office/drawing/2014/main" id="{2B82289D-7B5F-F34F-B365-C2E3F4A27F35}"/>
+                  </a:ext>
+                </a:extLst>
+              </p14:cNvPr>
+              <p14:cNvContentPartPr/>
+              <p14:nvPr/>
+            </p14:nvContentPartPr>
+            <p14:xfrm>
+              <a:off x="7470382" y="212151"/>
+              <a:ext cx="360" cy="360"/>
+            </p14:xfrm>
+          </p:contentPart>
+        </mc:Choice>
+        <mc:Fallback>
+          <p:pic>
+            <p:nvPicPr>
+              <p:cNvPr id="35" name="墨迹 34">
+                <a:extLst>
+                  <a:ext uri="{FF2B5EF4-FFF2-40B4-BE49-F238E27FC236}">
+                    <a16:creationId xmlns:a16="http://schemas.microsoft.com/office/drawing/2014/main" id="{2B82289D-7B5F-F34F-B365-C2E3F4A27F35}"/>
+                  </a:ext>
+                </a:extLst>
+              </p:cNvPr>
+              <p:cNvPicPr/>
+              <p:nvPr/>
+            </p:nvPicPr>
+            <p:blipFill>
+              <a:blip r:embed="rId3"/>
+              <a:stretch>
+                <a:fillRect/>
+              </a:stretch>
+            </p:blipFill>
+            <p:spPr>
+              <a:xfrm>
+                <a:off x="7439062" y="180831"/>
+                <a:ext cx="63000" cy="63000"/>
+              </a:xfrm>
+              <a:prstGeom prst="rect">
+                <a:avLst/>
+              </a:prstGeom>
+            </p:spPr>
+          </p:pic>
+        </mc:Fallback>
+      </mc:AlternateContent>
+      <p:grpSp>
+        <p:nvGrpSpPr>
+          <p:cNvPr id="52" name="组合 51">
+            <a:extLst>
+              <a:ext uri="{FF2B5EF4-FFF2-40B4-BE49-F238E27FC236}">
+                <a16:creationId xmlns:a16="http://schemas.microsoft.com/office/drawing/2014/main" id="{34AC79A2-CAC0-494E-A27B-B7C288F9D956}"/>
+              </a:ext>
+            </a:extLst>
+          </p:cNvPr>
+          <p:cNvGrpSpPr/>
+          <p:nvPr/>
+        </p:nvGrpSpPr>
+        <p:grpSpPr>
+          <a:xfrm>
+            <a:off x="3863182" y="1354431"/>
+            <a:ext cx="570960" cy="353880"/>
+            <a:chOff x="2948782" y="3699045"/>
+            <a:chExt cx="570960" cy="353880"/>
+          </a:xfrm>
+        </p:grpSpPr>
+        <mc:AlternateContent xmlns:mc="http://schemas.openxmlformats.org/markup-compatibility/2006" xmlns:p14="http://schemas.microsoft.com/office/powerpoint/2010/main" xmlns:aink="http://schemas.microsoft.com/office/drawing/2016/ink">
+          <mc:Choice Requires="p14 aink">
+            <p:contentPart p14:bwMode="auto" r:id="rId4">
+              <p14:nvContentPartPr>
+                <p14:cNvPr id="48" name="墨迹 47">
+                  <a:extLst>
+                    <a:ext uri="{FF2B5EF4-FFF2-40B4-BE49-F238E27FC236}">
+                      <a16:creationId xmlns:a16="http://schemas.microsoft.com/office/drawing/2014/main" id="{14345D91-EDF6-9C4C-A204-7C3C5ECF03E6}"/>
+                    </a:ext>
+                  </a:extLst>
+                </p14:cNvPr>
+                <p14:cNvContentPartPr/>
+                <p14:nvPr/>
+              </p14:nvContentPartPr>
+              <p14:xfrm>
+                <a:off x="2948782" y="3836565"/>
+                <a:ext cx="546480" cy="9360"/>
+              </p14:xfrm>
+            </p:contentPart>
+          </mc:Choice>
+          <mc:Fallback xmlns="">
+            <p:pic>
+              <p:nvPicPr>
+                <p:cNvPr id="48" name="墨迹 47">
+                  <a:extLst>
+                    <a:ext uri="{FF2B5EF4-FFF2-40B4-BE49-F238E27FC236}">
+                      <a16:creationId xmlns:a16="http://schemas.microsoft.com/office/drawing/2014/main" id="{14345D91-EDF6-9C4C-A204-7C3C5ECF03E6}"/>
+                    </a:ext>
+                  </a:extLst>
+                </p:cNvPr>
+                <p:cNvPicPr/>
+                <p:nvPr/>
+              </p:nvPicPr>
+              <p:blipFill>
+                <a:blip r:embed="rId5"/>
+                <a:stretch>
+                  <a:fillRect/>
+                </a:stretch>
+              </p:blipFill>
+              <p:spPr>
+                <a:xfrm>
+                  <a:off x="2885782" y="3458565"/>
+                  <a:ext cx="672120" cy="765000"/>
+                </a:xfrm>
+                <a:prstGeom prst="rect">
+                  <a:avLst/>
+                </a:prstGeom>
+              </p:spPr>
+            </p:pic>
+          </mc:Fallback>
+        </mc:AlternateContent>
+        <mc:AlternateContent xmlns:mc="http://schemas.openxmlformats.org/markup-compatibility/2006" xmlns:p14="http://schemas.microsoft.com/office/powerpoint/2010/main" xmlns:aink="http://schemas.microsoft.com/office/drawing/2016/ink">
+          <mc:Choice Requires="p14 aink">
+            <p:contentPart p14:bwMode="auto" r:id="rId6">
+              <p14:nvContentPartPr>
+                <p14:cNvPr id="49" name="墨迹 48">
+                  <a:extLst>
+                    <a:ext uri="{FF2B5EF4-FFF2-40B4-BE49-F238E27FC236}">
+                      <a16:creationId xmlns:a16="http://schemas.microsoft.com/office/drawing/2014/main" id="{CCBADDE3-B948-A246-9EB3-B1BA781E4D5F}"/>
+                    </a:ext>
+                  </a:extLst>
+                </p14:cNvPr>
+                <p14:cNvContentPartPr/>
+                <p14:nvPr/>
+              </p14:nvContentPartPr>
+              <p14:xfrm>
+                <a:off x="3243262" y="3699045"/>
+                <a:ext cx="276480" cy="137880"/>
+              </p14:xfrm>
+            </p:contentPart>
+          </mc:Choice>
+          <mc:Fallback xmlns="">
+            <p:pic>
+              <p:nvPicPr>
+                <p:cNvPr id="49" name="墨迹 48">
+                  <a:extLst>
+                    <a:ext uri="{FF2B5EF4-FFF2-40B4-BE49-F238E27FC236}">
+                      <a16:creationId xmlns:a16="http://schemas.microsoft.com/office/drawing/2014/main" id="{CCBADDE3-B948-A246-9EB3-B1BA781E4D5F}"/>
+                    </a:ext>
+                  </a:extLst>
+                </p:cNvPr>
+                <p:cNvPicPr/>
+                <p:nvPr/>
+              </p:nvPicPr>
+              <p:blipFill>
+                <a:blip r:embed="rId7"/>
+                <a:stretch>
+                  <a:fillRect/>
+                </a:stretch>
+              </p:blipFill>
+              <p:spPr>
+                <a:xfrm>
+                  <a:off x="3180262" y="3321045"/>
+                  <a:ext cx="402120" cy="893520"/>
+                </a:xfrm>
+                <a:prstGeom prst="rect">
+                  <a:avLst/>
+                </a:prstGeom>
+              </p:spPr>
+            </p:pic>
+          </mc:Fallback>
+        </mc:AlternateContent>
+        <mc:AlternateContent xmlns:mc="http://schemas.openxmlformats.org/markup-compatibility/2006" xmlns:p14="http://schemas.microsoft.com/office/powerpoint/2010/main" xmlns:aink="http://schemas.microsoft.com/office/drawing/2016/ink">
+          <mc:Choice Requires="p14 aink">
+            <p:contentPart p14:bwMode="auto" r:id="rId8">
+              <p14:nvContentPartPr>
+                <p14:cNvPr id="51" name="墨迹 50">
+                  <a:extLst>
+                    <a:ext uri="{FF2B5EF4-FFF2-40B4-BE49-F238E27FC236}">
+                      <a16:creationId xmlns:a16="http://schemas.microsoft.com/office/drawing/2014/main" id="{92ED639E-86EB-404D-9C23-8B74CD83141B}"/>
+                    </a:ext>
+                  </a:extLst>
+                </p14:cNvPr>
+                <p14:cNvContentPartPr/>
+                <p14:nvPr/>
+              </p14:nvContentPartPr>
+              <p14:xfrm>
+                <a:off x="3362062" y="3858885"/>
+                <a:ext cx="138600" cy="194040"/>
+              </p14:xfrm>
+            </p:contentPart>
+          </mc:Choice>
+          <mc:Fallback xmlns="">
+            <p:pic>
+              <p:nvPicPr>
+                <p:cNvPr id="51" name="墨迹 50">
+                  <a:extLst>
+                    <a:ext uri="{FF2B5EF4-FFF2-40B4-BE49-F238E27FC236}">
+                      <a16:creationId xmlns:a16="http://schemas.microsoft.com/office/drawing/2014/main" id="{92ED639E-86EB-404D-9C23-8B74CD83141B}"/>
+                    </a:ext>
+                  </a:extLst>
+                </p:cNvPr>
+                <p:cNvPicPr/>
+                <p:nvPr/>
+              </p:nvPicPr>
+              <p:blipFill>
+                <a:blip r:embed="rId9"/>
+                <a:stretch>
+                  <a:fillRect/>
+                </a:stretch>
+              </p:blipFill>
+              <p:spPr>
+                <a:xfrm>
+                  <a:off x="3299422" y="3480885"/>
+                  <a:ext cx="264240" cy="949680"/>
+                </a:xfrm>
+                <a:prstGeom prst="rect">
+                  <a:avLst/>
+                </a:prstGeom>
+              </p:spPr>
+            </p:pic>
+          </mc:Fallback>
+        </mc:AlternateContent>
+      </p:grpSp>
+      <p:grpSp>
+        <p:nvGrpSpPr>
+          <p:cNvPr id="58" name="组合 57">
+            <a:extLst>
+              <a:ext uri="{FF2B5EF4-FFF2-40B4-BE49-F238E27FC236}">
+                <a16:creationId xmlns:a16="http://schemas.microsoft.com/office/drawing/2014/main" id="{224C6E8E-1E4E-9847-B471-E4886CC4213E}"/>
+              </a:ext>
+            </a:extLst>
+          </p:cNvPr>
+          <p:cNvGrpSpPr/>
+          <p:nvPr/>
+        </p:nvGrpSpPr>
+        <p:grpSpPr>
+          <a:xfrm>
+            <a:off x="6913102" y="1339311"/>
+            <a:ext cx="596160" cy="320760"/>
+            <a:chOff x="5998702" y="3683925"/>
+            <a:chExt cx="596160" cy="320760"/>
+          </a:xfrm>
+        </p:grpSpPr>
+        <mc:AlternateContent xmlns:mc="http://schemas.openxmlformats.org/markup-compatibility/2006" xmlns:p14="http://schemas.microsoft.com/office/powerpoint/2010/main" xmlns:aink="http://schemas.microsoft.com/office/drawing/2016/ink">
+          <mc:Choice Requires="p14 aink">
+            <p:contentPart p14:bwMode="auto" r:id="rId10">
+              <p14:nvContentPartPr>
+                <p14:cNvPr id="54" name="墨迹 53">
+                  <a:extLst>
+                    <a:ext uri="{FF2B5EF4-FFF2-40B4-BE49-F238E27FC236}">
+                      <a16:creationId xmlns:a16="http://schemas.microsoft.com/office/drawing/2014/main" id="{DD7DF113-E78B-0F4C-A5EA-B20BB527384C}"/>
+                    </a:ext>
+                  </a:extLst>
+                </p14:cNvPr>
+                <p14:cNvContentPartPr/>
+                <p14:nvPr/>
+              </p14:nvContentPartPr>
+              <p14:xfrm>
+                <a:off x="5998702" y="3791205"/>
+                <a:ext cx="543600" cy="10800"/>
+              </p14:xfrm>
+            </p:contentPart>
+          </mc:Choice>
+          <mc:Fallback xmlns="">
+            <p:pic>
+              <p:nvPicPr>
+                <p:cNvPr id="54" name="墨迹 53">
+                  <a:extLst>
+                    <a:ext uri="{FF2B5EF4-FFF2-40B4-BE49-F238E27FC236}">
+                      <a16:creationId xmlns:a16="http://schemas.microsoft.com/office/drawing/2014/main" id="{DD7DF113-E78B-0F4C-A5EA-B20BB527384C}"/>
+                    </a:ext>
+                  </a:extLst>
+                </p:cNvPr>
+                <p:cNvPicPr/>
+                <p:nvPr/>
+              </p:nvPicPr>
+              <p:blipFill>
+                <a:blip r:embed="rId11"/>
+                <a:stretch>
+                  <a:fillRect/>
+                </a:stretch>
+              </p:blipFill>
+              <p:spPr>
+                <a:xfrm>
+                  <a:off x="5936062" y="3413565"/>
+                  <a:ext cx="669240" cy="766440"/>
+                </a:xfrm>
+                <a:prstGeom prst="rect">
+                  <a:avLst/>
+                </a:prstGeom>
+              </p:spPr>
+            </p:pic>
+          </mc:Fallback>
+        </mc:AlternateContent>
+        <mc:AlternateContent xmlns:mc="http://schemas.openxmlformats.org/markup-compatibility/2006" xmlns:p14="http://schemas.microsoft.com/office/powerpoint/2010/main" xmlns:aink="http://schemas.microsoft.com/office/drawing/2016/ink">
+          <mc:Choice Requires="p14 aink">
+            <p:contentPart p14:bwMode="auto" r:id="rId12">
+              <p14:nvContentPartPr>
+                <p14:cNvPr id="55" name="墨迹 54">
+                  <a:extLst>
+                    <a:ext uri="{FF2B5EF4-FFF2-40B4-BE49-F238E27FC236}">
+                      <a16:creationId xmlns:a16="http://schemas.microsoft.com/office/drawing/2014/main" id="{687DFFAD-55F8-4C40-8E57-54071F97283A}"/>
+                    </a:ext>
+                  </a:extLst>
+                </p14:cNvPr>
+                <p14:cNvContentPartPr/>
+                <p14:nvPr/>
+              </p14:nvContentPartPr>
+              <p14:xfrm>
+                <a:off x="6287422" y="3683925"/>
+                <a:ext cx="280080" cy="129600"/>
+              </p14:xfrm>
+            </p:contentPart>
+          </mc:Choice>
+          <mc:Fallback xmlns="">
+            <p:pic>
+              <p:nvPicPr>
+                <p:cNvPr id="55" name="墨迹 54">
+                  <a:extLst>
+                    <a:ext uri="{FF2B5EF4-FFF2-40B4-BE49-F238E27FC236}">
+                      <a16:creationId xmlns:a16="http://schemas.microsoft.com/office/drawing/2014/main" id="{687DFFAD-55F8-4C40-8E57-54071F97283A}"/>
+                    </a:ext>
+                  </a:extLst>
+                </p:cNvPr>
+                <p:cNvPicPr/>
+                <p:nvPr/>
+              </p:nvPicPr>
+              <p:blipFill>
+                <a:blip r:embed="rId13"/>
+                <a:stretch>
+                  <a:fillRect/>
+                </a:stretch>
+              </p:blipFill>
+              <p:spPr>
+                <a:xfrm>
+                  <a:off x="6224782" y="3306285"/>
+                  <a:ext cx="405720" cy="885240"/>
+                </a:xfrm>
+                <a:prstGeom prst="rect">
+                  <a:avLst/>
+                </a:prstGeom>
+              </p:spPr>
+            </p:pic>
+          </mc:Fallback>
+        </mc:AlternateContent>
+        <mc:AlternateContent xmlns:mc="http://schemas.openxmlformats.org/markup-compatibility/2006" xmlns:p14="http://schemas.microsoft.com/office/powerpoint/2010/main" xmlns:aink="http://schemas.microsoft.com/office/drawing/2016/ink">
+          <mc:Choice Requires="p14 aink">
+            <p:contentPart p14:bwMode="auto" r:id="rId14">
+              <p14:nvContentPartPr>
+                <p14:cNvPr id="57" name="墨迹 56">
+                  <a:extLst>
+                    <a:ext uri="{FF2B5EF4-FFF2-40B4-BE49-F238E27FC236}">
+                      <a16:creationId xmlns:a16="http://schemas.microsoft.com/office/drawing/2014/main" id="{784C1091-A1CD-3140-BAF6-F29B0CBA32AF}"/>
+                    </a:ext>
+                  </a:extLst>
+                </p14:cNvPr>
+                <p14:cNvContentPartPr/>
+                <p14:nvPr/>
+              </p14:nvContentPartPr>
+              <p14:xfrm>
+                <a:off x="6338182" y="3803445"/>
+                <a:ext cx="256680" cy="201240"/>
+              </p14:xfrm>
+            </p:contentPart>
+          </mc:Choice>
+          <mc:Fallback xmlns="">
+            <p:pic>
+              <p:nvPicPr>
+                <p:cNvPr id="57" name="墨迹 56">
+                  <a:extLst>
+                    <a:ext uri="{FF2B5EF4-FFF2-40B4-BE49-F238E27FC236}">
+                      <a16:creationId xmlns:a16="http://schemas.microsoft.com/office/drawing/2014/main" id="{784C1091-A1CD-3140-BAF6-F29B0CBA32AF}"/>
+                    </a:ext>
+                  </a:extLst>
+                </p:cNvPr>
+                <p:cNvPicPr/>
+                <p:nvPr/>
+              </p:nvPicPr>
+              <p:blipFill>
+                <a:blip r:embed="rId15"/>
+                <a:stretch>
+                  <a:fillRect/>
+                </a:stretch>
+              </p:blipFill>
+              <p:spPr>
+                <a:xfrm>
+                  <a:off x="6275182" y="3425445"/>
+                  <a:ext cx="382320" cy="956880"/>
+                </a:xfrm>
+                <a:prstGeom prst="rect">
+                  <a:avLst/>
+                </a:prstGeom>
+              </p:spPr>
+            </p:pic>
+          </mc:Fallback>
+        </mc:AlternateContent>
+      </p:grpSp>
+      <p:sp>
+        <p:nvSpPr>
+          <p:cNvPr id="59" name="文本框 58">
+            <a:extLst>
+              <a:ext uri="{FF2B5EF4-FFF2-40B4-BE49-F238E27FC236}">
+                <a16:creationId xmlns:a16="http://schemas.microsoft.com/office/drawing/2014/main" id="{F80085D1-9B35-8A4A-873A-ACFEABA44583}"/>
+              </a:ext>
+            </a:extLst>
+          </p:cNvPr>
+          <p:cNvSpPr txBox="1"/>
+          <p:nvPr/>
+        </p:nvSpPr>
+        <p:spPr>
+          <a:xfrm>
+            <a:off x="3562004" y="162221"/>
+            <a:ext cx="5536443" cy="400110"/>
+          </a:xfrm>
+          <a:prstGeom prst="rect">
+            <a:avLst/>
+          </a:prstGeom>
+          <a:noFill/>
+          <a:ln w="22225">
+            <a:noFill/>
+          </a:ln>
+        </p:spPr>
+        <p:txBody>
+          <a:bodyPr wrap="square" rtlCol="0">
+            <a:spAutoFit/>
+          </a:bodyPr>
+          <a:lstStyle/>
+          <a:p>
+            <a:r>
+              <a:rPr kumimoji="1" lang="en-US" altLang="zh-CN" sz="2000" dirty="0">
+                <a:solidFill>
+                  <a:schemeClr val="accent6"/>
+                </a:solidFill>
+                <a:latin typeface="Chalkduster" panose="03050602040202020205" pitchFamily="66" charset="0"/>
+                <a:cs typeface="Modern Love Grunge" panose="020F0502020204030204" pitchFamily="34" charset="0"/>
+              </a:rPr>
+              <a:t>Consumer Path To Purchase</a:t>
+            </a:r>
+            <a:endParaRPr kumimoji="1" lang="zh-CN" altLang="en-US" sz="2000" dirty="0">
+              <a:solidFill>
+                <a:schemeClr val="accent6"/>
+              </a:solidFill>
+              <a:latin typeface="Chalkduster" panose="03050602040202020205" pitchFamily="66" charset="0"/>
+              <a:cs typeface="Modern Love Grunge" panose="020F0502020204030204" pitchFamily="34" charset="0"/>
+            </a:endParaRPr>
+          </a:p>
+        </p:txBody>
+      </p:sp>
+      <p:sp>
+        <p:nvSpPr>
+          <p:cNvPr id="21" name="文本框 20">
+            <a:extLst>
+              <a:ext uri="{FF2B5EF4-FFF2-40B4-BE49-F238E27FC236}">
+                <a16:creationId xmlns:a16="http://schemas.microsoft.com/office/drawing/2014/main" id="{C07462FE-55E7-4C4C-B13B-29082817F149}"/>
+              </a:ext>
+            </a:extLst>
+          </p:cNvPr>
+          <p:cNvSpPr txBox="1"/>
+          <p:nvPr/>
+        </p:nvSpPr>
+        <p:spPr>
+          <a:xfrm>
+            <a:off x="3914775" y="2113300"/>
+            <a:ext cx="5536443" cy="400110"/>
+          </a:xfrm>
+          <a:prstGeom prst="rect">
+            <a:avLst/>
+          </a:prstGeom>
+          <a:noFill/>
+          <a:ln w="22225">
+            <a:noFill/>
+          </a:ln>
+        </p:spPr>
+        <p:txBody>
+          <a:bodyPr wrap="square" rtlCol="0">
+            <a:spAutoFit/>
+          </a:bodyPr>
+          <a:lstStyle/>
+          <a:p>
+            <a:r>
+              <a:rPr kumimoji="1" lang="en-US" altLang="zh-CN" sz="2000" dirty="0">
+                <a:solidFill>
+                  <a:schemeClr val="accent6"/>
+                </a:solidFill>
+                <a:latin typeface="Chalkduster" panose="03050602040202020205" pitchFamily="66" charset="0"/>
+                <a:cs typeface="Modern Love Grunge" panose="020F0502020204030204" pitchFamily="34" charset="0"/>
+              </a:rPr>
+              <a:t>Advertising Objectives</a:t>
+            </a:r>
+            <a:endParaRPr kumimoji="1" lang="zh-CN" altLang="en-US" sz="2000" dirty="0">
+              <a:solidFill>
+                <a:schemeClr val="accent6"/>
+              </a:solidFill>
+              <a:latin typeface="Chalkduster" panose="03050602040202020205" pitchFamily="66" charset="0"/>
+              <a:cs typeface="Modern Love Grunge" panose="020F0502020204030204" pitchFamily="34" charset="0"/>
+            </a:endParaRPr>
+          </a:p>
+        </p:txBody>
+      </p:sp>
+      <p:sp>
+        <p:nvSpPr>
+          <p:cNvPr id="22" name="圆角矩形 21">
+            <a:extLst>
+              <a:ext uri="{FF2B5EF4-FFF2-40B4-BE49-F238E27FC236}">
+                <a16:creationId xmlns:a16="http://schemas.microsoft.com/office/drawing/2014/main" id="{E3CDE7CB-17BB-E645-9E03-BD968E07644D}"/>
+              </a:ext>
+            </a:extLst>
+          </p:cNvPr>
+          <p:cNvSpPr/>
+          <p:nvPr/>
+        </p:nvSpPr>
+        <p:spPr>
+          <a:xfrm>
+            <a:off x="1383322" y="3018078"/>
+            <a:ext cx="2430157" cy="698293"/>
+          </a:xfrm>
+          <a:prstGeom prst="roundRect">
+            <a:avLst/>
+          </a:prstGeom>
+          <a:noFill/>
+          <a:ln w="34925">
+            <a:solidFill>
+              <a:schemeClr val="bg2">
+                <a:lumMod val="90000"/>
+              </a:schemeClr>
+            </a:solidFill>
+          </a:ln>
+        </p:spPr>
+        <p:style>
+          <a:lnRef idx="2">
+            <a:schemeClr val="accent6">
+              <a:shade val="50000"/>
+            </a:schemeClr>
+          </a:lnRef>
+          <a:fillRef idx="1">
+            <a:schemeClr val="accent6"/>
+          </a:fillRef>
+          <a:effectRef idx="0">
+            <a:schemeClr val="accent6"/>
+          </a:effectRef>
+          <a:fontRef idx="minor">
+            <a:schemeClr val="lt1"/>
+          </a:fontRef>
+        </p:style>
+        <p:txBody>
+          <a:bodyPr rtlCol="0" anchor="ctr"/>
+          <a:lstStyle/>
+          <a:p>
+            <a:pPr algn="ctr"/>
+            <a:endParaRPr kumimoji="1" lang="zh-CN" altLang="en-US" dirty="0"/>
+          </a:p>
+        </p:txBody>
+      </p:sp>
+      <p:sp>
+        <p:nvSpPr>
+          <p:cNvPr id="23" name="文本框 22">
+            <a:extLst>
+              <a:ext uri="{FF2B5EF4-FFF2-40B4-BE49-F238E27FC236}">
+                <a16:creationId xmlns:a16="http://schemas.microsoft.com/office/drawing/2014/main" id="{863FC495-AFF5-AA47-A6C4-78E2D80FB0E9}"/>
+              </a:ext>
+            </a:extLst>
+          </p:cNvPr>
+          <p:cNvSpPr txBox="1"/>
+          <p:nvPr/>
+        </p:nvSpPr>
+        <p:spPr>
+          <a:xfrm>
+            <a:off x="1392234" y="2648746"/>
+            <a:ext cx="2510818" cy="369332"/>
+          </a:xfrm>
+          <a:prstGeom prst="rect">
+            <a:avLst/>
+          </a:prstGeom>
+          <a:noFill/>
+        </p:spPr>
+        <p:txBody>
+          <a:bodyPr wrap="square" rtlCol="0">
+            <a:spAutoFit/>
+          </a:bodyPr>
+          <a:lstStyle/>
+          <a:p>
+            <a:r>
+              <a:rPr kumimoji="1" lang="en-US" altLang="zh-CN" dirty="0">
+                <a:solidFill>
+                  <a:schemeClr val="accent6"/>
+                </a:solidFill>
+                <a:latin typeface="Chalkduster" panose="03050602040202020205" pitchFamily="66" charset="0"/>
+              </a:rPr>
+              <a:t>Create Awareness</a:t>
+            </a:r>
+            <a:endParaRPr kumimoji="1" lang="zh-CN" altLang="en-US" dirty="0">
+              <a:solidFill>
+                <a:schemeClr val="accent6"/>
+              </a:solidFill>
+              <a:latin typeface="Chalkduster" panose="03050602040202020205" pitchFamily="66" charset="0"/>
+            </a:endParaRPr>
+          </a:p>
+        </p:txBody>
+      </p:sp>
+      <p:sp>
+        <p:nvSpPr>
+          <p:cNvPr id="24" name="文本框 23">
+            <a:extLst>
+              <a:ext uri="{FF2B5EF4-FFF2-40B4-BE49-F238E27FC236}">
+                <a16:creationId xmlns:a16="http://schemas.microsoft.com/office/drawing/2014/main" id="{FEA1C8DD-9F82-0A40-8443-EA4F1B4AFFA9}"/>
+              </a:ext>
+            </a:extLst>
+          </p:cNvPr>
+          <p:cNvSpPr txBox="1"/>
+          <p:nvPr/>
+        </p:nvSpPr>
+        <p:spPr>
+          <a:xfrm>
+            <a:off x="1322060" y="3095022"/>
+            <a:ext cx="2864829" cy="584775"/>
+          </a:xfrm>
+          <a:prstGeom prst="rect">
+            <a:avLst/>
+          </a:prstGeom>
+          <a:noFill/>
+        </p:spPr>
+        <p:txBody>
+          <a:bodyPr wrap="square" rtlCol="0">
+            <a:spAutoFit/>
+          </a:bodyPr>
+          <a:lstStyle/>
+          <a:p>
+            <a:r>
+              <a:rPr kumimoji="1" lang="en-US" altLang="zh-CN" sz="1600" dirty="0">
+                <a:solidFill>
+                  <a:schemeClr val="tx1">
+                    <a:lumMod val="65000"/>
+                    <a:lumOff val="35000"/>
+                  </a:schemeClr>
+                </a:solidFill>
+                <a:latin typeface="Chalkduster" panose="03050602040202020205" pitchFamily="66" charset="0"/>
+              </a:rPr>
+              <a:t>        Visit &amp; </a:t>
+            </a:r>
+          </a:p>
+          <a:p>
+            <a:r>
+              <a:rPr kumimoji="1" lang="en-US" altLang="zh-CN" sz="1600" dirty="0">
+                <a:solidFill>
+                  <a:schemeClr val="tx1">
+                    <a:lumMod val="65000"/>
+                    <a:lumOff val="35000"/>
+                  </a:schemeClr>
+                </a:solidFill>
+                <a:latin typeface="Chalkduster" panose="03050602040202020205" pitchFamily="66" charset="0"/>
+              </a:rPr>
+              <a:t>Navigate our website</a:t>
+            </a:r>
+            <a:endParaRPr kumimoji="1" lang="zh-CN" altLang="en-US" sz="1600" dirty="0">
+              <a:solidFill>
+                <a:schemeClr val="tx1">
+                  <a:lumMod val="65000"/>
+                  <a:lumOff val="35000"/>
+                </a:schemeClr>
+              </a:solidFill>
+              <a:latin typeface="Chalkduster" panose="03050602040202020205" pitchFamily="66" charset="0"/>
+            </a:endParaRPr>
+          </a:p>
+        </p:txBody>
+      </p:sp>
+      <p:sp>
+        <p:nvSpPr>
+          <p:cNvPr id="25" name="圆角矩形 24">
+            <a:extLst>
+              <a:ext uri="{FF2B5EF4-FFF2-40B4-BE49-F238E27FC236}">
+                <a16:creationId xmlns:a16="http://schemas.microsoft.com/office/drawing/2014/main" id="{C8E13BAE-7ACD-B14C-AEBF-91B0AF1806EB}"/>
+              </a:ext>
+            </a:extLst>
+          </p:cNvPr>
+          <p:cNvSpPr/>
+          <p:nvPr/>
+        </p:nvSpPr>
+        <p:spPr>
+          <a:xfrm>
+            <a:off x="4464659" y="3018078"/>
+            <a:ext cx="2430157" cy="698293"/>
+          </a:xfrm>
+          <a:prstGeom prst="roundRect">
+            <a:avLst/>
+          </a:prstGeom>
+          <a:noFill/>
+          <a:ln w="34925">
+            <a:solidFill>
+              <a:schemeClr val="bg2">
+                <a:lumMod val="90000"/>
+              </a:schemeClr>
+            </a:solidFill>
+          </a:ln>
+        </p:spPr>
+        <p:style>
+          <a:lnRef idx="2">
+            <a:schemeClr val="accent6">
+              <a:shade val="50000"/>
+            </a:schemeClr>
+          </a:lnRef>
+          <a:fillRef idx="1">
+            <a:schemeClr val="accent6"/>
+          </a:fillRef>
+          <a:effectRef idx="0">
+            <a:schemeClr val="accent6"/>
+          </a:effectRef>
+          <a:fontRef idx="minor">
+            <a:schemeClr val="lt1"/>
+          </a:fontRef>
+        </p:style>
+        <p:txBody>
+          <a:bodyPr rtlCol="0" anchor="ctr"/>
+          <a:lstStyle/>
+          <a:p>
+            <a:pPr algn="ctr"/>
+            <a:endParaRPr kumimoji="1" lang="zh-CN" altLang="en-US" dirty="0"/>
+          </a:p>
+        </p:txBody>
+      </p:sp>
+      <p:sp>
+        <p:nvSpPr>
+          <p:cNvPr id="26" name="文本框 25">
+            <a:extLst>
+              <a:ext uri="{FF2B5EF4-FFF2-40B4-BE49-F238E27FC236}">
+                <a16:creationId xmlns:a16="http://schemas.microsoft.com/office/drawing/2014/main" id="{07D56B1E-114C-0347-9632-D567D250890C}"/>
+              </a:ext>
+            </a:extLst>
+          </p:cNvPr>
+          <p:cNvSpPr txBox="1"/>
+          <p:nvPr/>
+        </p:nvSpPr>
+        <p:spPr>
+          <a:xfrm>
+            <a:off x="4391001" y="2660306"/>
+            <a:ext cx="2605111" cy="369332"/>
+          </a:xfrm>
+          <a:prstGeom prst="rect">
+            <a:avLst/>
+          </a:prstGeom>
+          <a:noFill/>
+        </p:spPr>
+        <p:txBody>
+          <a:bodyPr wrap="square" rtlCol="0">
+            <a:spAutoFit/>
+          </a:bodyPr>
+          <a:lstStyle/>
+          <a:p>
+            <a:r>
+              <a:rPr kumimoji="1" lang="en-US" altLang="zh-CN" dirty="0">
+                <a:solidFill>
+                  <a:schemeClr val="accent6"/>
+                </a:solidFill>
+                <a:latin typeface="Chalkduster" panose="03050602040202020205" pitchFamily="66" charset="0"/>
+              </a:rPr>
+              <a:t>Generate Interest</a:t>
+            </a:r>
+            <a:endParaRPr kumimoji="1" lang="zh-CN" altLang="en-US" dirty="0">
+              <a:solidFill>
+                <a:schemeClr val="accent6"/>
+              </a:solidFill>
+              <a:latin typeface="Chalkduster" panose="03050602040202020205" pitchFamily="66" charset="0"/>
+            </a:endParaRPr>
+          </a:p>
+        </p:txBody>
+      </p:sp>
+      <p:sp>
+        <p:nvSpPr>
+          <p:cNvPr id="27" name="文本框 26">
+            <a:extLst>
+              <a:ext uri="{FF2B5EF4-FFF2-40B4-BE49-F238E27FC236}">
+                <a16:creationId xmlns:a16="http://schemas.microsoft.com/office/drawing/2014/main" id="{719193F8-E96F-8E43-A53D-B091D86B2DDD}"/>
+              </a:ext>
+            </a:extLst>
+          </p:cNvPr>
+          <p:cNvSpPr txBox="1"/>
+          <p:nvPr/>
+        </p:nvSpPr>
+        <p:spPr>
+          <a:xfrm>
+            <a:off x="4627305" y="3218132"/>
+            <a:ext cx="2430157" cy="338554"/>
+          </a:xfrm>
+          <a:prstGeom prst="rect">
+            <a:avLst/>
+          </a:prstGeom>
+          <a:noFill/>
+        </p:spPr>
+        <p:txBody>
+          <a:bodyPr wrap="square" rtlCol="0">
+            <a:spAutoFit/>
+          </a:bodyPr>
+          <a:lstStyle/>
+          <a:p>
+            <a:r>
+              <a:rPr kumimoji="1" lang="en-US" altLang="zh-CN" sz="1600" dirty="0">
+                <a:solidFill>
+                  <a:schemeClr val="tx1">
+                    <a:lumMod val="65000"/>
+                    <a:lumOff val="35000"/>
+                  </a:schemeClr>
+                </a:solidFill>
+                <a:latin typeface="Chalkduster" panose="03050602040202020205" pitchFamily="66" charset="0"/>
+              </a:rPr>
+              <a:t>Like our content</a:t>
+            </a:r>
+            <a:endParaRPr kumimoji="1" lang="zh-CN" altLang="en-US" sz="1600" dirty="0">
+              <a:solidFill>
+                <a:schemeClr val="tx1">
+                  <a:lumMod val="65000"/>
+                  <a:lumOff val="35000"/>
+                </a:schemeClr>
+              </a:solidFill>
+              <a:latin typeface="Chalkduster" panose="03050602040202020205" pitchFamily="66" charset="0"/>
+            </a:endParaRPr>
+          </a:p>
+        </p:txBody>
+      </p:sp>
+      <p:sp>
+        <p:nvSpPr>
+          <p:cNvPr id="28" name="圆角矩形 27">
+            <a:extLst>
+              <a:ext uri="{FF2B5EF4-FFF2-40B4-BE49-F238E27FC236}">
+                <a16:creationId xmlns:a16="http://schemas.microsoft.com/office/drawing/2014/main" id="{DC6C6A3E-2933-DB4E-AAC8-2EDAA7CD7A35}"/>
+              </a:ext>
+            </a:extLst>
+          </p:cNvPr>
+          <p:cNvSpPr/>
+          <p:nvPr/>
+        </p:nvSpPr>
+        <p:spPr>
+          <a:xfrm>
+            <a:off x="7512658" y="3018078"/>
+            <a:ext cx="2430157" cy="698293"/>
+          </a:xfrm>
+          <a:prstGeom prst="roundRect">
+            <a:avLst/>
+          </a:prstGeom>
+          <a:noFill/>
+          <a:ln w="34925">
+            <a:solidFill>
+              <a:schemeClr val="bg2">
+                <a:lumMod val="90000"/>
+              </a:schemeClr>
+            </a:solidFill>
+          </a:ln>
+        </p:spPr>
+        <p:style>
+          <a:lnRef idx="2">
+            <a:schemeClr val="accent6">
+              <a:shade val="50000"/>
+            </a:schemeClr>
+          </a:lnRef>
+          <a:fillRef idx="1">
+            <a:schemeClr val="accent6"/>
+          </a:fillRef>
+          <a:effectRef idx="0">
+            <a:schemeClr val="accent6"/>
+          </a:effectRef>
+          <a:fontRef idx="minor">
+            <a:schemeClr val="lt1"/>
+          </a:fontRef>
+        </p:style>
+        <p:txBody>
+          <a:bodyPr rtlCol="0" anchor="ctr"/>
+          <a:lstStyle/>
+          <a:p>
+            <a:pPr algn="ctr"/>
+            <a:endParaRPr kumimoji="1" lang="zh-CN" altLang="en-US" dirty="0"/>
+          </a:p>
+        </p:txBody>
+      </p:sp>
+      <p:sp>
+        <p:nvSpPr>
+          <p:cNvPr id="29" name="文本框 28">
+            <a:extLst>
+              <a:ext uri="{FF2B5EF4-FFF2-40B4-BE49-F238E27FC236}">
+                <a16:creationId xmlns:a16="http://schemas.microsoft.com/office/drawing/2014/main" id="{1CC87978-46CC-5F41-BBFC-A71BCE4FFA7C}"/>
+              </a:ext>
+            </a:extLst>
+          </p:cNvPr>
+          <p:cNvSpPr txBox="1"/>
+          <p:nvPr/>
+        </p:nvSpPr>
+        <p:spPr>
+          <a:xfrm>
+            <a:off x="7613954" y="2648746"/>
+            <a:ext cx="2430157" cy="369332"/>
+          </a:xfrm>
+          <a:prstGeom prst="rect">
+            <a:avLst/>
+          </a:prstGeom>
+          <a:noFill/>
+        </p:spPr>
+        <p:txBody>
+          <a:bodyPr wrap="square" rtlCol="0">
+            <a:spAutoFit/>
+          </a:bodyPr>
+          <a:lstStyle/>
+          <a:p>
+            <a:r>
+              <a:rPr kumimoji="1" lang="en-US" altLang="zh-CN" dirty="0">
+                <a:solidFill>
+                  <a:schemeClr val="accent6"/>
+                </a:solidFill>
+                <a:latin typeface="Chalkduster" panose="03050602040202020205" pitchFamily="66" charset="0"/>
+              </a:rPr>
+              <a:t>Catch Attention</a:t>
+            </a:r>
+            <a:endParaRPr kumimoji="1" lang="zh-CN" altLang="en-US" dirty="0">
+              <a:solidFill>
+                <a:schemeClr val="accent6"/>
+              </a:solidFill>
+              <a:latin typeface="Chalkduster" panose="03050602040202020205" pitchFamily="66" charset="0"/>
+            </a:endParaRPr>
+          </a:p>
+        </p:txBody>
+      </p:sp>
+      <p:sp>
+        <p:nvSpPr>
+          <p:cNvPr id="30" name="文本框 29">
+            <a:extLst>
+              <a:ext uri="{FF2B5EF4-FFF2-40B4-BE49-F238E27FC236}">
+                <a16:creationId xmlns:a16="http://schemas.microsoft.com/office/drawing/2014/main" id="{207C506B-80BD-CC47-A20C-6B4F6EE4CAB5}"/>
+              </a:ext>
+            </a:extLst>
+          </p:cNvPr>
+          <p:cNvSpPr txBox="1"/>
+          <p:nvPr/>
+        </p:nvSpPr>
+        <p:spPr>
+          <a:xfrm>
+            <a:off x="8130500" y="3184192"/>
+            <a:ext cx="2430157" cy="338554"/>
+          </a:xfrm>
+          <a:prstGeom prst="rect">
+            <a:avLst/>
+          </a:prstGeom>
+          <a:noFill/>
+        </p:spPr>
+        <p:txBody>
+          <a:bodyPr wrap="square" rtlCol="0">
+            <a:spAutoFit/>
+          </a:bodyPr>
+          <a:lstStyle/>
+          <a:p>
+            <a:r>
+              <a:rPr kumimoji="1" lang="en-US" altLang="zh-CN" sz="1600" dirty="0">
+                <a:solidFill>
+                  <a:schemeClr val="tx1">
+                    <a:lumMod val="65000"/>
+                    <a:lumOff val="35000"/>
+                  </a:schemeClr>
+                </a:solidFill>
+                <a:latin typeface="Chalkduster" panose="03050602040202020205" pitchFamily="66" charset="0"/>
+              </a:rPr>
+              <a:t>Join us</a:t>
+            </a:r>
+            <a:endParaRPr kumimoji="1" lang="zh-CN" altLang="en-US" sz="1600" dirty="0">
+              <a:solidFill>
+                <a:schemeClr val="tx1">
+                  <a:lumMod val="65000"/>
+                  <a:lumOff val="35000"/>
+                </a:schemeClr>
+              </a:solidFill>
+              <a:latin typeface="Chalkduster" panose="03050602040202020205" pitchFamily="66" charset="0"/>
+            </a:endParaRPr>
+          </a:p>
+        </p:txBody>
+      </p:sp>
+      <p:grpSp>
+        <p:nvGrpSpPr>
+          <p:cNvPr id="31" name="组合 30">
+            <a:extLst>
+              <a:ext uri="{FF2B5EF4-FFF2-40B4-BE49-F238E27FC236}">
+                <a16:creationId xmlns:a16="http://schemas.microsoft.com/office/drawing/2014/main" id="{FEF45946-4F44-694D-A6F5-4C5349AC140B}"/>
+              </a:ext>
+            </a:extLst>
+          </p:cNvPr>
+          <p:cNvGrpSpPr/>
+          <p:nvPr/>
+        </p:nvGrpSpPr>
+        <p:grpSpPr>
+          <a:xfrm>
+            <a:off x="3863182" y="3288123"/>
+            <a:ext cx="570960" cy="353880"/>
+            <a:chOff x="2948782" y="3699045"/>
+            <a:chExt cx="570960" cy="353880"/>
+          </a:xfrm>
+        </p:grpSpPr>
+        <mc:AlternateContent xmlns:mc="http://schemas.openxmlformats.org/markup-compatibility/2006" xmlns:p14="http://schemas.microsoft.com/office/powerpoint/2010/main" xmlns:aink="http://schemas.microsoft.com/office/drawing/2016/ink">
+          <mc:Choice Requires="p14 aink">
+            <p:contentPart p14:bwMode="auto" r:id="rId16">
+              <p14:nvContentPartPr>
+                <p14:cNvPr id="32" name="墨迹 31">
+                  <a:extLst>
+                    <a:ext uri="{FF2B5EF4-FFF2-40B4-BE49-F238E27FC236}">
+                      <a16:creationId xmlns:a16="http://schemas.microsoft.com/office/drawing/2014/main" id="{1776C9E4-FAEF-EA41-A3B3-9267149DD8D6}"/>
+                    </a:ext>
+                  </a:extLst>
+                </p14:cNvPr>
+                <p14:cNvContentPartPr/>
+                <p14:nvPr/>
+              </p14:nvContentPartPr>
+              <p14:xfrm>
+                <a:off x="2948782" y="3836565"/>
+                <a:ext cx="546480" cy="9360"/>
+              </p14:xfrm>
+            </p:contentPart>
+          </mc:Choice>
+          <mc:Fallback xmlns="">
+            <p:pic>
+              <p:nvPicPr>
+                <p:cNvPr id="48" name="墨迹 47">
+                  <a:extLst>
+                    <a:ext uri="{FF2B5EF4-FFF2-40B4-BE49-F238E27FC236}">
+                      <a16:creationId xmlns:a16="http://schemas.microsoft.com/office/drawing/2014/main" id="{14345D91-EDF6-9C4C-A204-7C3C5ECF03E6}"/>
+                    </a:ext>
+                  </a:extLst>
+                </p:cNvPr>
+                <p:cNvPicPr/>
+                <p:nvPr/>
+              </p:nvPicPr>
+              <p:blipFill>
+                <a:blip r:embed="rId5"/>
+                <a:stretch>
+                  <a:fillRect/>
+                </a:stretch>
+              </p:blipFill>
+              <p:spPr>
+                <a:xfrm>
+                  <a:off x="2885782" y="3458565"/>
+                  <a:ext cx="672120" cy="765000"/>
+                </a:xfrm>
+                <a:prstGeom prst="rect">
+                  <a:avLst/>
+                </a:prstGeom>
+              </p:spPr>
+            </p:pic>
+          </mc:Fallback>
+        </mc:AlternateContent>
+        <mc:AlternateContent xmlns:mc="http://schemas.openxmlformats.org/markup-compatibility/2006" xmlns:p14="http://schemas.microsoft.com/office/powerpoint/2010/main" xmlns:aink="http://schemas.microsoft.com/office/drawing/2016/ink">
+          <mc:Choice Requires="p14 aink">
+            <p:contentPart p14:bwMode="auto" r:id="rId17">
+              <p14:nvContentPartPr>
+                <p14:cNvPr id="33" name="墨迹 32">
+                  <a:extLst>
+                    <a:ext uri="{FF2B5EF4-FFF2-40B4-BE49-F238E27FC236}">
+                      <a16:creationId xmlns:a16="http://schemas.microsoft.com/office/drawing/2014/main" id="{DB44F524-4B85-5F45-83BA-F22FA68395B3}"/>
+                    </a:ext>
+                  </a:extLst>
+                </p14:cNvPr>
+                <p14:cNvContentPartPr/>
+                <p14:nvPr/>
+              </p14:nvContentPartPr>
+              <p14:xfrm>
+                <a:off x="3243262" y="3699045"/>
+                <a:ext cx="276480" cy="137880"/>
+              </p14:xfrm>
+            </p:contentPart>
+          </mc:Choice>
+          <mc:Fallback xmlns="">
+            <p:pic>
+              <p:nvPicPr>
+                <p:cNvPr id="49" name="墨迹 48">
+                  <a:extLst>
+                    <a:ext uri="{FF2B5EF4-FFF2-40B4-BE49-F238E27FC236}">
+                      <a16:creationId xmlns:a16="http://schemas.microsoft.com/office/drawing/2014/main" id="{CCBADDE3-B948-A246-9EB3-B1BA781E4D5F}"/>
+                    </a:ext>
+                  </a:extLst>
+                </p:cNvPr>
+                <p:cNvPicPr/>
+                <p:nvPr/>
+              </p:nvPicPr>
+              <p:blipFill>
+                <a:blip r:embed="rId7"/>
+                <a:stretch>
+                  <a:fillRect/>
+                </a:stretch>
+              </p:blipFill>
+              <p:spPr>
+                <a:xfrm>
+                  <a:off x="3180262" y="3321045"/>
+                  <a:ext cx="402120" cy="893520"/>
+                </a:xfrm>
+                <a:prstGeom prst="rect">
+                  <a:avLst/>
+                </a:prstGeom>
+              </p:spPr>
+            </p:pic>
+          </mc:Fallback>
+        </mc:AlternateContent>
+        <mc:AlternateContent xmlns:mc="http://schemas.openxmlformats.org/markup-compatibility/2006" xmlns:p14="http://schemas.microsoft.com/office/powerpoint/2010/main" xmlns:aink="http://schemas.microsoft.com/office/drawing/2016/ink">
+          <mc:Choice Requires="p14 aink">
+            <p:contentPart p14:bwMode="auto" r:id="rId18">
+              <p14:nvContentPartPr>
+                <p14:cNvPr id="34" name="墨迹 33">
+                  <a:extLst>
+                    <a:ext uri="{FF2B5EF4-FFF2-40B4-BE49-F238E27FC236}">
+                      <a16:creationId xmlns:a16="http://schemas.microsoft.com/office/drawing/2014/main" id="{700450FF-7254-2648-A2CD-89495A3A0FEE}"/>
+                    </a:ext>
+                  </a:extLst>
+                </p14:cNvPr>
+                <p14:cNvContentPartPr/>
+                <p14:nvPr/>
+              </p14:nvContentPartPr>
+              <p14:xfrm>
+                <a:off x="3362062" y="3858885"/>
+                <a:ext cx="138600" cy="194040"/>
+              </p14:xfrm>
+            </p:contentPart>
+          </mc:Choice>
+          <mc:Fallback xmlns="">
+            <p:pic>
+              <p:nvPicPr>
+                <p:cNvPr id="51" name="墨迹 50">
+                  <a:extLst>
+                    <a:ext uri="{FF2B5EF4-FFF2-40B4-BE49-F238E27FC236}">
+                      <a16:creationId xmlns:a16="http://schemas.microsoft.com/office/drawing/2014/main" id="{92ED639E-86EB-404D-9C23-8B74CD83141B}"/>
+                    </a:ext>
+                  </a:extLst>
+                </p:cNvPr>
+                <p:cNvPicPr/>
+                <p:nvPr/>
+              </p:nvPicPr>
+              <p:blipFill>
+                <a:blip r:embed="rId9"/>
+                <a:stretch>
+                  <a:fillRect/>
+                </a:stretch>
+              </p:blipFill>
+              <p:spPr>
+                <a:xfrm>
+                  <a:off x="3299422" y="3480885"/>
+                  <a:ext cx="264240" cy="949680"/>
+                </a:xfrm>
+                <a:prstGeom prst="rect">
+                  <a:avLst/>
+                </a:prstGeom>
+              </p:spPr>
+            </p:pic>
+          </mc:Fallback>
+        </mc:AlternateContent>
+      </p:grpSp>
+      <p:grpSp>
+        <p:nvGrpSpPr>
+          <p:cNvPr id="36" name="组合 35">
+            <a:extLst>
+              <a:ext uri="{FF2B5EF4-FFF2-40B4-BE49-F238E27FC236}">
+                <a16:creationId xmlns:a16="http://schemas.microsoft.com/office/drawing/2014/main" id="{CCE03257-A886-4545-A965-C9BE68D5E336}"/>
+              </a:ext>
+            </a:extLst>
+          </p:cNvPr>
+          <p:cNvGrpSpPr/>
+          <p:nvPr/>
+        </p:nvGrpSpPr>
+        <p:grpSpPr>
+          <a:xfrm>
+            <a:off x="6913102" y="3273003"/>
+            <a:ext cx="596160" cy="320760"/>
+            <a:chOff x="5998702" y="3683925"/>
+            <a:chExt cx="596160" cy="320760"/>
+          </a:xfrm>
+        </p:grpSpPr>
+        <mc:AlternateContent xmlns:mc="http://schemas.openxmlformats.org/markup-compatibility/2006" xmlns:p14="http://schemas.microsoft.com/office/powerpoint/2010/main" xmlns:aink="http://schemas.microsoft.com/office/drawing/2016/ink">
+          <mc:Choice Requires="p14 aink">
+            <p:contentPart p14:bwMode="auto" r:id="rId19">
+              <p14:nvContentPartPr>
+                <p14:cNvPr id="37" name="墨迹 36">
+                  <a:extLst>
+                    <a:ext uri="{FF2B5EF4-FFF2-40B4-BE49-F238E27FC236}">
+                      <a16:creationId xmlns:a16="http://schemas.microsoft.com/office/drawing/2014/main" id="{FDCE848B-72D3-8C40-8430-2A2EC6D39DA9}"/>
+                    </a:ext>
+                  </a:extLst>
+                </p14:cNvPr>
+                <p14:cNvContentPartPr/>
+                <p14:nvPr/>
+              </p14:nvContentPartPr>
+              <p14:xfrm>
+                <a:off x="5998702" y="3791205"/>
+                <a:ext cx="543600" cy="10800"/>
+              </p14:xfrm>
+            </p:contentPart>
+          </mc:Choice>
+          <mc:Fallback xmlns="">
+            <p:pic>
+              <p:nvPicPr>
+                <p:cNvPr id="54" name="墨迹 53">
+                  <a:extLst>
+                    <a:ext uri="{FF2B5EF4-FFF2-40B4-BE49-F238E27FC236}">
+                      <a16:creationId xmlns:a16="http://schemas.microsoft.com/office/drawing/2014/main" id="{DD7DF113-E78B-0F4C-A5EA-B20BB527384C}"/>
+                    </a:ext>
+                  </a:extLst>
+                </p:cNvPr>
+                <p:cNvPicPr/>
+                <p:nvPr/>
+              </p:nvPicPr>
+              <p:blipFill>
+                <a:blip r:embed="rId11"/>
+                <a:stretch>
+                  <a:fillRect/>
+                </a:stretch>
+              </p:blipFill>
+              <p:spPr>
+                <a:xfrm>
+                  <a:off x="5936062" y="3413565"/>
+                  <a:ext cx="669240" cy="766440"/>
+                </a:xfrm>
+                <a:prstGeom prst="rect">
+                  <a:avLst/>
+                </a:prstGeom>
+              </p:spPr>
+            </p:pic>
+          </mc:Fallback>
+        </mc:AlternateContent>
+        <mc:AlternateContent xmlns:mc="http://schemas.openxmlformats.org/markup-compatibility/2006" xmlns:p14="http://schemas.microsoft.com/office/powerpoint/2010/main" xmlns:aink="http://schemas.microsoft.com/office/drawing/2016/ink">
+          <mc:Choice Requires="p14 aink">
+            <p:contentPart p14:bwMode="auto" r:id="rId20">
+              <p14:nvContentPartPr>
+                <p14:cNvPr id="38" name="墨迹 37">
+                  <a:extLst>
+                    <a:ext uri="{FF2B5EF4-FFF2-40B4-BE49-F238E27FC236}">
+                      <a16:creationId xmlns:a16="http://schemas.microsoft.com/office/drawing/2014/main" id="{4786FD5A-7A54-994F-8610-98B45047BFF4}"/>
+                    </a:ext>
+                  </a:extLst>
+                </p14:cNvPr>
+                <p14:cNvContentPartPr/>
+                <p14:nvPr/>
+              </p14:nvContentPartPr>
+              <p14:xfrm>
+                <a:off x="6287422" y="3683925"/>
+                <a:ext cx="280080" cy="129600"/>
+              </p14:xfrm>
+            </p:contentPart>
+          </mc:Choice>
+          <mc:Fallback xmlns="">
+            <p:pic>
+              <p:nvPicPr>
+                <p:cNvPr id="55" name="墨迹 54">
+                  <a:extLst>
+                    <a:ext uri="{FF2B5EF4-FFF2-40B4-BE49-F238E27FC236}">
+                      <a16:creationId xmlns:a16="http://schemas.microsoft.com/office/drawing/2014/main" id="{687DFFAD-55F8-4C40-8E57-54071F97283A}"/>
+                    </a:ext>
+                  </a:extLst>
+                </p:cNvPr>
+                <p:cNvPicPr/>
+                <p:nvPr/>
+              </p:nvPicPr>
+              <p:blipFill>
+                <a:blip r:embed="rId13"/>
+                <a:stretch>
+                  <a:fillRect/>
+                </a:stretch>
+              </p:blipFill>
+              <p:spPr>
+                <a:xfrm>
+                  <a:off x="6224782" y="3306285"/>
+                  <a:ext cx="405720" cy="885240"/>
+                </a:xfrm>
+                <a:prstGeom prst="rect">
+                  <a:avLst/>
+                </a:prstGeom>
+              </p:spPr>
+            </p:pic>
+          </mc:Fallback>
+        </mc:AlternateContent>
+        <mc:AlternateContent xmlns:mc="http://schemas.openxmlformats.org/markup-compatibility/2006" xmlns:p14="http://schemas.microsoft.com/office/powerpoint/2010/main" xmlns:aink="http://schemas.microsoft.com/office/drawing/2016/ink">
+          <mc:Choice Requires="p14 aink">
+            <p:contentPart p14:bwMode="auto" r:id="rId21">
+              <p14:nvContentPartPr>
+                <p14:cNvPr id="39" name="墨迹 38">
+                  <a:extLst>
+                    <a:ext uri="{FF2B5EF4-FFF2-40B4-BE49-F238E27FC236}">
+                      <a16:creationId xmlns:a16="http://schemas.microsoft.com/office/drawing/2014/main" id="{F6960D9E-C232-2746-8DEF-7C05B4241185}"/>
+                    </a:ext>
+                  </a:extLst>
+                </p14:cNvPr>
+                <p14:cNvContentPartPr/>
+                <p14:nvPr/>
+              </p14:nvContentPartPr>
+              <p14:xfrm>
+                <a:off x="6338182" y="3803445"/>
+                <a:ext cx="256680" cy="201240"/>
+              </p14:xfrm>
+            </p:contentPart>
+          </mc:Choice>
+          <mc:Fallback xmlns="">
+            <p:pic>
+              <p:nvPicPr>
+                <p:cNvPr id="57" name="墨迹 56">
+                  <a:extLst>
+                    <a:ext uri="{FF2B5EF4-FFF2-40B4-BE49-F238E27FC236}">
+                      <a16:creationId xmlns:a16="http://schemas.microsoft.com/office/drawing/2014/main" id="{784C1091-A1CD-3140-BAF6-F29B0CBA32AF}"/>
+                    </a:ext>
+                  </a:extLst>
+                </p:cNvPr>
+                <p:cNvPicPr/>
+                <p:nvPr/>
+              </p:nvPicPr>
+              <p:blipFill>
+                <a:blip r:embed="rId15"/>
+                <a:stretch>
+                  <a:fillRect/>
+                </a:stretch>
+              </p:blipFill>
+              <p:spPr>
+                <a:xfrm>
+                  <a:off x="6275182" y="3425445"/>
+                  <a:ext cx="382320" cy="956880"/>
+                </a:xfrm>
+                <a:prstGeom prst="rect">
+                  <a:avLst/>
+                </a:prstGeom>
+              </p:spPr>
+            </p:pic>
+          </mc:Fallback>
+        </mc:AlternateContent>
+      </p:grpSp>
+      <p:sp>
+        <p:nvSpPr>
+          <p:cNvPr id="40" name="文本框 39">
+            <a:extLst>
+              <a:ext uri="{FF2B5EF4-FFF2-40B4-BE49-F238E27FC236}">
+                <a16:creationId xmlns:a16="http://schemas.microsoft.com/office/drawing/2014/main" id="{C3365825-21EA-D441-AEB5-E6D34097624E}"/>
+              </a:ext>
+            </a:extLst>
+          </p:cNvPr>
+          <p:cNvSpPr txBox="1"/>
+          <p:nvPr/>
+        </p:nvSpPr>
+        <p:spPr>
+          <a:xfrm>
+            <a:off x="3976037" y="4022004"/>
+            <a:ext cx="5536443" cy="400110"/>
+          </a:xfrm>
+          <a:prstGeom prst="rect">
+            <a:avLst/>
+          </a:prstGeom>
+          <a:noFill/>
+          <a:ln w="22225">
+            <a:noFill/>
+          </a:ln>
+        </p:spPr>
+        <p:txBody>
+          <a:bodyPr wrap="square" rtlCol="0">
+            <a:spAutoFit/>
+          </a:bodyPr>
+          <a:lstStyle/>
+          <a:p>
+            <a:r>
+              <a:rPr kumimoji="1" lang="en-US" altLang="zh-CN" sz="2000" dirty="0">
+                <a:solidFill>
+                  <a:schemeClr val="accent6"/>
+                </a:solidFill>
+                <a:latin typeface="Chalkduster" panose="03050602040202020205" pitchFamily="66" charset="0"/>
+                <a:cs typeface="Modern Love Grunge" panose="020F0502020204030204" pitchFamily="34" charset="0"/>
+              </a:rPr>
+              <a:t>Measurement Metrics</a:t>
+            </a:r>
+            <a:endParaRPr kumimoji="1" lang="zh-CN" altLang="en-US" sz="2000" dirty="0">
+              <a:solidFill>
+                <a:schemeClr val="accent6"/>
+              </a:solidFill>
+              <a:latin typeface="Chalkduster" panose="03050602040202020205" pitchFamily="66" charset="0"/>
+              <a:cs typeface="Modern Love Grunge" panose="020F0502020204030204" pitchFamily="34" charset="0"/>
+            </a:endParaRPr>
+          </a:p>
+        </p:txBody>
+      </p:sp>
+      <p:sp>
+        <p:nvSpPr>
+          <p:cNvPr id="41" name="圆角矩形 40">
+            <a:extLst>
+              <a:ext uri="{FF2B5EF4-FFF2-40B4-BE49-F238E27FC236}">
+                <a16:creationId xmlns:a16="http://schemas.microsoft.com/office/drawing/2014/main" id="{B057EDAF-D773-1C47-A2F0-F477B2908C69}"/>
+              </a:ext>
+            </a:extLst>
+          </p:cNvPr>
+          <p:cNvSpPr/>
+          <p:nvPr/>
+        </p:nvSpPr>
+        <p:spPr>
+          <a:xfrm>
+            <a:off x="1444584" y="4557450"/>
+            <a:ext cx="2430157" cy="1557416"/>
+          </a:xfrm>
+          <a:prstGeom prst="roundRect">
+            <a:avLst/>
+          </a:prstGeom>
+          <a:noFill/>
+          <a:ln w="34925">
+            <a:solidFill>
+              <a:schemeClr val="bg2">
+                <a:lumMod val="90000"/>
+              </a:schemeClr>
+            </a:solidFill>
+          </a:ln>
+        </p:spPr>
+        <p:style>
+          <a:lnRef idx="2">
+            <a:schemeClr val="accent6">
+              <a:shade val="50000"/>
+            </a:schemeClr>
+          </a:lnRef>
+          <a:fillRef idx="1">
+            <a:schemeClr val="accent6"/>
+          </a:fillRef>
+          <a:effectRef idx="0">
+            <a:schemeClr val="accent6"/>
+          </a:effectRef>
+          <a:fontRef idx="minor">
+            <a:schemeClr val="lt1"/>
+          </a:fontRef>
+        </p:style>
+        <p:txBody>
+          <a:bodyPr rtlCol="0" anchor="ctr"/>
+          <a:lstStyle/>
+          <a:p>
+            <a:pPr algn="ctr"/>
+            <a:endParaRPr kumimoji="1" lang="zh-CN" altLang="en-US" dirty="0"/>
+          </a:p>
+        </p:txBody>
+      </p:sp>
+      <p:sp>
+        <p:nvSpPr>
+          <p:cNvPr id="43" name="文本框 42">
+            <a:extLst>
+              <a:ext uri="{FF2B5EF4-FFF2-40B4-BE49-F238E27FC236}">
+                <a16:creationId xmlns:a16="http://schemas.microsoft.com/office/drawing/2014/main" id="{EC9B3741-D6F3-BE42-B84D-587C417E56FE}"/>
+              </a:ext>
+            </a:extLst>
+          </p:cNvPr>
+          <p:cNvSpPr txBox="1"/>
+          <p:nvPr/>
+        </p:nvSpPr>
+        <p:spPr>
+          <a:xfrm>
+            <a:off x="1546454" y="4655518"/>
+            <a:ext cx="2311823" cy="1384995"/>
+          </a:xfrm>
+          <a:prstGeom prst="rect">
+            <a:avLst/>
+          </a:prstGeom>
+          <a:noFill/>
+        </p:spPr>
+        <p:txBody>
+          <a:bodyPr wrap="square" rtlCol="0">
+            <a:spAutoFit/>
+          </a:bodyPr>
+          <a:lstStyle/>
+          <a:p>
+            <a:pPr marL="285750" indent="-285750">
+              <a:buFont typeface="Arial" panose="020B0604020202020204" pitchFamily="34" charset="0"/>
+              <a:buChar char="•"/>
+            </a:pPr>
+            <a:r>
+              <a:rPr kumimoji="1" lang="en-US" altLang="zh-CN" sz="1200" dirty="0">
+                <a:solidFill>
+                  <a:schemeClr val="tx1">
+                    <a:lumMod val="65000"/>
+                    <a:lumOff val="35000"/>
+                  </a:schemeClr>
+                </a:solidFill>
+                <a:latin typeface="Chalkduster" panose="03050602040202020205" pitchFamily="66" charset="0"/>
+              </a:rPr>
+              <a:t>No. of ‘Learn more’ event per session</a:t>
+            </a:r>
+          </a:p>
+          <a:p>
+            <a:pPr marL="285750" indent="-285750">
+              <a:buFont typeface="Arial" panose="020B0604020202020204" pitchFamily="34" charset="0"/>
+              <a:buChar char="•"/>
+            </a:pPr>
+            <a:r>
+              <a:rPr kumimoji="1" lang="en-US" altLang="zh-CN" sz="1200" dirty="0">
+                <a:solidFill>
+                  <a:schemeClr val="tx1">
+                    <a:lumMod val="65000"/>
+                    <a:lumOff val="35000"/>
+                  </a:schemeClr>
+                </a:solidFill>
+                <a:latin typeface="Chalkduster" panose="03050602040202020205" pitchFamily="66" charset="0"/>
+              </a:rPr>
+              <a:t>Average session duration</a:t>
+            </a:r>
+          </a:p>
+          <a:p>
+            <a:pPr marL="285750" indent="-285750">
+              <a:buFont typeface="Arial" panose="020B0604020202020204" pitchFamily="34" charset="0"/>
+              <a:buChar char="•"/>
+            </a:pPr>
+            <a:r>
+              <a:rPr kumimoji="1" lang="en-US" altLang="zh-CN" sz="1200" dirty="0">
+                <a:solidFill>
+                  <a:schemeClr val="tx1">
+                    <a:lumMod val="65000"/>
+                    <a:lumOff val="35000"/>
+                  </a:schemeClr>
+                </a:solidFill>
+                <a:latin typeface="Chalkduster" panose="03050602040202020205" pitchFamily="66" charset="0"/>
+              </a:rPr>
+              <a:t>Average page view per session</a:t>
+            </a:r>
+          </a:p>
+          <a:p>
+            <a:pPr marL="285750" indent="-285750">
+              <a:buFont typeface="Arial" panose="020B0604020202020204" pitchFamily="34" charset="0"/>
+              <a:buChar char="•"/>
+            </a:pPr>
+            <a:r>
+              <a:rPr kumimoji="1" lang="en-US" altLang="zh-CN" sz="1200" dirty="0">
+                <a:solidFill>
+                  <a:schemeClr val="tx1">
+                    <a:lumMod val="65000"/>
+                    <a:lumOff val="35000"/>
+                  </a:schemeClr>
+                </a:solidFill>
+                <a:latin typeface="Chalkduster" panose="03050602040202020205" pitchFamily="66" charset="0"/>
+              </a:rPr>
+              <a:t>Bounce rate</a:t>
+            </a:r>
+            <a:endParaRPr kumimoji="1" lang="zh-CN" altLang="en-US" sz="1200" dirty="0">
+              <a:solidFill>
+                <a:schemeClr val="tx1">
+                  <a:lumMod val="65000"/>
+                  <a:lumOff val="35000"/>
+                </a:schemeClr>
+              </a:solidFill>
+              <a:latin typeface="Chalkduster" panose="03050602040202020205" pitchFamily="66" charset="0"/>
+            </a:endParaRPr>
+          </a:p>
+        </p:txBody>
+      </p:sp>
+      <p:grpSp>
+        <p:nvGrpSpPr>
+          <p:cNvPr id="56" name="组合 55">
+            <a:extLst>
+              <a:ext uri="{FF2B5EF4-FFF2-40B4-BE49-F238E27FC236}">
+                <a16:creationId xmlns:a16="http://schemas.microsoft.com/office/drawing/2014/main" id="{7A9CA562-98AB-944B-9DDC-AD922B489998}"/>
+              </a:ext>
+            </a:extLst>
+          </p:cNvPr>
+          <p:cNvGrpSpPr/>
+          <p:nvPr/>
+        </p:nvGrpSpPr>
+        <p:grpSpPr>
+          <a:xfrm>
+            <a:off x="3924444" y="5196827"/>
+            <a:ext cx="570960" cy="353880"/>
+            <a:chOff x="2948782" y="3699045"/>
+            <a:chExt cx="570960" cy="353880"/>
+          </a:xfrm>
+        </p:grpSpPr>
+        <mc:AlternateContent xmlns:mc="http://schemas.openxmlformats.org/markup-compatibility/2006" xmlns:p14="http://schemas.microsoft.com/office/powerpoint/2010/main" xmlns:aink="http://schemas.microsoft.com/office/drawing/2016/ink">
+          <mc:Choice Requires="p14 aink">
+            <p:contentPart p14:bwMode="auto" r:id="rId22">
+              <p14:nvContentPartPr>
+                <p14:cNvPr id="60" name="墨迹 59">
+                  <a:extLst>
+                    <a:ext uri="{FF2B5EF4-FFF2-40B4-BE49-F238E27FC236}">
+                      <a16:creationId xmlns:a16="http://schemas.microsoft.com/office/drawing/2014/main" id="{7ABF1954-41E0-7943-B069-29A0974CEB01}"/>
+                    </a:ext>
+                  </a:extLst>
+                </p14:cNvPr>
+                <p14:cNvContentPartPr/>
+                <p14:nvPr/>
+              </p14:nvContentPartPr>
+              <p14:xfrm>
+                <a:off x="2948782" y="3836565"/>
+                <a:ext cx="546480" cy="9360"/>
+              </p14:xfrm>
+            </p:contentPart>
+          </mc:Choice>
+          <mc:Fallback xmlns="">
+            <p:pic>
+              <p:nvPicPr>
+                <p:cNvPr id="48" name="墨迹 47">
+                  <a:extLst>
+                    <a:ext uri="{FF2B5EF4-FFF2-40B4-BE49-F238E27FC236}">
+                      <a16:creationId xmlns:a16="http://schemas.microsoft.com/office/drawing/2014/main" id="{14345D91-EDF6-9C4C-A204-7C3C5ECF03E6}"/>
+                    </a:ext>
+                  </a:extLst>
+                </p:cNvPr>
+                <p:cNvPicPr/>
+                <p:nvPr/>
+              </p:nvPicPr>
+              <p:blipFill>
+                <a:blip r:embed="rId5"/>
+                <a:stretch>
+                  <a:fillRect/>
+                </a:stretch>
+              </p:blipFill>
+              <p:spPr>
+                <a:xfrm>
+                  <a:off x="2885782" y="3458565"/>
+                  <a:ext cx="672120" cy="765000"/>
+                </a:xfrm>
+                <a:prstGeom prst="rect">
+                  <a:avLst/>
+                </a:prstGeom>
+              </p:spPr>
+            </p:pic>
+          </mc:Fallback>
+        </mc:AlternateContent>
+        <mc:AlternateContent xmlns:mc="http://schemas.openxmlformats.org/markup-compatibility/2006" xmlns:p14="http://schemas.microsoft.com/office/powerpoint/2010/main" xmlns:aink="http://schemas.microsoft.com/office/drawing/2016/ink">
+          <mc:Choice Requires="p14 aink">
+            <p:contentPart p14:bwMode="auto" r:id="rId23">
+              <p14:nvContentPartPr>
+                <p14:cNvPr id="61" name="墨迹 60">
+                  <a:extLst>
+                    <a:ext uri="{FF2B5EF4-FFF2-40B4-BE49-F238E27FC236}">
+                      <a16:creationId xmlns:a16="http://schemas.microsoft.com/office/drawing/2014/main" id="{33F8AD81-DED2-5F42-BFE9-9A5808F40314}"/>
+                    </a:ext>
+                  </a:extLst>
+                </p14:cNvPr>
+                <p14:cNvContentPartPr/>
+                <p14:nvPr/>
+              </p14:nvContentPartPr>
+              <p14:xfrm>
+                <a:off x="3243262" y="3699045"/>
+                <a:ext cx="276480" cy="137880"/>
+              </p14:xfrm>
+            </p:contentPart>
+          </mc:Choice>
+          <mc:Fallback xmlns="">
+            <p:pic>
+              <p:nvPicPr>
+                <p:cNvPr id="49" name="墨迹 48">
+                  <a:extLst>
+                    <a:ext uri="{FF2B5EF4-FFF2-40B4-BE49-F238E27FC236}">
+                      <a16:creationId xmlns:a16="http://schemas.microsoft.com/office/drawing/2014/main" id="{CCBADDE3-B948-A246-9EB3-B1BA781E4D5F}"/>
+                    </a:ext>
+                  </a:extLst>
+                </p:cNvPr>
+                <p:cNvPicPr/>
+                <p:nvPr/>
+              </p:nvPicPr>
+              <p:blipFill>
+                <a:blip r:embed="rId7"/>
+                <a:stretch>
+                  <a:fillRect/>
+                </a:stretch>
+              </p:blipFill>
+              <p:spPr>
+                <a:xfrm>
+                  <a:off x="3180262" y="3321045"/>
+                  <a:ext cx="402120" cy="893520"/>
+                </a:xfrm>
+                <a:prstGeom prst="rect">
+                  <a:avLst/>
+                </a:prstGeom>
+              </p:spPr>
+            </p:pic>
+          </mc:Fallback>
+        </mc:AlternateContent>
+        <mc:AlternateContent xmlns:mc="http://schemas.openxmlformats.org/markup-compatibility/2006" xmlns:p14="http://schemas.microsoft.com/office/powerpoint/2010/main" xmlns:aink="http://schemas.microsoft.com/office/drawing/2016/ink">
+          <mc:Choice Requires="p14 aink">
+            <p:contentPart p14:bwMode="auto" r:id="rId24">
+              <p14:nvContentPartPr>
+                <p14:cNvPr id="62" name="墨迹 61">
+                  <a:extLst>
+                    <a:ext uri="{FF2B5EF4-FFF2-40B4-BE49-F238E27FC236}">
+                      <a16:creationId xmlns:a16="http://schemas.microsoft.com/office/drawing/2014/main" id="{D1996EE6-CCEC-E14B-BD11-64100E4FDA7E}"/>
+                    </a:ext>
+                  </a:extLst>
+                </p14:cNvPr>
+                <p14:cNvContentPartPr/>
+                <p14:nvPr/>
+              </p14:nvContentPartPr>
+              <p14:xfrm>
+                <a:off x="3362062" y="3858885"/>
+                <a:ext cx="138600" cy="194040"/>
+              </p14:xfrm>
+            </p:contentPart>
+          </mc:Choice>
+          <mc:Fallback xmlns="">
+            <p:pic>
+              <p:nvPicPr>
+                <p:cNvPr id="51" name="墨迹 50">
+                  <a:extLst>
+                    <a:ext uri="{FF2B5EF4-FFF2-40B4-BE49-F238E27FC236}">
+                      <a16:creationId xmlns:a16="http://schemas.microsoft.com/office/drawing/2014/main" id="{92ED639E-86EB-404D-9C23-8B74CD83141B}"/>
+                    </a:ext>
+                  </a:extLst>
+                </p:cNvPr>
+                <p:cNvPicPr/>
+                <p:nvPr/>
+              </p:nvPicPr>
+              <p:blipFill>
+                <a:blip r:embed="rId9"/>
+                <a:stretch>
+                  <a:fillRect/>
+                </a:stretch>
+              </p:blipFill>
+              <p:spPr>
+                <a:xfrm>
+                  <a:off x="3299422" y="3480885"/>
+                  <a:ext cx="264240" cy="949680"/>
+                </a:xfrm>
+                <a:prstGeom prst="rect">
+                  <a:avLst/>
+                </a:prstGeom>
+              </p:spPr>
+            </p:pic>
+          </mc:Fallback>
+        </mc:AlternateContent>
+      </p:grpSp>
+      <p:grpSp>
+        <p:nvGrpSpPr>
+          <p:cNvPr id="63" name="组合 62">
+            <a:extLst>
+              <a:ext uri="{FF2B5EF4-FFF2-40B4-BE49-F238E27FC236}">
+                <a16:creationId xmlns:a16="http://schemas.microsoft.com/office/drawing/2014/main" id="{4D0092C8-15C3-ED47-BE9D-67D1DDD57B29}"/>
+              </a:ext>
+            </a:extLst>
+          </p:cNvPr>
+          <p:cNvGrpSpPr/>
+          <p:nvPr/>
+        </p:nvGrpSpPr>
+        <p:grpSpPr>
+          <a:xfrm>
+            <a:off x="6974364" y="5181707"/>
+            <a:ext cx="596160" cy="320760"/>
+            <a:chOff x="5998702" y="3683925"/>
+            <a:chExt cx="596160" cy="320760"/>
+          </a:xfrm>
+        </p:grpSpPr>
+        <mc:AlternateContent xmlns:mc="http://schemas.openxmlformats.org/markup-compatibility/2006" xmlns:p14="http://schemas.microsoft.com/office/powerpoint/2010/main" xmlns:aink="http://schemas.microsoft.com/office/drawing/2016/ink">
+          <mc:Choice Requires="p14 aink">
+            <p:contentPart p14:bwMode="auto" r:id="rId25">
+              <p14:nvContentPartPr>
+                <p14:cNvPr id="64" name="墨迹 63">
+                  <a:extLst>
+                    <a:ext uri="{FF2B5EF4-FFF2-40B4-BE49-F238E27FC236}">
+                      <a16:creationId xmlns:a16="http://schemas.microsoft.com/office/drawing/2014/main" id="{36872414-A9B6-A843-A6D4-C7CFCF0B112A}"/>
+                    </a:ext>
+                  </a:extLst>
+                </p14:cNvPr>
+                <p14:cNvContentPartPr/>
+                <p14:nvPr/>
+              </p14:nvContentPartPr>
+              <p14:xfrm>
+                <a:off x="5998702" y="3791205"/>
+                <a:ext cx="543600" cy="10800"/>
+              </p14:xfrm>
+            </p:contentPart>
+          </mc:Choice>
+          <mc:Fallback xmlns="">
+            <p:pic>
+              <p:nvPicPr>
+                <p:cNvPr id="54" name="墨迹 53">
+                  <a:extLst>
+                    <a:ext uri="{FF2B5EF4-FFF2-40B4-BE49-F238E27FC236}">
+                      <a16:creationId xmlns:a16="http://schemas.microsoft.com/office/drawing/2014/main" id="{DD7DF113-E78B-0F4C-A5EA-B20BB527384C}"/>
+                    </a:ext>
+                  </a:extLst>
+                </p:cNvPr>
+                <p:cNvPicPr/>
+                <p:nvPr/>
+              </p:nvPicPr>
+              <p:blipFill>
+                <a:blip r:embed="rId11"/>
+                <a:stretch>
+                  <a:fillRect/>
+                </a:stretch>
+              </p:blipFill>
+              <p:spPr>
+                <a:xfrm>
+                  <a:off x="5936062" y="3413565"/>
+                  <a:ext cx="669240" cy="766440"/>
+                </a:xfrm>
+                <a:prstGeom prst="rect">
+                  <a:avLst/>
+                </a:prstGeom>
+              </p:spPr>
+            </p:pic>
+          </mc:Fallback>
+        </mc:AlternateContent>
+        <mc:AlternateContent xmlns:mc="http://schemas.openxmlformats.org/markup-compatibility/2006" xmlns:p14="http://schemas.microsoft.com/office/powerpoint/2010/main" xmlns:aink="http://schemas.microsoft.com/office/drawing/2016/ink">
+          <mc:Choice Requires="p14 aink">
+            <p:contentPart p14:bwMode="auto" r:id="rId26">
+              <p14:nvContentPartPr>
+                <p14:cNvPr id="65" name="墨迹 64">
+                  <a:extLst>
+                    <a:ext uri="{FF2B5EF4-FFF2-40B4-BE49-F238E27FC236}">
+                      <a16:creationId xmlns:a16="http://schemas.microsoft.com/office/drawing/2014/main" id="{999D9E5C-21EF-9445-BA9F-1138FCD8FB0C}"/>
+                    </a:ext>
+                  </a:extLst>
+                </p14:cNvPr>
+                <p14:cNvContentPartPr/>
+                <p14:nvPr/>
+              </p14:nvContentPartPr>
+              <p14:xfrm>
+                <a:off x="6287422" y="3683925"/>
+                <a:ext cx="280080" cy="129600"/>
+              </p14:xfrm>
+            </p:contentPart>
+          </mc:Choice>
+          <mc:Fallback xmlns="">
+            <p:pic>
+              <p:nvPicPr>
+                <p:cNvPr id="55" name="墨迹 54">
+                  <a:extLst>
+                    <a:ext uri="{FF2B5EF4-FFF2-40B4-BE49-F238E27FC236}">
+                      <a16:creationId xmlns:a16="http://schemas.microsoft.com/office/drawing/2014/main" id="{687DFFAD-55F8-4C40-8E57-54071F97283A}"/>
+                    </a:ext>
+                  </a:extLst>
+                </p:cNvPr>
+                <p:cNvPicPr/>
+                <p:nvPr/>
+              </p:nvPicPr>
+              <p:blipFill>
+                <a:blip r:embed="rId13"/>
+                <a:stretch>
+                  <a:fillRect/>
+                </a:stretch>
+              </p:blipFill>
+              <p:spPr>
+                <a:xfrm>
+                  <a:off x="6224782" y="3306285"/>
+                  <a:ext cx="405720" cy="885240"/>
+                </a:xfrm>
+                <a:prstGeom prst="rect">
+                  <a:avLst/>
+                </a:prstGeom>
+              </p:spPr>
+            </p:pic>
+          </mc:Fallback>
+        </mc:AlternateContent>
+        <mc:AlternateContent xmlns:mc="http://schemas.openxmlformats.org/markup-compatibility/2006" xmlns:p14="http://schemas.microsoft.com/office/powerpoint/2010/main" xmlns:aink="http://schemas.microsoft.com/office/drawing/2016/ink">
+          <mc:Choice Requires="p14 aink">
+            <p:contentPart p14:bwMode="auto" r:id="rId27">
+              <p14:nvContentPartPr>
+                <p14:cNvPr id="66" name="墨迹 65">
+                  <a:extLst>
+                    <a:ext uri="{FF2B5EF4-FFF2-40B4-BE49-F238E27FC236}">
+                      <a16:creationId xmlns:a16="http://schemas.microsoft.com/office/drawing/2014/main" id="{784D1A42-5A64-FD4C-99AB-BF30BCD091AD}"/>
+                    </a:ext>
+                  </a:extLst>
+                </p14:cNvPr>
+                <p14:cNvContentPartPr/>
+                <p14:nvPr/>
+              </p14:nvContentPartPr>
+              <p14:xfrm>
+                <a:off x="6338182" y="3803445"/>
+                <a:ext cx="256680" cy="201240"/>
+              </p14:xfrm>
+            </p:contentPart>
+          </mc:Choice>
+          <mc:Fallback xmlns="">
+            <p:pic>
+              <p:nvPicPr>
+                <p:cNvPr id="57" name="墨迹 56">
+                  <a:extLst>
+                    <a:ext uri="{FF2B5EF4-FFF2-40B4-BE49-F238E27FC236}">
+                      <a16:creationId xmlns:a16="http://schemas.microsoft.com/office/drawing/2014/main" id="{784C1091-A1CD-3140-BAF6-F29B0CBA32AF}"/>
+                    </a:ext>
+                  </a:extLst>
+                </p:cNvPr>
+                <p:cNvPicPr/>
+                <p:nvPr/>
+              </p:nvPicPr>
+              <p:blipFill>
+                <a:blip r:embed="rId15"/>
+                <a:stretch>
+                  <a:fillRect/>
+                </a:stretch>
+              </p:blipFill>
+              <p:spPr>
+                <a:xfrm>
+                  <a:off x="6275182" y="3425445"/>
+                  <a:ext cx="382320" cy="956880"/>
+                </a:xfrm>
+                <a:prstGeom prst="rect">
+                  <a:avLst/>
+                </a:prstGeom>
+              </p:spPr>
+            </p:pic>
+          </mc:Fallback>
+        </mc:AlternateContent>
+      </p:grpSp>
+      <p:sp>
+        <p:nvSpPr>
+          <p:cNvPr id="67" name="圆角矩形 66">
+            <a:extLst>
+              <a:ext uri="{FF2B5EF4-FFF2-40B4-BE49-F238E27FC236}">
+                <a16:creationId xmlns:a16="http://schemas.microsoft.com/office/drawing/2014/main" id="{37CD9E93-5FC1-1842-B02C-DDDC7B0BDB76}"/>
+              </a:ext>
+            </a:extLst>
+          </p:cNvPr>
+          <p:cNvSpPr/>
+          <p:nvPr/>
+        </p:nvSpPr>
+        <p:spPr>
+          <a:xfrm>
+            <a:off x="4516785" y="4557450"/>
+            <a:ext cx="2430157" cy="1557416"/>
+          </a:xfrm>
+          <a:prstGeom prst="roundRect">
+            <a:avLst/>
+          </a:prstGeom>
+          <a:noFill/>
+          <a:ln w="34925">
+            <a:solidFill>
+              <a:schemeClr val="bg2">
+                <a:lumMod val="90000"/>
+              </a:schemeClr>
+            </a:solidFill>
+          </a:ln>
+        </p:spPr>
+        <p:style>
+          <a:lnRef idx="2">
+            <a:schemeClr val="accent6">
+              <a:shade val="50000"/>
+            </a:schemeClr>
+          </a:lnRef>
+          <a:fillRef idx="1">
+            <a:schemeClr val="accent6"/>
+          </a:fillRef>
+          <a:effectRef idx="0">
+            <a:schemeClr val="accent6"/>
+          </a:effectRef>
+          <a:fontRef idx="minor">
+            <a:schemeClr val="lt1"/>
+          </a:fontRef>
+        </p:style>
+        <p:txBody>
+          <a:bodyPr rtlCol="0" anchor="ctr"/>
+          <a:lstStyle/>
+          <a:p>
+            <a:pPr algn="ctr"/>
+            <a:endParaRPr kumimoji="1" lang="zh-CN" altLang="en-US" dirty="0"/>
+          </a:p>
+        </p:txBody>
+      </p:sp>
+      <p:sp>
+        <p:nvSpPr>
+          <p:cNvPr id="68" name="文本框 67">
+            <a:extLst>
+              <a:ext uri="{FF2B5EF4-FFF2-40B4-BE49-F238E27FC236}">
+                <a16:creationId xmlns:a16="http://schemas.microsoft.com/office/drawing/2014/main" id="{4A0CBDB1-F9F1-9F4E-8370-75207B672528}"/>
+              </a:ext>
+            </a:extLst>
+          </p:cNvPr>
+          <p:cNvSpPr txBox="1"/>
+          <p:nvPr/>
+        </p:nvSpPr>
+        <p:spPr>
+          <a:xfrm>
+            <a:off x="4631785" y="4976621"/>
+            <a:ext cx="2311823" cy="646331"/>
+          </a:xfrm>
+          <a:prstGeom prst="rect">
+            <a:avLst/>
+          </a:prstGeom>
+          <a:noFill/>
+        </p:spPr>
+        <p:txBody>
+          <a:bodyPr wrap="square" rtlCol="0">
+            <a:spAutoFit/>
+          </a:bodyPr>
+          <a:lstStyle/>
+          <a:p>
+            <a:pPr marL="285750" indent="-285750">
+              <a:buFont typeface="Arial" panose="020B0604020202020204" pitchFamily="34" charset="0"/>
+              <a:buChar char="•"/>
+            </a:pPr>
+            <a:r>
+              <a:rPr kumimoji="1" lang="en-US" altLang="zh-CN" sz="1200" dirty="0">
+                <a:solidFill>
+                  <a:schemeClr val="tx1">
+                    <a:lumMod val="65000"/>
+                    <a:lumOff val="35000"/>
+                  </a:schemeClr>
+                </a:solidFill>
+                <a:latin typeface="Chalkduster" panose="03050602040202020205" pitchFamily="66" charset="0"/>
+              </a:rPr>
+              <a:t>No. of ‘Like’ event per session</a:t>
+            </a:r>
+          </a:p>
+          <a:p>
+            <a:pPr marL="285750" indent="-285750">
+              <a:buFont typeface="Arial" panose="020B0604020202020204" pitchFamily="34" charset="0"/>
+              <a:buChar char="•"/>
+            </a:pPr>
+            <a:r>
+              <a:rPr kumimoji="1" lang="en-US" altLang="zh-CN" sz="1200" dirty="0">
+                <a:solidFill>
+                  <a:schemeClr val="tx1">
+                    <a:lumMod val="65000"/>
+                    <a:lumOff val="35000"/>
+                  </a:schemeClr>
+                </a:solidFill>
+                <a:latin typeface="Chalkduster" panose="03050602040202020205" pitchFamily="66" charset="0"/>
+              </a:rPr>
+              <a:t>% return customer</a:t>
+            </a:r>
+          </a:p>
+        </p:txBody>
+      </p:sp>
+      <p:sp>
+        <p:nvSpPr>
+          <p:cNvPr id="69" name="圆角矩形 68">
+            <a:extLst>
+              <a:ext uri="{FF2B5EF4-FFF2-40B4-BE49-F238E27FC236}">
+                <a16:creationId xmlns:a16="http://schemas.microsoft.com/office/drawing/2014/main" id="{B7A35AAB-BA4F-5645-9F53-DC0CB73A932A}"/>
+              </a:ext>
+            </a:extLst>
+          </p:cNvPr>
+          <p:cNvSpPr/>
+          <p:nvPr/>
+        </p:nvSpPr>
+        <p:spPr>
+          <a:xfrm>
+            <a:off x="7558827" y="4557450"/>
+            <a:ext cx="2430157" cy="1557416"/>
+          </a:xfrm>
+          <a:prstGeom prst="roundRect">
+            <a:avLst/>
+          </a:prstGeom>
+          <a:noFill/>
+          <a:ln w="34925">
+            <a:solidFill>
+              <a:schemeClr val="bg2">
+                <a:lumMod val="90000"/>
+              </a:schemeClr>
+            </a:solidFill>
+          </a:ln>
+        </p:spPr>
+        <p:style>
+          <a:lnRef idx="2">
+            <a:schemeClr val="accent6">
+              <a:shade val="50000"/>
+            </a:schemeClr>
+          </a:lnRef>
+          <a:fillRef idx="1">
+            <a:schemeClr val="accent6"/>
+          </a:fillRef>
+          <a:effectRef idx="0">
+            <a:schemeClr val="accent6"/>
+          </a:effectRef>
+          <a:fontRef idx="minor">
+            <a:schemeClr val="lt1"/>
+          </a:fontRef>
+        </p:style>
+        <p:txBody>
+          <a:bodyPr rtlCol="0" anchor="ctr"/>
+          <a:lstStyle/>
+          <a:p>
+            <a:pPr algn="ctr"/>
+            <a:endParaRPr kumimoji="1" lang="zh-CN" altLang="en-US" dirty="0"/>
+          </a:p>
+        </p:txBody>
+      </p:sp>
+      <p:sp>
+        <p:nvSpPr>
+          <p:cNvPr id="70" name="文本框 69">
+            <a:extLst>
+              <a:ext uri="{FF2B5EF4-FFF2-40B4-BE49-F238E27FC236}">
+                <a16:creationId xmlns:a16="http://schemas.microsoft.com/office/drawing/2014/main" id="{23402CC7-E677-1445-A991-DF4F6988D2FF}"/>
+              </a:ext>
+            </a:extLst>
+          </p:cNvPr>
+          <p:cNvSpPr txBox="1"/>
+          <p:nvPr/>
+        </p:nvSpPr>
+        <p:spPr>
+          <a:xfrm>
+            <a:off x="7732288" y="5070524"/>
+            <a:ext cx="2311823" cy="646331"/>
+          </a:xfrm>
+          <a:prstGeom prst="rect">
+            <a:avLst/>
+          </a:prstGeom>
+          <a:noFill/>
+        </p:spPr>
+        <p:txBody>
+          <a:bodyPr wrap="square" rtlCol="0">
+            <a:spAutoFit/>
+          </a:bodyPr>
+          <a:lstStyle/>
+          <a:p>
+            <a:pPr marL="285750" indent="-285750">
+              <a:buFont typeface="Arial" panose="020B0604020202020204" pitchFamily="34" charset="0"/>
+              <a:buChar char="•"/>
+            </a:pPr>
+            <a:r>
+              <a:rPr kumimoji="1" lang="en-US" altLang="zh-CN" sz="1200" dirty="0">
+                <a:solidFill>
+                  <a:schemeClr val="tx1">
+                    <a:lumMod val="65000"/>
+                    <a:lumOff val="35000"/>
+                  </a:schemeClr>
+                </a:solidFill>
+                <a:latin typeface="Chalkduster" panose="03050602040202020205" pitchFamily="66" charset="0"/>
+              </a:rPr>
+              <a:t>No. of ‘Join us’ event per session</a:t>
+            </a:r>
+          </a:p>
+          <a:p>
+            <a:endParaRPr kumimoji="1" lang="en-US" altLang="zh-CN" sz="1200" dirty="0">
+              <a:solidFill>
+                <a:schemeClr val="tx1">
+                  <a:lumMod val="65000"/>
+                  <a:lumOff val="35000"/>
+                </a:schemeClr>
+              </a:solidFill>
+              <a:latin typeface="Chalkduster" panose="03050602040202020205" pitchFamily="66" charset="0"/>
+            </a:endParaRPr>
+          </a:p>
+        </p:txBody>
+      </p:sp>
+    </p:spTree>
+    <p:extLst>
+      <p:ext uri="{BB962C8B-B14F-4D97-AF65-F5344CB8AC3E}">
+        <p14:creationId xmlns:p14="http://schemas.microsoft.com/office/powerpoint/2010/main" val="1534012434"/>
+      </p:ext>
+    </p:extLst>
+  </p:cSld>
+  <p:clrMapOvr>
+    <a:masterClrMapping/>
+  </p:clrMapOvr>
+</p:sld>
+</file>
+
+<file path=ppt/slides/slide5.xml><?xml version="1.0" encoding="utf-8"?>
+<p:sld xmlns:a="http://schemas.openxmlformats.org/drawingml/2006/main" xmlns:r="http://schemas.openxmlformats.org/officeDocument/2006/relationships" xmlns:p="http://schemas.openxmlformats.org/presentationml/2006/main">
+  <p:cSld>
+    <p:spTree>
+      <p:nvGrpSpPr>
+        <p:cNvPr id="1" name=""/>
+        <p:cNvGrpSpPr/>
+        <p:nvPr/>
+      </p:nvGrpSpPr>
+      <p:grpSpPr>
+        <a:xfrm>
+          <a:off x="0" y="0"/>
+          <a:ext cx="0" cy="0"/>
+          <a:chOff x="0" y="0"/>
+          <a:chExt cx="0" cy="0"/>
+        </a:xfrm>
+      </p:grpSpPr>
+      <p:pic>
+        <p:nvPicPr>
+          <p:cNvPr id="6" name="Picture 19">
+            <a:extLst>
+              <a:ext uri="{FF2B5EF4-FFF2-40B4-BE49-F238E27FC236}">
+                <a16:creationId xmlns:a16="http://schemas.microsoft.com/office/drawing/2014/main" id="{AEEE29CC-AEC3-9D4D-B796-9531829BE267}"/>
+              </a:ext>
+            </a:extLst>
+          </p:cNvPr>
+          <p:cNvPicPr/>
+          <p:nvPr/>
+        </p:nvPicPr>
+        <p:blipFill>
+          <a:blip r:embed="rId2">
+            <a:extLst>
+              <a:ext uri="{28A0092B-C50C-407E-A947-70E740481C1C}">
+                <a14:useLocalDpi xmlns:a14="http://schemas.microsoft.com/office/drawing/2010/main" val="0"/>
+              </a:ext>
+            </a:extLst>
+          </a:blip>
+          <a:stretch>
+            <a:fillRect/>
+          </a:stretch>
+        </p:blipFill>
+        <p:spPr>
+          <a:xfrm>
+            <a:off x="1749058" y="790989"/>
+            <a:ext cx="4078044" cy="2638011"/>
+          </a:xfrm>
+          <a:prstGeom prst="rect">
+            <a:avLst/>
+          </a:prstGeom>
+        </p:spPr>
+      </p:pic>
+      <p:pic>
+        <p:nvPicPr>
+          <p:cNvPr id="7" name="Picture 18">
+            <a:extLst>
+              <a:ext uri="{FF2B5EF4-FFF2-40B4-BE49-F238E27FC236}">
+                <a16:creationId xmlns:a16="http://schemas.microsoft.com/office/drawing/2014/main" id="{13F6BE99-5E9E-0C4B-B651-54FEDDB7399F}"/>
+              </a:ext>
+            </a:extLst>
+          </p:cNvPr>
+          <p:cNvPicPr/>
+          <p:nvPr/>
+        </p:nvPicPr>
+        <p:blipFill>
+          <a:blip r:embed="rId3">
+            <a:extLst>
+              <a:ext uri="{28A0092B-C50C-407E-A947-70E740481C1C}">
+                <a14:useLocalDpi xmlns:a14="http://schemas.microsoft.com/office/drawing/2010/main" val="0"/>
+              </a:ext>
+            </a:extLst>
+          </a:blip>
+          <a:stretch>
+            <a:fillRect/>
+          </a:stretch>
+        </p:blipFill>
+        <p:spPr>
+          <a:xfrm>
+            <a:off x="5827102" y="790989"/>
+            <a:ext cx="4078044" cy="2638011"/>
+          </a:xfrm>
+          <a:prstGeom prst="rect">
+            <a:avLst/>
+          </a:prstGeom>
+        </p:spPr>
+      </p:pic>
+      <p:pic>
+        <p:nvPicPr>
+          <p:cNvPr id="8" name="Picture 22">
+            <a:extLst>
+              <a:ext uri="{FF2B5EF4-FFF2-40B4-BE49-F238E27FC236}">
+                <a16:creationId xmlns:a16="http://schemas.microsoft.com/office/drawing/2014/main" id="{7ACBDEB5-F54A-3441-94EF-6E5E3557A773}"/>
+              </a:ext>
+            </a:extLst>
+          </p:cNvPr>
+          <p:cNvPicPr/>
+          <p:nvPr/>
+        </p:nvPicPr>
+        <p:blipFill>
+          <a:blip r:embed="rId4">
+            <a:extLst>
+              <a:ext uri="{28A0092B-C50C-407E-A947-70E740481C1C}">
+                <a14:useLocalDpi xmlns:a14="http://schemas.microsoft.com/office/drawing/2010/main" val="0"/>
+              </a:ext>
+            </a:extLst>
+          </a:blip>
+          <a:stretch>
+            <a:fillRect/>
+          </a:stretch>
+        </p:blipFill>
+        <p:spPr>
+          <a:xfrm>
+            <a:off x="1749058" y="3429000"/>
+            <a:ext cx="4078044" cy="2638010"/>
+          </a:xfrm>
+          <a:prstGeom prst="rect">
+            <a:avLst/>
+          </a:prstGeom>
+        </p:spPr>
+      </p:pic>
+      <p:pic>
+        <p:nvPicPr>
+          <p:cNvPr id="9" name="Picture 21">
+            <a:extLst>
+              <a:ext uri="{FF2B5EF4-FFF2-40B4-BE49-F238E27FC236}">
+                <a16:creationId xmlns:a16="http://schemas.microsoft.com/office/drawing/2014/main" id="{39165A46-39D8-9140-9B58-7E6B5BF532C4}"/>
+              </a:ext>
+            </a:extLst>
+          </p:cNvPr>
+          <p:cNvPicPr/>
+          <p:nvPr/>
+        </p:nvPicPr>
+        <p:blipFill>
+          <a:blip r:embed="rId5">
+            <a:extLst>
+              <a:ext uri="{28A0092B-C50C-407E-A947-70E740481C1C}">
+                <a14:useLocalDpi xmlns:a14="http://schemas.microsoft.com/office/drawing/2010/main" val="0"/>
+              </a:ext>
+            </a:extLst>
+          </a:blip>
+          <a:stretch>
+            <a:fillRect/>
+          </a:stretch>
+        </p:blipFill>
+        <p:spPr>
+          <a:xfrm>
+            <a:off x="5827102" y="3429000"/>
+            <a:ext cx="4078044" cy="2638010"/>
+          </a:xfrm>
+          <a:prstGeom prst="rect">
+            <a:avLst/>
+          </a:prstGeom>
+        </p:spPr>
+      </p:pic>
+    </p:spTree>
+    <p:extLst>
+      <p:ext uri="{BB962C8B-B14F-4D97-AF65-F5344CB8AC3E}">
+        <p14:creationId xmlns:p14="http://schemas.microsoft.com/office/powerpoint/2010/main" val="1822174481"/>
+      </p:ext>
+    </p:extLst>
+  </p:cSld>
+  <p:clrMapOvr>
+    <a:masterClrMapping/>
+  </p:clrMapOvr>
+</p:sld>
+</file>
+
+<file path=ppt/slides/slide6.xml><?xml version="1.0" encoding="utf-8"?>
+<p:sld xmlns:a="http://schemas.openxmlformats.org/drawingml/2006/main" xmlns:r="http://schemas.openxmlformats.org/officeDocument/2006/relationships" xmlns:p="http://schemas.openxmlformats.org/presentationml/2006/main">
+  <p:cSld>
+    <p:spTree>
+      <p:nvGrpSpPr>
+        <p:cNvPr id="1" name=""/>
+        <p:cNvGrpSpPr/>
+        <p:nvPr/>
+      </p:nvGrpSpPr>
+      <p:grpSpPr>
+        <a:xfrm>
+          <a:off x="0" y="0"/>
+          <a:ext cx="0" cy="0"/>
+          <a:chOff x="0" y="0"/>
+          <a:chExt cx="0" cy="0"/>
+        </a:xfrm>
+      </p:grpSpPr>
+      <p:pic>
+        <p:nvPicPr>
+          <p:cNvPr id="10" name="Picture 24">
+            <a:extLst>
+              <a:ext uri="{FF2B5EF4-FFF2-40B4-BE49-F238E27FC236}">
+                <a16:creationId xmlns:a16="http://schemas.microsoft.com/office/drawing/2014/main" id="{5384DA20-DABB-D642-BE15-E03B01A6FE7E}"/>
+              </a:ext>
+            </a:extLst>
+          </p:cNvPr>
+          <p:cNvPicPr/>
+          <p:nvPr/>
+        </p:nvPicPr>
+        <p:blipFill>
+          <a:blip r:embed="rId2" cstate="print">
+            <a:extLst>
+              <a:ext uri="{28A0092B-C50C-407E-A947-70E740481C1C}">
+                <a14:useLocalDpi xmlns:a14="http://schemas.microsoft.com/office/drawing/2010/main" val="0"/>
+              </a:ext>
+            </a:extLst>
+          </a:blip>
+          <a:stretch>
+            <a:fillRect/>
+          </a:stretch>
+        </p:blipFill>
+        <p:spPr>
+          <a:xfrm>
+            <a:off x="1388745" y="1767205"/>
+            <a:ext cx="4154805" cy="2761933"/>
+          </a:xfrm>
+          <a:prstGeom prst="rect">
+            <a:avLst/>
+          </a:prstGeom>
+          <a:ln>
+            <a:noFill/>
+          </a:ln>
+        </p:spPr>
+      </p:pic>
+      <p:pic>
+        <p:nvPicPr>
+          <p:cNvPr id="11" name="Picture 12">
+            <a:extLst>
+              <a:ext uri="{FF2B5EF4-FFF2-40B4-BE49-F238E27FC236}">
+                <a16:creationId xmlns:a16="http://schemas.microsoft.com/office/drawing/2014/main" id="{212FBF45-39BD-CA41-918A-BD21AC362C98}"/>
+              </a:ext>
+            </a:extLst>
+          </p:cNvPr>
+          <p:cNvPicPr/>
+          <p:nvPr/>
+        </p:nvPicPr>
+        <p:blipFill>
+          <a:blip r:embed="rId3" cstate="print">
+            <a:extLst>
+              <a:ext uri="{28A0092B-C50C-407E-A947-70E740481C1C}">
+                <a14:useLocalDpi xmlns:a14="http://schemas.microsoft.com/office/drawing/2010/main" val="0"/>
+              </a:ext>
+            </a:extLst>
+          </a:blip>
+          <a:stretch>
+            <a:fillRect/>
+          </a:stretch>
+        </p:blipFill>
+        <p:spPr>
+          <a:xfrm>
+            <a:off x="5543550" y="1767205"/>
+            <a:ext cx="4154804" cy="2761933"/>
+          </a:xfrm>
+          <a:prstGeom prst="rect">
+            <a:avLst/>
+          </a:prstGeom>
+          <a:ln>
+            <a:noFill/>
+          </a:ln>
+        </p:spPr>
+      </p:pic>
+    </p:spTree>
+    <p:extLst>
+      <p:ext uri="{BB962C8B-B14F-4D97-AF65-F5344CB8AC3E}">
+        <p14:creationId xmlns:p14="http://schemas.microsoft.com/office/powerpoint/2010/main" val="868091442"/>
       </p:ext>
     </p:extLst>
   </p:cSld>
